--- a/demo.pptx
+++ b/demo.pptx
@@ -19,7 +19,7 @@
     <p:sldId id="266" r:id="rId14"/>
   </p:sldIdLst>
   <p:sldSz cx="12192000" cy="6858000"/>
-  <p:notesSz cx="7559675" cy="10691812"/>
+  <p:notesSz cx="7559675" cy="10691813"/>
 </p:presentation>
 </file>
 
@@ -64,7 +64,7 @@
       </p:grpSpPr>
       <p:sp>
         <p:nvSpPr>
-          <p:cNvPr id="48" name="PlaceHolder 1"/>
+          <p:cNvPr id="45" name="PlaceHolder 1"/>
           <p:cNvSpPr>
             <a:spLocks noGrp="1"/>
           </p:cNvSpPr>
@@ -74,89 +74,95 @@
         </p:nvSpPr>
         <p:spPr>
           <a:xfrm>
-            <a:off x="677160" y="609480"/>
-            <a:ext cx="8596440" cy="1320480"/>
-          </a:xfrm>
-          <a:prstGeom prst="rect">
-            <a:avLst/>
-          </a:prstGeom>
+            <a:off x="609480" y="273600"/>
+            <a:ext cx="10972440" cy="1144800"/>
+          </a:xfrm>
+          <a:prstGeom prst="rect">
+            <a:avLst/>
+          </a:prstGeom>
+          <a:noFill/>
+          <a:ln w="0">
+            <a:noFill/>
+          </a:ln>
         </p:spPr>
         <p:txBody>
           <a:bodyPr lIns="0" rIns="0" tIns="0" bIns="0" anchor="ctr">
             <a:noAutofit/>
           </a:bodyPr>
           <a:p>
-            <a:endParaRPr b="0" lang="ru-RU" sz="1800" spc="-1" strike="noStrike">
-              <a:solidFill>
-                <a:srgbClr val="000000"/>
-              </a:solidFill>
-              <a:latin typeface="Trebuchet MS"/>
-            </a:endParaRPr>
-          </a:p>
-        </p:txBody>
-      </p:sp>
-      <p:sp>
-        <p:nvSpPr>
-          <p:cNvPr id="49" name="PlaceHolder 2"/>
-          <p:cNvSpPr>
-            <a:spLocks noGrp="1"/>
-          </p:cNvSpPr>
-          <p:nvPr>
-            <p:ph type="body"/>
-          </p:nvPr>
-        </p:nvSpPr>
-        <p:spPr>
-          <a:xfrm>
-            <a:off x="677160" y="2160720"/>
-            <a:ext cx="8596440" cy="1850760"/>
-          </a:xfrm>
-          <a:prstGeom prst="rect">
-            <a:avLst/>
-          </a:prstGeom>
-        </p:spPr>
-        <p:txBody>
-          <a:bodyPr lIns="0" rIns="0" tIns="0" bIns="0">
+            <a:pPr algn="ctr">
+              <a:buNone/>
+            </a:pPr>
+            <a:endParaRPr b="0" lang="en-US" sz="4400" spc="-1" strike="noStrike">
+              <a:latin typeface="Arial"/>
+            </a:endParaRPr>
+          </a:p>
+        </p:txBody>
+      </p:sp>
+      <p:sp>
+        <p:nvSpPr>
+          <p:cNvPr id="46" name="PlaceHolder 2"/>
+          <p:cNvSpPr>
+            <a:spLocks noGrp="1"/>
+          </p:cNvSpPr>
+          <p:nvPr>
+            <p:ph/>
+          </p:nvPr>
+        </p:nvSpPr>
+        <p:spPr>
+          <a:xfrm>
+            <a:off x="609480" y="1604520"/>
+            <a:ext cx="10972440" cy="1896840"/>
+          </a:xfrm>
+          <a:prstGeom prst="rect">
+            <a:avLst/>
+          </a:prstGeom>
+          <a:noFill/>
+          <a:ln w="0">
+            <a:noFill/>
+          </a:ln>
+        </p:spPr>
+        <p:txBody>
+          <a:bodyPr lIns="0" rIns="0" tIns="0" bIns="0" anchor="t">
             <a:normAutofit/>
           </a:bodyPr>
           <a:p>
-            <a:endParaRPr b="0" lang="ru-RU" sz="1800" spc="-1" strike="noStrike">
-              <a:solidFill>
-                <a:srgbClr val="404040"/>
-              </a:solidFill>
-              <a:latin typeface="Trebuchet MS"/>
-            </a:endParaRPr>
-          </a:p>
-        </p:txBody>
-      </p:sp>
-      <p:sp>
-        <p:nvSpPr>
-          <p:cNvPr id="50" name="PlaceHolder 3"/>
-          <p:cNvSpPr>
-            <a:spLocks noGrp="1"/>
-          </p:cNvSpPr>
-          <p:nvPr>
-            <p:ph type="body"/>
-          </p:nvPr>
-        </p:nvSpPr>
-        <p:spPr>
-          <a:xfrm>
-            <a:off x="677160" y="4187520"/>
-            <a:ext cx="8596440" cy="1850760"/>
-          </a:xfrm>
-          <a:prstGeom prst="rect">
-            <a:avLst/>
-          </a:prstGeom>
-        </p:spPr>
-        <p:txBody>
-          <a:bodyPr lIns="0" rIns="0" tIns="0" bIns="0">
+            <a:endParaRPr b="0" lang="en-US" sz="3200" spc="-1" strike="noStrike">
+              <a:latin typeface="Arial"/>
+            </a:endParaRPr>
+          </a:p>
+        </p:txBody>
+      </p:sp>
+      <p:sp>
+        <p:nvSpPr>
+          <p:cNvPr id="47" name="PlaceHolder 3"/>
+          <p:cNvSpPr>
+            <a:spLocks noGrp="1"/>
+          </p:cNvSpPr>
+          <p:nvPr>
+            <p:ph/>
+          </p:nvPr>
+        </p:nvSpPr>
+        <p:spPr>
+          <a:xfrm>
+            <a:off x="609480" y="3682080"/>
+            <a:ext cx="10972440" cy="1896840"/>
+          </a:xfrm>
+          <a:prstGeom prst="rect">
+            <a:avLst/>
+          </a:prstGeom>
+          <a:noFill/>
+          <a:ln w="0">
+            <a:noFill/>
+          </a:ln>
+        </p:spPr>
+        <p:txBody>
+          <a:bodyPr lIns="0" rIns="0" tIns="0" bIns="0" anchor="t">
             <a:normAutofit/>
           </a:bodyPr>
           <a:p>
-            <a:endParaRPr b="0" lang="ru-RU" sz="1800" spc="-1" strike="noStrike">
-              <a:solidFill>
-                <a:srgbClr val="404040"/>
-              </a:solidFill>
-              <a:latin typeface="Trebuchet MS"/>
+            <a:endParaRPr b="0" lang="en-US" sz="3200" spc="-1" strike="noStrike">
+              <a:latin typeface="Arial"/>
             </a:endParaRPr>
           </a:p>
         </p:txBody>
@@ -185,7 +191,7 @@
       </p:grpSpPr>
       <p:sp>
         <p:nvSpPr>
-          <p:cNvPr id="51" name="PlaceHolder 1"/>
+          <p:cNvPr id="48" name="PlaceHolder 1"/>
           <p:cNvSpPr>
             <a:spLocks noGrp="1"/>
           </p:cNvSpPr>
@@ -195,155 +201,163 @@
         </p:nvSpPr>
         <p:spPr>
           <a:xfrm>
-            <a:off x="677160" y="609480"/>
-            <a:ext cx="8596440" cy="1320480"/>
-          </a:xfrm>
-          <a:prstGeom prst="rect">
-            <a:avLst/>
-          </a:prstGeom>
+            <a:off x="609480" y="273600"/>
+            <a:ext cx="10972440" cy="1144800"/>
+          </a:xfrm>
+          <a:prstGeom prst="rect">
+            <a:avLst/>
+          </a:prstGeom>
+          <a:noFill/>
+          <a:ln w="0">
+            <a:noFill/>
+          </a:ln>
         </p:spPr>
         <p:txBody>
           <a:bodyPr lIns="0" rIns="0" tIns="0" bIns="0" anchor="ctr">
             <a:noAutofit/>
           </a:bodyPr>
           <a:p>
-            <a:endParaRPr b="0" lang="ru-RU" sz="1800" spc="-1" strike="noStrike">
-              <a:solidFill>
-                <a:srgbClr val="000000"/>
-              </a:solidFill>
-              <a:latin typeface="Trebuchet MS"/>
-            </a:endParaRPr>
-          </a:p>
-        </p:txBody>
-      </p:sp>
-      <p:sp>
-        <p:nvSpPr>
-          <p:cNvPr id="52" name="PlaceHolder 2"/>
-          <p:cNvSpPr>
-            <a:spLocks noGrp="1"/>
-          </p:cNvSpPr>
-          <p:nvPr>
-            <p:ph type="body"/>
-          </p:nvPr>
-        </p:nvSpPr>
-        <p:spPr>
-          <a:xfrm>
-            <a:off x="677160" y="2160720"/>
-            <a:ext cx="4194720" cy="1850760"/>
-          </a:xfrm>
-          <a:prstGeom prst="rect">
-            <a:avLst/>
-          </a:prstGeom>
-        </p:spPr>
-        <p:txBody>
-          <a:bodyPr lIns="0" rIns="0" tIns="0" bIns="0">
+            <a:pPr algn="ctr">
+              <a:buNone/>
+            </a:pPr>
+            <a:endParaRPr b="0" lang="en-US" sz="4400" spc="-1" strike="noStrike">
+              <a:latin typeface="Arial"/>
+            </a:endParaRPr>
+          </a:p>
+        </p:txBody>
+      </p:sp>
+      <p:sp>
+        <p:nvSpPr>
+          <p:cNvPr id="49" name="PlaceHolder 2"/>
+          <p:cNvSpPr>
+            <a:spLocks noGrp="1"/>
+          </p:cNvSpPr>
+          <p:nvPr>
+            <p:ph/>
+          </p:nvPr>
+        </p:nvSpPr>
+        <p:spPr>
+          <a:xfrm>
+            <a:off x="609480" y="1604520"/>
+            <a:ext cx="5354280" cy="1896840"/>
+          </a:xfrm>
+          <a:prstGeom prst="rect">
+            <a:avLst/>
+          </a:prstGeom>
+          <a:noFill/>
+          <a:ln w="0">
+            <a:noFill/>
+          </a:ln>
+        </p:spPr>
+        <p:txBody>
+          <a:bodyPr lIns="0" rIns="0" tIns="0" bIns="0" anchor="t">
             <a:normAutofit/>
           </a:bodyPr>
           <a:p>
-            <a:endParaRPr b="0" lang="ru-RU" sz="1800" spc="-1" strike="noStrike">
-              <a:solidFill>
-                <a:srgbClr val="404040"/>
-              </a:solidFill>
-              <a:latin typeface="Trebuchet MS"/>
-            </a:endParaRPr>
-          </a:p>
-        </p:txBody>
-      </p:sp>
-      <p:sp>
-        <p:nvSpPr>
-          <p:cNvPr id="53" name="PlaceHolder 3"/>
-          <p:cNvSpPr>
-            <a:spLocks noGrp="1"/>
-          </p:cNvSpPr>
-          <p:nvPr>
-            <p:ph type="body"/>
-          </p:nvPr>
-        </p:nvSpPr>
-        <p:spPr>
-          <a:xfrm>
-            <a:off x="5082120" y="2160720"/>
-            <a:ext cx="4194720" cy="1850760"/>
-          </a:xfrm>
-          <a:prstGeom prst="rect">
-            <a:avLst/>
-          </a:prstGeom>
-        </p:spPr>
-        <p:txBody>
-          <a:bodyPr lIns="0" rIns="0" tIns="0" bIns="0">
+            <a:endParaRPr b="0" lang="en-US" sz="3200" spc="-1" strike="noStrike">
+              <a:latin typeface="Arial"/>
+            </a:endParaRPr>
+          </a:p>
+        </p:txBody>
+      </p:sp>
+      <p:sp>
+        <p:nvSpPr>
+          <p:cNvPr id="50" name="PlaceHolder 3"/>
+          <p:cNvSpPr>
+            <a:spLocks noGrp="1"/>
+          </p:cNvSpPr>
+          <p:nvPr>
+            <p:ph/>
+          </p:nvPr>
+        </p:nvSpPr>
+        <p:spPr>
+          <a:xfrm>
+            <a:off x="6231960" y="1604520"/>
+            <a:ext cx="5354280" cy="1896840"/>
+          </a:xfrm>
+          <a:prstGeom prst="rect">
+            <a:avLst/>
+          </a:prstGeom>
+          <a:noFill/>
+          <a:ln w="0">
+            <a:noFill/>
+          </a:ln>
+        </p:spPr>
+        <p:txBody>
+          <a:bodyPr lIns="0" rIns="0" tIns="0" bIns="0" anchor="t">
             <a:normAutofit/>
           </a:bodyPr>
           <a:p>
-            <a:endParaRPr b="0" lang="ru-RU" sz="1800" spc="-1" strike="noStrike">
-              <a:solidFill>
-                <a:srgbClr val="404040"/>
-              </a:solidFill>
-              <a:latin typeface="Trebuchet MS"/>
-            </a:endParaRPr>
-          </a:p>
-        </p:txBody>
-      </p:sp>
-      <p:sp>
-        <p:nvSpPr>
-          <p:cNvPr id="54" name="PlaceHolder 4"/>
-          <p:cNvSpPr>
-            <a:spLocks noGrp="1"/>
-          </p:cNvSpPr>
-          <p:nvPr>
-            <p:ph type="body"/>
-          </p:nvPr>
-        </p:nvSpPr>
-        <p:spPr>
-          <a:xfrm>
-            <a:off x="677160" y="4187520"/>
-            <a:ext cx="4194720" cy="1850760"/>
-          </a:xfrm>
-          <a:prstGeom prst="rect">
-            <a:avLst/>
-          </a:prstGeom>
-        </p:spPr>
-        <p:txBody>
-          <a:bodyPr lIns="0" rIns="0" tIns="0" bIns="0">
+            <a:endParaRPr b="0" lang="en-US" sz="3200" spc="-1" strike="noStrike">
+              <a:latin typeface="Arial"/>
+            </a:endParaRPr>
+          </a:p>
+        </p:txBody>
+      </p:sp>
+      <p:sp>
+        <p:nvSpPr>
+          <p:cNvPr id="51" name="PlaceHolder 4"/>
+          <p:cNvSpPr>
+            <a:spLocks noGrp="1"/>
+          </p:cNvSpPr>
+          <p:nvPr>
+            <p:ph/>
+          </p:nvPr>
+        </p:nvSpPr>
+        <p:spPr>
+          <a:xfrm>
+            <a:off x="609480" y="3682080"/>
+            <a:ext cx="5354280" cy="1896840"/>
+          </a:xfrm>
+          <a:prstGeom prst="rect">
+            <a:avLst/>
+          </a:prstGeom>
+          <a:noFill/>
+          <a:ln w="0">
+            <a:noFill/>
+          </a:ln>
+        </p:spPr>
+        <p:txBody>
+          <a:bodyPr lIns="0" rIns="0" tIns="0" bIns="0" anchor="t">
             <a:normAutofit/>
           </a:bodyPr>
           <a:p>
-            <a:endParaRPr b="0" lang="ru-RU" sz="1800" spc="-1" strike="noStrike">
-              <a:solidFill>
-                <a:srgbClr val="404040"/>
-              </a:solidFill>
-              <a:latin typeface="Trebuchet MS"/>
-            </a:endParaRPr>
-          </a:p>
-        </p:txBody>
-      </p:sp>
-      <p:sp>
-        <p:nvSpPr>
-          <p:cNvPr id="55" name="PlaceHolder 5"/>
-          <p:cNvSpPr>
-            <a:spLocks noGrp="1"/>
-          </p:cNvSpPr>
-          <p:nvPr>
-            <p:ph type="body"/>
-          </p:nvPr>
-        </p:nvSpPr>
-        <p:spPr>
-          <a:xfrm>
-            <a:off x="5082120" y="4187520"/>
-            <a:ext cx="4194720" cy="1850760"/>
-          </a:xfrm>
-          <a:prstGeom prst="rect">
-            <a:avLst/>
-          </a:prstGeom>
-        </p:spPr>
-        <p:txBody>
-          <a:bodyPr lIns="0" rIns="0" tIns="0" bIns="0">
+            <a:endParaRPr b="0" lang="en-US" sz="3200" spc="-1" strike="noStrike">
+              <a:latin typeface="Arial"/>
+            </a:endParaRPr>
+          </a:p>
+        </p:txBody>
+      </p:sp>
+      <p:sp>
+        <p:nvSpPr>
+          <p:cNvPr id="52" name="PlaceHolder 5"/>
+          <p:cNvSpPr>
+            <a:spLocks noGrp="1"/>
+          </p:cNvSpPr>
+          <p:nvPr>
+            <p:ph/>
+          </p:nvPr>
+        </p:nvSpPr>
+        <p:spPr>
+          <a:xfrm>
+            <a:off x="6231960" y="3682080"/>
+            <a:ext cx="5354280" cy="1896840"/>
+          </a:xfrm>
+          <a:prstGeom prst="rect">
+            <a:avLst/>
+          </a:prstGeom>
+          <a:noFill/>
+          <a:ln w="0">
+            <a:noFill/>
+          </a:ln>
+        </p:spPr>
+        <p:txBody>
+          <a:bodyPr lIns="0" rIns="0" tIns="0" bIns="0" anchor="t">
             <a:normAutofit/>
           </a:bodyPr>
           <a:p>
-            <a:endParaRPr b="0" lang="ru-RU" sz="1800" spc="-1" strike="noStrike">
-              <a:solidFill>
-                <a:srgbClr val="404040"/>
-              </a:solidFill>
-              <a:latin typeface="Trebuchet MS"/>
+            <a:endParaRPr b="0" lang="en-US" sz="3200" spc="-1" strike="noStrike">
+              <a:latin typeface="Arial"/>
             </a:endParaRPr>
           </a:p>
         </p:txBody>
@@ -372,7 +386,7 @@
       </p:grpSpPr>
       <p:sp>
         <p:nvSpPr>
-          <p:cNvPr id="56" name="PlaceHolder 1"/>
+          <p:cNvPr id="53" name="PlaceHolder 1"/>
           <p:cNvSpPr>
             <a:spLocks noGrp="1"/>
           </p:cNvSpPr>
@@ -382,221 +396,231 @@
         </p:nvSpPr>
         <p:spPr>
           <a:xfrm>
-            <a:off x="677160" y="609480"/>
-            <a:ext cx="8596440" cy="1320480"/>
-          </a:xfrm>
-          <a:prstGeom prst="rect">
-            <a:avLst/>
-          </a:prstGeom>
+            <a:off x="609480" y="273600"/>
+            <a:ext cx="10972440" cy="1144800"/>
+          </a:xfrm>
+          <a:prstGeom prst="rect">
+            <a:avLst/>
+          </a:prstGeom>
+          <a:noFill/>
+          <a:ln w="0">
+            <a:noFill/>
+          </a:ln>
         </p:spPr>
         <p:txBody>
           <a:bodyPr lIns="0" rIns="0" tIns="0" bIns="0" anchor="ctr">
             <a:noAutofit/>
           </a:bodyPr>
           <a:p>
-            <a:endParaRPr b="0" lang="ru-RU" sz="1800" spc="-1" strike="noStrike">
-              <a:solidFill>
-                <a:srgbClr val="000000"/>
-              </a:solidFill>
-              <a:latin typeface="Trebuchet MS"/>
-            </a:endParaRPr>
-          </a:p>
-        </p:txBody>
-      </p:sp>
-      <p:sp>
-        <p:nvSpPr>
-          <p:cNvPr id="57" name="PlaceHolder 2"/>
-          <p:cNvSpPr>
-            <a:spLocks noGrp="1"/>
-          </p:cNvSpPr>
-          <p:nvPr>
-            <p:ph type="body"/>
-          </p:nvPr>
-        </p:nvSpPr>
-        <p:spPr>
-          <a:xfrm>
-            <a:off x="677160" y="2160720"/>
-            <a:ext cx="2767680" cy="1850760"/>
-          </a:xfrm>
-          <a:prstGeom prst="rect">
-            <a:avLst/>
-          </a:prstGeom>
-        </p:spPr>
-        <p:txBody>
-          <a:bodyPr lIns="0" rIns="0" tIns="0" bIns="0">
+            <a:pPr algn="ctr">
+              <a:buNone/>
+            </a:pPr>
+            <a:endParaRPr b="0" lang="en-US" sz="4400" spc="-1" strike="noStrike">
+              <a:latin typeface="Arial"/>
+            </a:endParaRPr>
+          </a:p>
+        </p:txBody>
+      </p:sp>
+      <p:sp>
+        <p:nvSpPr>
+          <p:cNvPr id="54" name="PlaceHolder 2"/>
+          <p:cNvSpPr>
+            <a:spLocks noGrp="1"/>
+          </p:cNvSpPr>
+          <p:nvPr>
+            <p:ph/>
+          </p:nvPr>
+        </p:nvSpPr>
+        <p:spPr>
+          <a:xfrm>
+            <a:off x="609480" y="1604520"/>
+            <a:ext cx="3533040" cy="1896840"/>
+          </a:xfrm>
+          <a:prstGeom prst="rect">
+            <a:avLst/>
+          </a:prstGeom>
+          <a:noFill/>
+          <a:ln w="0">
+            <a:noFill/>
+          </a:ln>
+        </p:spPr>
+        <p:txBody>
+          <a:bodyPr lIns="0" rIns="0" tIns="0" bIns="0" anchor="t">
             <a:normAutofit/>
           </a:bodyPr>
           <a:p>
-            <a:endParaRPr b="0" lang="ru-RU" sz="1800" spc="-1" strike="noStrike">
-              <a:solidFill>
-                <a:srgbClr val="404040"/>
-              </a:solidFill>
-              <a:latin typeface="Trebuchet MS"/>
-            </a:endParaRPr>
-          </a:p>
-        </p:txBody>
-      </p:sp>
-      <p:sp>
-        <p:nvSpPr>
-          <p:cNvPr id="58" name="PlaceHolder 3"/>
-          <p:cNvSpPr>
-            <a:spLocks noGrp="1"/>
-          </p:cNvSpPr>
-          <p:nvPr>
-            <p:ph type="body"/>
-          </p:nvPr>
-        </p:nvSpPr>
-        <p:spPr>
-          <a:xfrm>
-            <a:off x="3583440" y="2160720"/>
-            <a:ext cx="2767680" cy="1850760"/>
-          </a:xfrm>
-          <a:prstGeom prst="rect">
-            <a:avLst/>
-          </a:prstGeom>
-        </p:spPr>
-        <p:txBody>
-          <a:bodyPr lIns="0" rIns="0" tIns="0" bIns="0">
+            <a:endParaRPr b="0" lang="en-US" sz="3200" spc="-1" strike="noStrike">
+              <a:latin typeface="Arial"/>
+            </a:endParaRPr>
+          </a:p>
+        </p:txBody>
+      </p:sp>
+      <p:sp>
+        <p:nvSpPr>
+          <p:cNvPr id="55" name="PlaceHolder 3"/>
+          <p:cNvSpPr>
+            <a:spLocks noGrp="1"/>
+          </p:cNvSpPr>
+          <p:nvPr>
+            <p:ph/>
+          </p:nvPr>
+        </p:nvSpPr>
+        <p:spPr>
+          <a:xfrm>
+            <a:off x="4319640" y="1604520"/>
+            <a:ext cx="3533040" cy="1896840"/>
+          </a:xfrm>
+          <a:prstGeom prst="rect">
+            <a:avLst/>
+          </a:prstGeom>
+          <a:noFill/>
+          <a:ln w="0">
+            <a:noFill/>
+          </a:ln>
+        </p:spPr>
+        <p:txBody>
+          <a:bodyPr lIns="0" rIns="0" tIns="0" bIns="0" anchor="t">
             <a:normAutofit/>
           </a:bodyPr>
           <a:p>
-            <a:endParaRPr b="0" lang="ru-RU" sz="1800" spc="-1" strike="noStrike">
-              <a:solidFill>
-                <a:srgbClr val="404040"/>
-              </a:solidFill>
-              <a:latin typeface="Trebuchet MS"/>
-            </a:endParaRPr>
-          </a:p>
-        </p:txBody>
-      </p:sp>
-      <p:sp>
-        <p:nvSpPr>
-          <p:cNvPr id="59" name="PlaceHolder 4"/>
-          <p:cNvSpPr>
-            <a:spLocks noGrp="1"/>
-          </p:cNvSpPr>
-          <p:nvPr>
-            <p:ph type="body"/>
-          </p:nvPr>
-        </p:nvSpPr>
-        <p:spPr>
-          <a:xfrm>
-            <a:off x="6490080" y="2160720"/>
-            <a:ext cx="2767680" cy="1850760"/>
-          </a:xfrm>
-          <a:prstGeom prst="rect">
-            <a:avLst/>
-          </a:prstGeom>
-        </p:spPr>
-        <p:txBody>
-          <a:bodyPr lIns="0" rIns="0" tIns="0" bIns="0">
+            <a:endParaRPr b="0" lang="en-US" sz="3200" spc="-1" strike="noStrike">
+              <a:latin typeface="Arial"/>
+            </a:endParaRPr>
+          </a:p>
+        </p:txBody>
+      </p:sp>
+      <p:sp>
+        <p:nvSpPr>
+          <p:cNvPr id="56" name="PlaceHolder 4"/>
+          <p:cNvSpPr>
+            <a:spLocks noGrp="1"/>
+          </p:cNvSpPr>
+          <p:nvPr>
+            <p:ph/>
+          </p:nvPr>
+        </p:nvSpPr>
+        <p:spPr>
+          <a:xfrm>
+            <a:off x="8029800" y="1604520"/>
+            <a:ext cx="3533040" cy="1896840"/>
+          </a:xfrm>
+          <a:prstGeom prst="rect">
+            <a:avLst/>
+          </a:prstGeom>
+          <a:noFill/>
+          <a:ln w="0">
+            <a:noFill/>
+          </a:ln>
+        </p:spPr>
+        <p:txBody>
+          <a:bodyPr lIns="0" rIns="0" tIns="0" bIns="0" anchor="t">
             <a:normAutofit/>
           </a:bodyPr>
           <a:p>
-            <a:endParaRPr b="0" lang="ru-RU" sz="1800" spc="-1" strike="noStrike">
-              <a:solidFill>
-                <a:srgbClr val="404040"/>
-              </a:solidFill>
-              <a:latin typeface="Trebuchet MS"/>
-            </a:endParaRPr>
-          </a:p>
-        </p:txBody>
-      </p:sp>
-      <p:sp>
-        <p:nvSpPr>
-          <p:cNvPr id="60" name="PlaceHolder 5"/>
-          <p:cNvSpPr>
-            <a:spLocks noGrp="1"/>
-          </p:cNvSpPr>
-          <p:nvPr>
-            <p:ph type="body"/>
-          </p:nvPr>
-        </p:nvSpPr>
-        <p:spPr>
-          <a:xfrm>
-            <a:off x="677160" y="4187520"/>
-            <a:ext cx="2767680" cy="1850760"/>
-          </a:xfrm>
-          <a:prstGeom prst="rect">
-            <a:avLst/>
-          </a:prstGeom>
-        </p:spPr>
-        <p:txBody>
-          <a:bodyPr lIns="0" rIns="0" tIns="0" bIns="0">
+            <a:endParaRPr b="0" lang="en-US" sz="3200" spc="-1" strike="noStrike">
+              <a:latin typeface="Arial"/>
+            </a:endParaRPr>
+          </a:p>
+        </p:txBody>
+      </p:sp>
+      <p:sp>
+        <p:nvSpPr>
+          <p:cNvPr id="57" name="PlaceHolder 5"/>
+          <p:cNvSpPr>
+            <a:spLocks noGrp="1"/>
+          </p:cNvSpPr>
+          <p:nvPr>
+            <p:ph/>
+          </p:nvPr>
+        </p:nvSpPr>
+        <p:spPr>
+          <a:xfrm>
+            <a:off x="609480" y="3682080"/>
+            <a:ext cx="3533040" cy="1896840"/>
+          </a:xfrm>
+          <a:prstGeom prst="rect">
+            <a:avLst/>
+          </a:prstGeom>
+          <a:noFill/>
+          <a:ln w="0">
+            <a:noFill/>
+          </a:ln>
+        </p:spPr>
+        <p:txBody>
+          <a:bodyPr lIns="0" rIns="0" tIns="0" bIns="0" anchor="t">
             <a:normAutofit/>
           </a:bodyPr>
           <a:p>
-            <a:endParaRPr b="0" lang="ru-RU" sz="1800" spc="-1" strike="noStrike">
-              <a:solidFill>
-                <a:srgbClr val="404040"/>
-              </a:solidFill>
-              <a:latin typeface="Trebuchet MS"/>
-            </a:endParaRPr>
-          </a:p>
-        </p:txBody>
-      </p:sp>
-      <p:sp>
-        <p:nvSpPr>
-          <p:cNvPr id="61" name="PlaceHolder 6"/>
-          <p:cNvSpPr>
-            <a:spLocks noGrp="1"/>
-          </p:cNvSpPr>
-          <p:nvPr>
-            <p:ph type="body"/>
-          </p:nvPr>
-        </p:nvSpPr>
-        <p:spPr>
-          <a:xfrm>
-            <a:off x="3583440" y="4187520"/>
-            <a:ext cx="2767680" cy="1850760"/>
-          </a:xfrm>
-          <a:prstGeom prst="rect">
-            <a:avLst/>
-          </a:prstGeom>
-        </p:spPr>
-        <p:txBody>
-          <a:bodyPr lIns="0" rIns="0" tIns="0" bIns="0">
+            <a:endParaRPr b="0" lang="en-US" sz="3200" spc="-1" strike="noStrike">
+              <a:latin typeface="Arial"/>
+            </a:endParaRPr>
+          </a:p>
+        </p:txBody>
+      </p:sp>
+      <p:sp>
+        <p:nvSpPr>
+          <p:cNvPr id="58" name="PlaceHolder 6"/>
+          <p:cNvSpPr>
+            <a:spLocks noGrp="1"/>
+          </p:cNvSpPr>
+          <p:nvPr>
+            <p:ph/>
+          </p:nvPr>
+        </p:nvSpPr>
+        <p:spPr>
+          <a:xfrm>
+            <a:off x="4319640" y="3682080"/>
+            <a:ext cx="3533040" cy="1896840"/>
+          </a:xfrm>
+          <a:prstGeom prst="rect">
+            <a:avLst/>
+          </a:prstGeom>
+          <a:noFill/>
+          <a:ln w="0">
+            <a:noFill/>
+          </a:ln>
+        </p:spPr>
+        <p:txBody>
+          <a:bodyPr lIns="0" rIns="0" tIns="0" bIns="0" anchor="t">
             <a:normAutofit/>
           </a:bodyPr>
           <a:p>
-            <a:endParaRPr b="0" lang="ru-RU" sz="1800" spc="-1" strike="noStrike">
-              <a:solidFill>
-                <a:srgbClr val="404040"/>
-              </a:solidFill>
-              <a:latin typeface="Trebuchet MS"/>
-            </a:endParaRPr>
-          </a:p>
-        </p:txBody>
-      </p:sp>
-      <p:sp>
-        <p:nvSpPr>
-          <p:cNvPr id="62" name="PlaceHolder 7"/>
-          <p:cNvSpPr>
-            <a:spLocks noGrp="1"/>
-          </p:cNvSpPr>
-          <p:nvPr>
-            <p:ph type="body"/>
-          </p:nvPr>
-        </p:nvSpPr>
-        <p:spPr>
-          <a:xfrm>
-            <a:off x="6490080" y="4187520"/>
-            <a:ext cx="2767680" cy="1850760"/>
-          </a:xfrm>
-          <a:prstGeom prst="rect">
-            <a:avLst/>
-          </a:prstGeom>
-        </p:spPr>
-        <p:txBody>
-          <a:bodyPr lIns="0" rIns="0" tIns="0" bIns="0">
+            <a:endParaRPr b="0" lang="en-US" sz="3200" spc="-1" strike="noStrike">
+              <a:latin typeface="Arial"/>
+            </a:endParaRPr>
+          </a:p>
+        </p:txBody>
+      </p:sp>
+      <p:sp>
+        <p:nvSpPr>
+          <p:cNvPr id="59" name="PlaceHolder 7"/>
+          <p:cNvSpPr>
+            <a:spLocks noGrp="1"/>
+          </p:cNvSpPr>
+          <p:nvPr>
+            <p:ph/>
+          </p:nvPr>
+        </p:nvSpPr>
+        <p:spPr>
+          <a:xfrm>
+            <a:off x="8029800" y="3682080"/>
+            <a:ext cx="3533040" cy="1896840"/>
+          </a:xfrm>
+          <a:prstGeom prst="rect">
+            <a:avLst/>
+          </a:prstGeom>
+          <a:noFill/>
+          <a:ln w="0">
+            <a:noFill/>
+          </a:ln>
+        </p:spPr>
+        <p:txBody>
+          <a:bodyPr lIns="0" rIns="0" tIns="0" bIns="0" anchor="t">
             <a:normAutofit/>
           </a:bodyPr>
           <a:p>
-            <a:endParaRPr b="0" lang="ru-RU" sz="1800" spc="-1" strike="noStrike">
-              <a:solidFill>
-                <a:srgbClr val="404040"/>
-              </a:solidFill>
-              <a:latin typeface="Trebuchet MS"/>
+            <a:endParaRPr b="0" lang="en-US" sz="3200" spc="-1" strike="noStrike">
+              <a:latin typeface="Arial"/>
             </a:endParaRPr>
           </a:p>
         </p:txBody>
@@ -647,7 +671,7 @@
       </p:grpSpPr>
       <p:sp>
         <p:nvSpPr>
-          <p:cNvPr id="79" name="PlaceHolder 1"/>
+          <p:cNvPr id="73" name="PlaceHolder 1"/>
           <p:cNvSpPr>
             <a:spLocks noGrp="1"/>
           </p:cNvSpPr>
@@ -657,30 +681,34 @@
         </p:nvSpPr>
         <p:spPr>
           <a:xfrm>
-            <a:off x="677160" y="609480"/>
-            <a:ext cx="8596440" cy="1320480"/>
-          </a:xfrm>
-          <a:prstGeom prst="rect">
-            <a:avLst/>
-          </a:prstGeom>
+            <a:off x="609480" y="273600"/>
+            <a:ext cx="10972440" cy="1144800"/>
+          </a:xfrm>
+          <a:prstGeom prst="rect">
+            <a:avLst/>
+          </a:prstGeom>
+          <a:noFill/>
+          <a:ln w="0">
+            <a:noFill/>
+          </a:ln>
         </p:spPr>
         <p:txBody>
           <a:bodyPr lIns="0" rIns="0" tIns="0" bIns="0" anchor="ctr">
             <a:noAutofit/>
           </a:bodyPr>
           <a:p>
-            <a:endParaRPr b="0" lang="ru-RU" sz="1800" spc="-1" strike="noStrike">
-              <a:solidFill>
-                <a:srgbClr val="000000"/>
-              </a:solidFill>
-              <a:latin typeface="Trebuchet MS"/>
-            </a:endParaRPr>
-          </a:p>
-        </p:txBody>
-      </p:sp>
-      <p:sp>
-        <p:nvSpPr>
-          <p:cNvPr id="80" name="PlaceHolder 2"/>
+            <a:pPr algn="ctr">
+              <a:buNone/>
+            </a:pPr>
+            <a:endParaRPr b="0" lang="en-US" sz="4400" spc="-1" strike="noStrike">
+              <a:latin typeface="Arial"/>
+            </a:endParaRPr>
+          </a:p>
+        </p:txBody>
+      </p:sp>
+      <p:sp>
+        <p:nvSpPr>
+          <p:cNvPr id="74" name="PlaceHolder 2"/>
           <p:cNvSpPr>
             <a:spLocks noGrp="1"/>
           </p:cNvSpPr>
@@ -690,19 +718,25 @@
         </p:nvSpPr>
         <p:spPr>
           <a:xfrm>
-            <a:off x="677160" y="2160720"/>
-            <a:ext cx="8596440" cy="3880440"/>
-          </a:xfrm>
-          <a:prstGeom prst="rect">
-            <a:avLst/>
-          </a:prstGeom>
+            <a:off x="609480" y="1604520"/>
+            <a:ext cx="10972440" cy="3977280"/>
+          </a:xfrm>
+          <a:prstGeom prst="rect">
+            <a:avLst/>
+          </a:prstGeom>
+          <a:noFill/>
+          <a:ln w="0">
+            <a:noFill/>
+          </a:ln>
         </p:spPr>
         <p:txBody>
           <a:bodyPr lIns="0" rIns="0" tIns="0" bIns="0" anchor="ctr">
             <a:noAutofit/>
           </a:bodyPr>
           <a:p>
-            <a:pPr algn="ctr"/>
+            <a:pPr algn="ctr">
+              <a:buNone/>
+            </a:pPr>
             <a:endParaRPr b="0" lang="en-US" sz="3200" spc="-1" strike="noStrike">
               <a:latin typeface="Arial"/>
             </a:endParaRPr>
@@ -733,7 +767,7 @@
       </p:grpSpPr>
       <p:sp>
         <p:nvSpPr>
-          <p:cNvPr id="81" name="PlaceHolder 1"/>
+          <p:cNvPr id="75" name="PlaceHolder 1"/>
           <p:cNvSpPr>
             <a:spLocks noGrp="1"/>
           </p:cNvSpPr>
@@ -743,56 +777,61 @@
         </p:nvSpPr>
         <p:spPr>
           <a:xfrm>
-            <a:off x="677160" y="609480"/>
-            <a:ext cx="8596440" cy="1320480"/>
-          </a:xfrm>
-          <a:prstGeom prst="rect">
-            <a:avLst/>
-          </a:prstGeom>
+            <a:off x="609480" y="273600"/>
+            <a:ext cx="10972440" cy="1144800"/>
+          </a:xfrm>
+          <a:prstGeom prst="rect">
+            <a:avLst/>
+          </a:prstGeom>
+          <a:noFill/>
+          <a:ln w="0">
+            <a:noFill/>
+          </a:ln>
         </p:spPr>
         <p:txBody>
           <a:bodyPr lIns="0" rIns="0" tIns="0" bIns="0" anchor="ctr">
             <a:noAutofit/>
           </a:bodyPr>
           <a:p>
-            <a:endParaRPr b="0" lang="ru-RU" sz="1800" spc="-1" strike="noStrike">
-              <a:solidFill>
-                <a:srgbClr val="000000"/>
-              </a:solidFill>
-              <a:latin typeface="Trebuchet MS"/>
-            </a:endParaRPr>
-          </a:p>
-        </p:txBody>
-      </p:sp>
-      <p:sp>
-        <p:nvSpPr>
-          <p:cNvPr id="82" name="PlaceHolder 2"/>
-          <p:cNvSpPr>
-            <a:spLocks noGrp="1"/>
-          </p:cNvSpPr>
-          <p:nvPr>
-            <p:ph type="body"/>
-          </p:nvPr>
-        </p:nvSpPr>
-        <p:spPr>
-          <a:xfrm>
-            <a:off x="677160" y="2160720"/>
-            <a:ext cx="8596440" cy="3880440"/>
-          </a:xfrm>
-          <a:prstGeom prst="rect">
-            <a:avLst/>
-          </a:prstGeom>
-        </p:spPr>
-        <p:txBody>
-          <a:bodyPr lIns="0" rIns="0" tIns="0" bIns="0">
+            <a:pPr algn="ctr">
+              <a:buNone/>
+            </a:pPr>
+            <a:endParaRPr b="0" lang="en-US" sz="4400" spc="-1" strike="noStrike">
+              <a:latin typeface="Arial"/>
+            </a:endParaRPr>
+          </a:p>
+        </p:txBody>
+      </p:sp>
+      <p:sp>
+        <p:nvSpPr>
+          <p:cNvPr id="76" name="PlaceHolder 2"/>
+          <p:cNvSpPr>
+            <a:spLocks noGrp="1"/>
+          </p:cNvSpPr>
+          <p:nvPr>
+            <p:ph/>
+          </p:nvPr>
+        </p:nvSpPr>
+        <p:spPr>
+          <a:xfrm>
+            <a:off x="609480" y="1604520"/>
+            <a:ext cx="10972440" cy="3977280"/>
+          </a:xfrm>
+          <a:prstGeom prst="rect">
+            <a:avLst/>
+          </a:prstGeom>
+          <a:noFill/>
+          <a:ln w="0">
+            <a:noFill/>
+          </a:ln>
+        </p:spPr>
+        <p:txBody>
+          <a:bodyPr lIns="0" rIns="0" tIns="0" bIns="0" anchor="t">
             <a:normAutofit/>
           </a:bodyPr>
           <a:p>
-            <a:endParaRPr b="0" lang="ru-RU" sz="1800" spc="-1" strike="noStrike">
-              <a:solidFill>
-                <a:srgbClr val="404040"/>
-              </a:solidFill>
-              <a:latin typeface="Trebuchet MS"/>
+            <a:endParaRPr b="0" lang="en-US" sz="3200" spc="-1" strike="noStrike">
+              <a:latin typeface="Arial"/>
             </a:endParaRPr>
           </a:p>
         </p:txBody>
@@ -821,7 +860,7 @@
       </p:grpSpPr>
       <p:sp>
         <p:nvSpPr>
-          <p:cNvPr id="83" name="PlaceHolder 1"/>
+          <p:cNvPr id="77" name="PlaceHolder 1"/>
           <p:cNvSpPr>
             <a:spLocks noGrp="1"/>
           </p:cNvSpPr>
@@ -831,89 +870,95 @@
         </p:nvSpPr>
         <p:spPr>
           <a:xfrm>
-            <a:off x="677160" y="609480"/>
-            <a:ext cx="8596440" cy="1320480"/>
-          </a:xfrm>
-          <a:prstGeom prst="rect">
-            <a:avLst/>
-          </a:prstGeom>
+            <a:off x="609480" y="273600"/>
+            <a:ext cx="10972440" cy="1144800"/>
+          </a:xfrm>
+          <a:prstGeom prst="rect">
+            <a:avLst/>
+          </a:prstGeom>
+          <a:noFill/>
+          <a:ln w="0">
+            <a:noFill/>
+          </a:ln>
         </p:spPr>
         <p:txBody>
           <a:bodyPr lIns="0" rIns="0" tIns="0" bIns="0" anchor="ctr">
             <a:noAutofit/>
           </a:bodyPr>
           <a:p>
-            <a:endParaRPr b="0" lang="ru-RU" sz="1800" spc="-1" strike="noStrike">
-              <a:solidFill>
-                <a:srgbClr val="000000"/>
-              </a:solidFill>
-              <a:latin typeface="Trebuchet MS"/>
-            </a:endParaRPr>
-          </a:p>
-        </p:txBody>
-      </p:sp>
-      <p:sp>
-        <p:nvSpPr>
-          <p:cNvPr id="84" name="PlaceHolder 2"/>
-          <p:cNvSpPr>
-            <a:spLocks noGrp="1"/>
-          </p:cNvSpPr>
-          <p:nvPr>
-            <p:ph type="body"/>
-          </p:nvPr>
-        </p:nvSpPr>
-        <p:spPr>
-          <a:xfrm>
-            <a:off x="677160" y="2160720"/>
-            <a:ext cx="4194720" cy="3880440"/>
-          </a:xfrm>
-          <a:prstGeom prst="rect">
-            <a:avLst/>
-          </a:prstGeom>
-        </p:spPr>
-        <p:txBody>
-          <a:bodyPr lIns="0" rIns="0" tIns="0" bIns="0">
+            <a:pPr algn="ctr">
+              <a:buNone/>
+            </a:pPr>
+            <a:endParaRPr b="0" lang="en-US" sz="4400" spc="-1" strike="noStrike">
+              <a:latin typeface="Arial"/>
+            </a:endParaRPr>
+          </a:p>
+        </p:txBody>
+      </p:sp>
+      <p:sp>
+        <p:nvSpPr>
+          <p:cNvPr id="78" name="PlaceHolder 2"/>
+          <p:cNvSpPr>
+            <a:spLocks noGrp="1"/>
+          </p:cNvSpPr>
+          <p:nvPr>
+            <p:ph/>
+          </p:nvPr>
+        </p:nvSpPr>
+        <p:spPr>
+          <a:xfrm>
+            <a:off x="609480" y="1604520"/>
+            <a:ext cx="5354280" cy="3977280"/>
+          </a:xfrm>
+          <a:prstGeom prst="rect">
+            <a:avLst/>
+          </a:prstGeom>
+          <a:noFill/>
+          <a:ln w="0">
+            <a:noFill/>
+          </a:ln>
+        </p:spPr>
+        <p:txBody>
+          <a:bodyPr lIns="0" rIns="0" tIns="0" bIns="0" anchor="t">
             <a:normAutofit/>
           </a:bodyPr>
           <a:p>
-            <a:endParaRPr b="0" lang="ru-RU" sz="1800" spc="-1" strike="noStrike">
-              <a:solidFill>
-                <a:srgbClr val="404040"/>
-              </a:solidFill>
-              <a:latin typeface="Trebuchet MS"/>
-            </a:endParaRPr>
-          </a:p>
-        </p:txBody>
-      </p:sp>
-      <p:sp>
-        <p:nvSpPr>
-          <p:cNvPr id="85" name="PlaceHolder 3"/>
-          <p:cNvSpPr>
-            <a:spLocks noGrp="1"/>
-          </p:cNvSpPr>
-          <p:nvPr>
-            <p:ph type="body"/>
-          </p:nvPr>
-        </p:nvSpPr>
-        <p:spPr>
-          <a:xfrm>
-            <a:off x="5082120" y="2160720"/>
-            <a:ext cx="4194720" cy="3880440"/>
-          </a:xfrm>
-          <a:prstGeom prst="rect">
-            <a:avLst/>
-          </a:prstGeom>
-        </p:spPr>
-        <p:txBody>
-          <a:bodyPr lIns="0" rIns="0" tIns="0" bIns="0">
+            <a:endParaRPr b="0" lang="en-US" sz="3200" spc="-1" strike="noStrike">
+              <a:latin typeface="Arial"/>
+            </a:endParaRPr>
+          </a:p>
+        </p:txBody>
+      </p:sp>
+      <p:sp>
+        <p:nvSpPr>
+          <p:cNvPr id="79" name="PlaceHolder 3"/>
+          <p:cNvSpPr>
+            <a:spLocks noGrp="1"/>
+          </p:cNvSpPr>
+          <p:nvPr>
+            <p:ph/>
+          </p:nvPr>
+        </p:nvSpPr>
+        <p:spPr>
+          <a:xfrm>
+            <a:off x="6231960" y="1604520"/>
+            <a:ext cx="5354280" cy="3977280"/>
+          </a:xfrm>
+          <a:prstGeom prst="rect">
+            <a:avLst/>
+          </a:prstGeom>
+          <a:noFill/>
+          <a:ln w="0">
+            <a:noFill/>
+          </a:ln>
+        </p:spPr>
+        <p:txBody>
+          <a:bodyPr lIns="0" rIns="0" tIns="0" bIns="0" anchor="t">
             <a:normAutofit/>
           </a:bodyPr>
           <a:p>
-            <a:endParaRPr b="0" lang="ru-RU" sz="1800" spc="-1" strike="noStrike">
-              <a:solidFill>
-                <a:srgbClr val="404040"/>
-              </a:solidFill>
-              <a:latin typeface="Trebuchet MS"/>
+            <a:endParaRPr b="0" lang="en-US" sz="3200" spc="-1" strike="noStrike">
+              <a:latin typeface="Arial"/>
             </a:endParaRPr>
           </a:p>
         </p:txBody>
@@ -942,7 +987,7 @@
       </p:grpSpPr>
       <p:sp>
         <p:nvSpPr>
-          <p:cNvPr id="86" name="PlaceHolder 1"/>
+          <p:cNvPr id="80" name="PlaceHolder 1"/>
           <p:cNvSpPr>
             <a:spLocks noGrp="1"/>
           </p:cNvSpPr>
@@ -952,23 +997,27 @@
         </p:nvSpPr>
         <p:spPr>
           <a:xfrm>
-            <a:off x="677160" y="609480"/>
-            <a:ext cx="8596440" cy="1320480"/>
-          </a:xfrm>
-          <a:prstGeom prst="rect">
-            <a:avLst/>
-          </a:prstGeom>
+            <a:off x="609480" y="273600"/>
+            <a:ext cx="10972440" cy="1144800"/>
+          </a:xfrm>
+          <a:prstGeom prst="rect">
+            <a:avLst/>
+          </a:prstGeom>
+          <a:noFill/>
+          <a:ln w="0">
+            <a:noFill/>
+          </a:ln>
         </p:spPr>
         <p:txBody>
           <a:bodyPr lIns="0" rIns="0" tIns="0" bIns="0" anchor="ctr">
             <a:noAutofit/>
           </a:bodyPr>
           <a:p>
-            <a:endParaRPr b="0" lang="ru-RU" sz="1800" spc="-1" strike="noStrike">
-              <a:solidFill>
-                <a:srgbClr val="000000"/>
-              </a:solidFill>
-              <a:latin typeface="Trebuchet MS"/>
+            <a:pPr algn="ctr">
+              <a:buNone/>
+            </a:pPr>
+            <a:endParaRPr b="0" lang="en-US" sz="4400" spc="-1" strike="noStrike">
+              <a:latin typeface="Arial"/>
             </a:endParaRPr>
           </a:p>
         </p:txBody>
@@ -997,7 +1046,7 @@
       </p:grpSpPr>
       <p:sp>
         <p:nvSpPr>
-          <p:cNvPr id="87" name="PlaceHolder 1"/>
+          <p:cNvPr id="81" name="PlaceHolder 1"/>
           <p:cNvSpPr>
             <a:spLocks noGrp="1"/>
           </p:cNvSpPr>
@@ -1007,19 +1056,25 @@
         </p:nvSpPr>
         <p:spPr>
           <a:xfrm>
-            <a:off x="677160" y="609480"/>
-            <a:ext cx="8596440" cy="6122160"/>
-          </a:xfrm>
-          <a:prstGeom prst="rect">
-            <a:avLst/>
-          </a:prstGeom>
+            <a:off x="609480" y="273600"/>
+            <a:ext cx="10972440" cy="5307840"/>
+          </a:xfrm>
+          <a:prstGeom prst="rect">
+            <a:avLst/>
+          </a:prstGeom>
+          <a:noFill/>
+          <a:ln w="0">
+            <a:noFill/>
+          </a:ln>
         </p:spPr>
         <p:txBody>
           <a:bodyPr lIns="0" rIns="0" tIns="0" bIns="0" anchor="ctr">
             <a:noAutofit/>
           </a:bodyPr>
           <a:p>
-            <a:pPr algn="ctr"/>
+            <a:pPr algn="ctr">
+              <a:buNone/>
+            </a:pPr>
             <a:endParaRPr b="0" lang="en-US" sz="3200" spc="-1" strike="noStrike">
               <a:latin typeface="Arial"/>
             </a:endParaRPr>
@@ -1050,7 +1105,7 @@
       </p:grpSpPr>
       <p:sp>
         <p:nvSpPr>
-          <p:cNvPr id="88" name="PlaceHolder 1"/>
+          <p:cNvPr id="82" name="PlaceHolder 1"/>
           <p:cNvSpPr>
             <a:spLocks noGrp="1"/>
           </p:cNvSpPr>
@@ -1060,122 +1115,129 @@
         </p:nvSpPr>
         <p:spPr>
           <a:xfrm>
-            <a:off x="677160" y="609480"/>
-            <a:ext cx="8596440" cy="1320480"/>
-          </a:xfrm>
-          <a:prstGeom prst="rect">
-            <a:avLst/>
-          </a:prstGeom>
+            <a:off x="609480" y="273600"/>
+            <a:ext cx="10972440" cy="1144800"/>
+          </a:xfrm>
+          <a:prstGeom prst="rect">
+            <a:avLst/>
+          </a:prstGeom>
+          <a:noFill/>
+          <a:ln w="0">
+            <a:noFill/>
+          </a:ln>
         </p:spPr>
         <p:txBody>
           <a:bodyPr lIns="0" rIns="0" tIns="0" bIns="0" anchor="ctr">
             <a:noAutofit/>
           </a:bodyPr>
           <a:p>
-            <a:endParaRPr b="0" lang="ru-RU" sz="1800" spc="-1" strike="noStrike">
-              <a:solidFill>
-                <a:srgbClr val="000000"/>
-              </a:solidFill>
-              <a:latin typeface="Trebuchet MS"/>
-            </a:endParaRPr>
-          </a:p>
-        </p:txBody>
-      </p:sp>
-      <p:sp>
-        <p:nvSpPr>
-          <p:cNvPr id="89" name="PlaceHolder 2"/>
-          <p:cNvSpPr>
-            <a:spLocks noGrp="1"/>
-          </p:cNvSpPr>
-          <p:nvPr>
-            <p:ph type="body"/>
-          </p:nvPr>
-        </p:nvSpPr>
-        <p:spPr>
-          <a:xfrm>
-            <a:off x="677160" y="2160720"/>
-            <a:ext cx="4194720" cy="1850760"/>
-          </a:xfrm>
-          <a:prstGeom prst="rect">
-            <a:avLst/>
-          </a:prstGeom>
-        </p:spPr>
-        <p:txBody>
-          <a:bodyPr lIns="0" rIns="0" tIns="0" bIns="0">
+            <a:pPr algn="ctr">
+              <a:buNone/>
+            </a:pPr>
+            <a:endParaRPr b="0" lang="en-US" sz="4400" spc="-1" strike="noStrike">
+              <a:latin typeface="Arial"/>
+            </a:endParaRPr>
+          </a:p>
+        </p:txBody>
+      </p:sp>
+      <p:sp>
+        <p:nvSpPr>
+          <p:cNvPr id="83" name="PlaceHolder 2"/>
+          <p:cNvSpPr>
+            <a:spLocks noGrp="1"/>
+          </p:cNvSpPr>
+          <p:nvPr>
+            <p:ph/>
+          </p:nvPr>
+        </p:nvSpPr>
+        <p:spPr>
+          <a:xfrm>
+            <a:off x="609480" y="1604520"/>
+            <a:ext cx="5354280" cy="1896840"/>
+          </a:xfrm>
+          <a:prstGeom prst="rect">
+            <a:avLst/>
+          </a:prstGeom>
+          <a:noFill/>
+          <a:ln w="0">
+            <a:noFill/>
+          </a:ln>
+        </p:spPr>
+        <p:txBody>
+          <a:bodyPr lIns="0" rIns="0" tIns="0" bIns="0" anchor="t">
             <a:normAutofit/>
           </a:bodyPr>
           <a:p>
-            <a:endParaRPr b="0" lang="ru-RU" sz="1800" spc="-1" strike="noStrike">
-              <a:solidFill>
-                <a:srgbClr val="404040"/>
-              </a:solidFill>
-              <a:latin typeface="Trebuchet MS"/>
-            </a:endParaRPr>
-          </a:p>
-        </p:txBody>
-      </p:sp>
-      <p:sp>
-        <p:nvSpPr>
-          <p:cNvPr id="90" name="PlaceHolder 3"/>
-          <p:cNvSpPr>
-            <a:spLocks noGrp="1"/>
-          </p:cNvSpPr>
-          <p:nvPr>
-            <p:ph type="body"/>
-          </p:nvPr>
-        </p:nvSpPr>
-        <p:spPr>
-          <a:xfrm>
-            <a:off x="5082120" y="2160720"/>
-            <a:ext cx="4194720" cy="3880440"/>
-          </a:xfrm>
-          <a:prstGeom prst="rect">
-            <a:avLst/>
-          </a:prstGeom>
-        </p:spPr>
-        <p:txBody>
-          <a:bodyPr lIns="0" rIns="0" tIns="0" bIns="0">
+            <a:endParaRPr b="0" lang="en-US" sz="3200" spc="-1" strike="noStrike">
+              <a:latin typeface="Arial"/>
+            </a:endParaRPr>
+          </a:p>
+        </p:txBody>
+      </p:sp>
+      <p:sp>
+        <p:nvSpPr>
+          <p:cNvPr id="84" name="PlaceHolder 3"/>
+          <p:cNvSpPr>
+            <a:spLocks noGrp="1"/>
+          </p:cNvSpPr>
+          <p:nvPr>
+            <p:ph/>
+          </p:nvPr>
+        </p:nvSpPr>
+        <p:spPr>
+          <a:xfrm>
+            <a:off x="6231960" y="1604520"/>
+            <a:ext cx="5354280" cy="3977280"/>
+          </a:xfrm>
+          <a:prstGeom prst="rect">
+            <a:avLst/>
+          </a:prstGeom>
+          <a:noFill/>
+          <a:ln w="0">
+            <a:noFill/>
+          </a:ln>
+        </p:spPr>
+        <p:txBody>
+          <a:bodyPr lIns="0" rIns="0" tIns="0" bIns="0" anchor="t">
             <a:normAutofit/>
           </a:bodyPr>
           <a:p>
-            <a:endParaRPr b="0" lang="ru-RU" sz="1800" spc="-1" strike="noStrike">
-              <a:solidFill>
-                <a:srgbClr val="404040"/>
-              </a:solidFill>
-              <a:latin typeface="Trebuchet MS"/>
-            </a:endParaRPr>
-          </a:p>
-        </p:txBody>
-      </p:sp>
-      <p:sp>
-        <p:nvSpPr>
-          <p:cNvPr id="91" name="PlaceHolder 4"/>
-          <p:cNvSpPr>
-            <a:spLocks noGrp="1"/>
-          </p:cNvSpPr>
-          <p:nvPr>
-            <p:ph type="body"/>
-          </p:nvPr>
-        </p:nvSpPr>
-        <p:spPr>
-          <a:xfrm>
-            <a:off x="677160" y="4187520"/>
-            <a:ext cx="4194720" cy="1850760"/>
-          </a:xfrm>
-          <a:prstGeom prst="rect">
-            <a:avLst/>
-          </a:prstGeom>
-        </p:spPr>
-        <p:txBody>
-          <a:bodyPr lIns="0" rIns="0" tIns="0" bIns="0">
+            <a:endParaRPr b="0" lang="en-US" sz="3200" spc="-1" strike="noStrike">
+              <a:latin typeface="Arial"/>
+            </a:endParaRPr>
+          </a:p>
+        </p:txBody>
+      </p:sp>
+      <p:sp>
+        <p:nvSpPr>
+          <p:cNvPr id="85" name="PlaceHolder 4"/>
+          <p:cNvSpPr>
+            <a:spLocks noGrp="1"/>
+          </p:cNvSpPr>
+          <p:nvPr>
+            <p:ph/>
+          </p:nvPr>
+        </p:nvSpPr>
+        <p:spPr>
+          <a:xfrm>
+            <a:off x="609480" y="3682080"/>
+            <a:ext cx="5354280" cy="1896840"/>
+          </a:xfrm>
+          <a:prstGeom prst="rect">
+            <a:avLst/>
+          </a:prstGeom>
+          <a:noFill/>
+          <a:ln w="0">
+            <a:noFill/>
+          </a:ln>
+        </p:spPr>
+        <p:txBody>
+          <a:bodyPr lIns="0" rIns="0" tIns="0" bIns="0" anchor="t">
             <a:normAutofit/>
           </a:bodyPr>
           <a:p>
-            <a:endParaRPr b="0" lang="ru-RU" sz="1800" spc="-1" strike="noStrike">
-              <a:solidFill>
-                <a:srgbClr val="404040"/>
-              </a:solidFill>
-              <a:latin typeface="Trebuchet MS"/>
+            <a:endParaRPr b="0" lang="en-US" sz="3200" spc="-1" strike="noStrike">
+              <a:latin typeface="Arial"/>
             </a:endParaRPr>
           </a:p>
         </p:txBody>
@@ -1204,7 +1266,7 @@
       </p:grpSpPr>
       <p:sp>
         <p:nvSpPr>
-          <p:cNvPr id="27" name="PlaceHolder 1"/>
+          <p:cNvPr id="24" name="PlaceHolder 1"/>
           <p:cNvSpPr>
             <a:spLocks noGrp="1"/>
           </p:cNvSpPr>
@@ -1214,30 +1276,34 @@
         </p:nvSpPr>
         <p:spPr>
           <a:xfrm>
-            <a:off x="677160" y="609480"/>
-            <a:ext cx="8596440" cy="1320480"/>
-          </a:xfrm>
-          <a:prstGeom prst="rect">
-            <a:avLst/>
-          </a:prstGeom>
+            <a:off x="609480" y="273600"/>
+            <a:ext cx="10972440" cy="1144800"/>
+          </a:xfrm>
+          <a:prstGeom prst="rect">
+            <a:avLst/>
+          </a:prstGeom>
+          <a:noFill/>
+          <a:ln w="0">
+            <a:noFill/>
+          </a:ln>
         </p:spPr>
         <p:txBody>
           <a:bodyPr lIns="0" rIns="0" tIns="0" bIns="0" anchor="ctr">
             <a:noAutofit/>
           </a:bodyPr>
           <a:p>
-            <a:endParaRPr b="0" lang="ru-RU" sz="1800" spc="-1" strike="noStrike">
-              <a:solidFill>
-                <a:srgbClr val="000000"/>
-              </a:solidFill>
-              <a:latin typeface="Trebuchet MS"/>
-            </a:endParaRPr>
-          </a:p>
-        </p:txBody>
-      </p:sp>
-      <p:sp>
-        <p:nvSpPr>
-          <p:cNvPr id="28" name="PlaceHolder 2"/>
+            <a:pPr algn="ctr">
+              <a:buNone/>
+            </a:pPr>
+            <a:endParaRPr b="0" lang="en-US" sz="4400" spc="-1" strike="noStrike">
+              <a:latin typeface="Arial"/>
+            </a:endParaRPr>
+          </a:p>
+        </p:txBody>
+      </p:sp>
+      <p:sp>
+        <p:nvSpPr>
+          <p:cNvPr id="25" name="PlaceHolder 2"/>
           <p:cNvSpPr>
             <a:spLocks noGrp="1"/>
           </p:cNvSpPr>
@@ -1247,19 +1313,25 @@
         </p:nvSpPr>
         <p:spPr>
           <a:xfrm>
-            <a:off x="677160" y="2160720"/>
-            <a:ext cx="8596440" cy="3880440"/>
-          </a:xfrm>
-          <a:prstGeom prst="rect">
-            <a:avLst/>
-          </a:prstGeom>
+            <a:off x="609480" y="1604520"/>
+            <a:ext cx="10972440" cy="3977280"/>
+          </a:xfrm>
+          <a:prstGeom prst="rect">
+            <a:avLst/>
+          </a:prstGeom>
+          <a:noFill/>
+          <a:ln w="0">
+            <a:noFill/>
+          </a:ln>
         </p:spPr>
         <p:txBody>
           <a:bodyPr lIns="0" rIns="0" tIns="0" bIns="0" anchor="ctr">
             <a:noAutofit/>
           </a:bodyPr>
           <a:p>
-            <a:pPr algn="ctr"/>
+            <a:pPr algn="ctr">
+              <a:buNone/>
+            </a:pPr>
             <a:endParaRPr b="0" lang="en-US" sz="3200" spc="-1" strike="noStrike">
               <a:latin typeface="Arial"/>
             </a:endParaRPr>
@@ -1290,7 +1362,7 @@
       </p:grpSpPr>
       <p:sp>
         <p:nvSpPr>
-          <p:cNvPr id="92" name="PlaceHolder 1"/>
+          <p:cNvPr id="86" name="PlaceHolder 1"/>
           <p:cNvSpPr>
             <a:spLocks noGrp="1"/>
           </p:cNvSpPr>
@@ -1300,122 +1372,129 @@
         </p:nvSpPr>
         <p:spPr>
           <a:xfrm>
-            <a:off x="677160" y="609480"/>
-            <a:ext cx="8596440" cy="1320480"/>
-          </a:xfrm>
-          <a:prstGeom prst="rect">
-            <a:avLst/>
-          </a:prstGeom>
+            <a:off x="609480" y="273600"/>
+            <a:ext cx="10972440" cy="1144800"/>
+          </a:xfrm>
+          <a:prstGeom prst="rect">
+            <a:avLst/>
+          </a:prstGeom>
+          <a:noFill/>
+          <a:ln w="0">
+            <a:noFill/>
+          </a:ln>
         </p:spPr>
         <p:txBody>
           <a:bodyPr lIns="0" rIns="0" tIns="0" bIns="0" anchor="ctr">
             <a:noAutofit/>
           </a:bodyPr>
           <a:p>
-            <a:endParaRPr b="0" lang="ru-RU" sz="1800" spc="-1" strike="noStrike">
-              <a:solidFill>
-                <a:srgbClr val="000000"/>
-              </a:solidFill>
-              <a:latin typeface="Trebuchet MS"/>
-            </a:endParaRPr>
-          </a:p>
-        </p:txBody>
-      </p:sp>
-      <p:sp>
-        <p:nvSpPr>
-          <p:cNvPr id="93" name="PlaceHolder 2"/>
-          <p:cNvSpPr>
-            <a:spLocks noGrp="1"/>
-          </p:cNvSpPr>
-          <p:nvPr>
-            <p:ph type="body"/>
-          </p:nvPr>
-        </p:nvSpPr>
-        <p:spPr>
-          <a:xfrm>
-            <a:off x="677160" y="2160720"/>
-            <a:ext cx="4194720" cy="3880440"/>
-          </a:xfrm>
-          <a:prstGeom prst="rect">
-            <a:avLst/>
-          </a:prstGeom>
-        </p:spPr>
-        <p:txBody>
-          <a:bodyPr lIns="0" rIns="0" tIns="0" bIns="0">
+            <a:pPr algn="ctr">
+              <a:buNone/>
+            </a:pPr>
+            <a:endParaRPr b="0" lang="en-US" sz="4400" spc="-1" strike="noStrike">
+              <a:latin typeface="Arial"/>
+            </a:endParaRPr>
+          </a:p>
+        </p:txBody>
+      </p:sp>
+      <p:sp>
+        <p:nvSpPr>
+          <p:cNvPr id="87" name="PlaceHolder 2"/>
+          <p:cNvSpPr>
+            <a:spLocks noGrp="1"/>
+          </p:cNvSpPr>
+          <p:nvPr>
+            <p:ph/>
+          </p:nvPr>
+        </p:nvSpPr>
+        <p:spPr>
+          <a:xfrm>
+            <a:off x="609480" y="1604520"/>
+            <a:ext cx="5354280" cy="3977280"/>
+          </a:xfrm>
+          <a:prstGeom prst="rect">
+            <a:avLst/>
+          </a:prstGeom>
+          <a:noFill/>
+          <a:ln w="0">
+            <a:noFill/>
+          </a:ln>
+        </p:spPr>
+        <p:txBody>
+          <a:bodyPr lIns="0" rIns="0" tIns="0" bIns="0" anchor="t">
             <a:normAutofit/>
           </a:bodyPr>
           <a:p>
-            <a:endParaRPr b="0" lang="ru-RU" sz="1800" spc="-1" strike="noStrike">
-              <a:solidFill>
-                <a:srgbClr val="404040"/>
-              </a:solidFill>
-              <a:latin typeface="Trebuchet MS"/>
-            </a:endParaRPr>
-          </a:p>
-        </p:txBody>
-      </p:sp>
-      <p:sp>
-        <p:nvSpPr>
-          <p:cNvPr id="94" name="PlaceHolder 3"/>
-          <p:cNvSpPr>
-            <a:spLocks noGrp="1"/>
-          </p:cNvSpPr>
-          <p:nvPr>
-            <p:ph type="body"/>
-          </p:nvPr>
-        </p:nvSpPr>
-        <p:spPr>
-          <a:xfrm>
-            <a:off x="5082120" y="2160720"/>
-            <a:ext cx="4194720" cy="1850760"/>
-          </a:xfrm>
-          <a:prstGeom prst="rect">
-            <a:avLst/>
-          </a:prstGeom>
-        </p:spPr>
-        <p:txBody>
-          <a:bodyPr lIns="0" rIns="0" tIns="0" bIns="0">
+            <a:endParaRPr b="0" lang="en-US" sz="3200" spc="-1" strike="noStrike">
+              <a:latin typeface="Arial"/>
+            </a:endParaRPr>
+          </a:p>
+        </p:txBody>
+      </p:sp>
+      <p:sp>
+        <p:nvSpPr>
+          <p:cNvPr id="88" name="PlaceHolder 3"/>
+          <p:cNvSpPr>
+            <a:spLocks noGrp="1"/>
+          </p:cNvSpPr>
+          <p:nvPr>
+            <p:ph/>
+          </p:nvPr>
+        </p:nvSpPr>
+        <p:spPr>
+          <a:xfrm>
+            <a:off x="6231960" y="1604520"/>
+            <a:ext cx="5354280" cy="1896840"/>
+          </a:xfrm>
+          <a:prstGeom prst="rect">
+            <a:avLst/>
+          </a:prstGeom>
+          <a:noFill/>
+          <a:ln w="0">
+            <a:noFill/>
+          </a:ln>
+        </p:spPr>
+        <p:txBody>
+          <a:bodyPr lIns="0" rIns="0" tIns="0" bIns="0" anchor="t">
             <a:normAutofit/>
           </a:bodyPr>
           <a:p>
-            <a:endParaRPr b="0" lang="ru-RU" sz="1800" spc="-1" strike="noStrike">
-              <a:solidFill>
-                <a:srgbClr val="404040"/>
-              </a:solidFill>
-              <a:latin typeface="Trebuchet MS"/>
-            </a:endParaRPr>
-          </a:p>
-        </p:txBody>
-      </p:sp>
-      <p:sp>
-        <p:nvSpPr>
-          <p:cNvPr id="95" name="PlaceHolder 4"/>
-          <p:cNvSpPr>
-            <a:spLocks noGrp="1"/>
-          </p:cNvSpPr>
-          <p:nvPr>
-            <p:ph type="body"/>
-          </p:nvPr>
-        </p:nvSpPr>
-        <p:spPr>
-          <a:xfrm>
-            <a:off x="5082120" y="4187520"/>
-            <a:ext cx="4194720" cy="1850760"/>
-          </a:xfrm>
-          <a:prstGeom prst="rect">
-            <a:avLst/>
-          </a:prstGeom>
-        </p:spPr>
-        <p:txBody>
-          <a:bodyPr lIns="0" rIns="0" tIns="0" bIns="0">
+            <a:endParaRPr b="0" lang="en-US" sz="3200" spc="-1" strike="noStrike">
+              <a:latin typeface="Arial"/>
+            </a:endParaRPr>
+          </a:p>
+        </p:txBody>
+      </p:sp>
+      <p:sp>
+        <p:nvSpPr>
+          <p:cNvPr id="89" name="PlaceHolder 4"/>
+          <p:cNvSpPr>
+            <a:spLocks noGrp="1"/>
+          </p:cNvSpPr>
+          <p:nvPr>
+            <p:ph/>
+          </p:nvPr>
+        </p:nvSpPr>
+        <p:spPr>
+          <a:xfrm>
+            <a:off x="6231960" y="3682080"/>
+            <a:ext cx="5354280" cy="1896840"/>
+          </a:xfrm>
+          <a:prstGeom prst="rect">
+            <a:avLst/>
+          </a:prstGeom>
+          <a:noFill/>
+          <a:ln w="0">
+            <a:noFill/>
+          </a:ln>
+        </p:spPr>
+        <p:txBody>
+          <a:bodyPr lIns="0" rIns="0" tIns="0" bIns="0" anchor="t">
             <a:normAutofit/>
           </a:bodyPr>
           <a:p>
-            <a:endParaRPr b="0" lang="ru-RU" sz="1800" spc="-1" strike="noStrike">
-              <a:solidFill>
-                <a:srgbClr val="404040"/>
-              </a:solidFill>
-              <a:latin typeface="Trebuchet MS"/>
+            <a:endParaRPr b="0" lang="en-US" sz="3200" spc="-1" strike="noStrike">
+              <a:latin typeface="Arial"/>
             </a:endParaRPr>
           </a:p>
         </p:txBody>
@@ -1444,7 +1523,7 @@
       </p:grpSpPr>
       <p:sp>
         <p:nvSpPr>
-          <p:cNvPr id="96" name="PlaceHolder 1"/>
+          <p:cNvPr id="90" name="PlaceHolder 1"/>
           <p:cNvSpPr>
             <a:spLocks noGrp="1"/>
           </p:cNvSpPr>
@@ -1454,122 +1533,129 @@
         </p:nvSpPr>
         <p:spPr>
           <a:xfrm>
-            <a:off x="677160" y="609480"/>
-            <a:ext cx="8596440" cy="1320480"/>
-          </a:xfrm>
-          <a:prstGeom prst="rect">
-            <a:avLst/>
-          </a:prstGeom>
+            <a:off x="609480" y="273600"/>
+            <a:ext cx="10972440" cy="1144800"/>
+          </a:xfrm>
+          <a:prstGeom prst="rect">
+            <a:avLst/>
+          </a:prstGeom>
+          <a:noFill/>
+          <a:ln w="0">
+            <a:noFill/>
+          </a:ln>
         </p:spPr>
         <p:txBody>
           <a:bodyPr lIns="0" rIns="0" tIns="0" bIns="0" anchor="ctr">
             <a:noAutofit/>
           </a:bodyPr>
           <a:p>
-            <a:endParaRPr b="0" lang="ru-RU" sz="1800" spc="-1" strike="noStrike">
-              <a:solidFill>
-                <a:srgbClr val="000000"/>
-              </a:solidFill>
-              <a:latin typeface="Trebuchet MS"/>
-            </a:endParaRPr>
-          </a:p>
-        </p:txBody>
-      </p:sp>
-      <p:sp>
-        <p:nvSpPr>
-          <p:cNvPr id="97" name="PlaceHolder 2"/>
-          <p:cNvSpPr>
-            <a:spLocks noGrp="1"/>
-          </p:cNvSpPr>
-          <p:nvPr>
-            <p:ph type="body"/>
-          </p:nvPr>
-        </p:nvSpPr>
-        <p:spPr>
-          <a:xfrm>
-            <a:off x="677160" y="2160720"/>
-            <a:ext cx="4194720" cy="1850760"/>
-          </a:xfrm>
-          <a:prstGeom prst="rect">
-            <a:avLst/>
-          </a:prstGeom>
-        </p:spPr>
-        <p:txBody>
-          <a:bodyPr lIns="0" rIns="0" tIns="0" bIns="0">
+            <a:pPr algn="ctr">
+              <a:buNone/>
+            </a:pPr>
+            <a:endParaRPr b="0" lang="en-US" sz="4400" spc="-1" strike="noStrike">
+              <a:latin typeface="Arial"/>
+            </a:endParaRPr>
+          </a:p>
+        </p:txBody>
+      </p:sp>
+      <p:sp>
+        <p:nvSpPr>
+          <p:cNvPr id="91" name="PlaceHolder 2"/>
+          <p:cNvSpPr>
+            <a:spLocks noGrp="1"/>
+          </p:cNvSpPr>
+          <p:nvPr>
+            <p:ph/>
+          </p:nvPr>
+        </p:nvSpPr>
+        <p:spPr>
+          <a:xfrm>
+            <a:off x="609480" y="1604520"/>
+            <a:ext cx="5354280" cy="1896840"/>
+          </a:xfrm>
+          <a:prstGeom prst="rect">
+            <a:avLst/>
+          </a:prstGeom>
+          <a:noFill/>
+          <a:ln w="0">
+            <a:noFill/>
+          </a:ln>
+        </p:spPr>
+        <p:txBody>
+          <a:bodyPr lIns="0" rIns="0" tIns="0" bIns="0" anchor="t">
             <a:normAutofit/>
           </a:bodyPr>
           <a:p>
-            <a:endParaRPr b="0" lang="ru-RU" sz="1800" spc="-1" strike="noStrike">
-              <a:solidFill>
-                <a:srgbClr val="404040"/>
-              </a:solidFill>
-              <a:latin typeface="Trebuchet MS"/>
-            </a:endParaRPr>
-          </a:p>
-        </p:txBody>
-      </p:sp>
-      <p:sp>
-        <p:nvSpPr>
-          <p:cNvPr id="98" name="PlaceHolder 3"/>
-          <p:cNvSpPr>
-            <a:spLocks noGrp="1"/>
-          </p:cNvSpPr>
-          <p:nvPr>
-            <p:ph type="body"/>
-          </p:nvPr>
-        </p:nvSpPr>
-        <p:spPr>
-          <a:xfrm>
-            <a:off x="5082120" y="2160720"/>
-            <a:ext cx="4194720" cy="1850760"/>
-          </a:xfrm>
-          <a:prstGeom prst="rect">
-            <a:avLst/>
-          </a:prstGeom>
-        </p:spPr>
-        <p:txBody>
-          <a:bodyPr lIns="0" rIns="0" tIns="0" bIns="0">
+            <a:endParaRPr b="0" lang="en-US" sz="3200" spc="-1" strike="noStrike">
+              <a:latin typeface="Arial"/>
+            </a:endParaRPr>
+          </a:p>
+        </p:txBody>
+      </p:sp>
+      <p:sp>
+        <p:nvSpPr>
+          <p:cNvPr id="92" name="PlaceHolder 3"/>
+          <p:cNvSpPr>
+            <a:spLocks noGrp="1"/>
+          </p:cNvSpPr>
+          <p:nvPr>
+            <p:ph/>
+          </p:nvPr>
+        </p:nvSpPr>
+        <p:spPr>
+          <a:xfrm>
+            <a:off x="6231960" y="1604520"/>
+            <a:ext cx="5354280" cy="1896840"/>
+          </a:xfrm>
+          <a:prstGeom prst="rect">
+            <a:avLst/>
+          </a:prstGeom>
+          <a:noFill/>
+          <a:ln w="0">
+            <a:noFill/>
+          </a:ln>
+        </p:spPr>
+        <p:txBody>
+          <a:bodyPr lIns="0" rIns="0" tIns="0" bIns="0" anchor="t">
             <a:normAutofit/>
           </a:bodyPr>
           <a:p>
-            <a:endParaRPr b="0" lang="ru-RU" sz="1800" spc="-1" strike="noStrike">
-              <a:solidFill>
-                <a:srgbClr val="404040"/>
-              </a:solidFill>
-              <a:latin typeface="Trebuchet MS"/>
-            </a:endParaRPr>
-          </a:p>
-        </p:txBody>
-      </p:sp>
-      <p:sp>
-        <p:nvSpPr>
-          <p:cNvPr id="99" name="PlaceHolder 4"/>
-          <p:cNvSpPr>
-            <a:spLocks noGrp="1"/>
-          </p:cNvSpPr>
-          <p:nvPr>
-            <p:ph type="body"/>
-          </p:nvPr>
-        </p:nvSpPr>
-        <p:spPr>
-          <a:xfrm>
-            <a:off x="677160" y="4187520"/>
-            <a:ext cx="8596440" cy="1850760"/>
-          </a:xfrm>
-          <a:prstGeom prst="rect">
-            <a:avLst/>
-          </a:prstGeom>
-        </p:spPr>
-        <p:txBody>
-          <a:bodyPr lIns="0" rIns="0" tIns="0" bIns="0">
+            <a:endParaRPr b="0" lang="en-US" sz="3200" spc="-1" strike="noStrike">
+              <a:latin typeface="Arial"/>
+            </a:endParaRPr>
+          </a:p>
+        </p:txBody>
+      </p:sp>
+      <p:sp>
+        <p:nvSpPr>
+          <p:cNvPr id="93" name="PlaceHolder 4"/>
+          <p:cNvSpPr>
+            <a:spLocks noGrp="1"/>
+          </p:cNvSpPr>
+          <p:nvPr>
+            <p:ph/>
+          </p:nvPr>
+        </p:nvSpPr>
+        <p:spPr>
+          <a:xfrm>
+            <a:off x="609480" y="3682080"/>
+            <a:ext cx="10972440" cy="1896840"/>
+          </a:xfrm>
+          <a:prstGeom prst="rect">
+            <a:avLst/>
+          </a:prstGeom>
+          <a:noFill/>
+          <a:ln w="0">
+            <a:noFill/>
+          </a:ln>
+        </p:spPr>
+        <p:txBody>
+          <a:bodyPr lIns="0" rIns="0" tIns="0" bIns="0" anchor="t">
             <a:normAutofit/>
           </a:bodyPr>
           <a:p>
-            <a:endParaRPr b="0" lang="ru-RU" sz="1800" spc="-1" strike="noStrike">
-              <a:solidFill>
-                <a:srgbClr val="404040"/>
-              </a:solidFill>
-              <a:latin typeface="Trebuchet MS"/>
+            <a:endParaRPr b="0" lang="en-US" sz="3200" spc="-1" strike="noStrike">
+              <a:latin typeface="Arial"/>
             </a:endParaRPr>
           </a:p>
         </p:txBody>
@@ -1598,7 +1684,7 @@
       </p:grpSpPr>
       <p:sp>
         <p:nvSpPr>
-          <p:cNvPr id="100" name="PlaceHolder 1"/>
+          <p:cNvPr id="94" name="PlaceHolder 1"/>
           <p:cNvSpPr>
             <a:spLocks noGrp="1"/>
           </p:cNvSpPr>
@@ -1608,89 +1694,95 @@
         </p:nvSpPr>
         <p:spPr>
           <a:xfrm>
-            <a:off x="677160" y="609480"/>
-            <a:ext cx="8596440" cy="1320480"/>
-          </a:xfrm>
-          <a:prstGeom prst="rect">
-            <a:avLst/>
-          </a:prstGeom>
+            <a:off x="609480" y="273600"/>
+            <a:ext cx="10972440" cy="1144800"/>
+          </a:xfrm>
+          <a:prstGeom prst="rect">
+            <a:avLst/>
+          </a:prstGeom>
+          <a:noFill/>
+          <a:ln w="0">
+            <a:noFill/>
+          </a:ln>
         </p:spPr>
         <p:txBody>
           <a:bodyPr lIns="0" rIns="0" tIns="0" bIns="0" anchor="ctr">
             <a:noAutofit/>
           </a:bodyPr>
           <a:p>
-            <a:endParaRPr b="0" lang="ru-RU" sz="1800" spc="-1" strike="noStrike">
-              <a:solidFill>
-                <a:srgbClr val="000000"/>
-              </a:solidFill>
-              <a:latin typeface="Trebuchet MS"/>
-            </a:endParaRPr>
-          </a:p>
-        </p:txBody>
-      </p:sp>
-      <p:sp>
-        <p:nvSpPr>
-          <p:cNvPr id="101" name="PlaceHolder 2"/>
-          <p:cNvSpPr>
-            <a:spLocks noGrp="1"/>
-          </p:cNvSpPr>
-          <p:nvPr>
-            <p:ph type="body"/>
-          </p:nvPr>
-        </p:nvSpPr>
-        <p:spPr>
-          <a:xfrm>
-            <a:off x="677160" y="2160720"/>
-            <a:ext cx="8596440" cy="1850760"/>
-          </a:xfrm>
-          <a:prstGeom prst="rect">
-            <a:avLst/>
-          </a:prstGeom>
-        </p:spPr>
-        <p:txBody>
-          <a:bodyPr lIns="0" rIns="0" tIns="0" bIns="0">
+            <a:pPr algn="ctr">
+              <a:buNone/>
+            </a:pPr>
+            <a:endParaRPr b="0" lang="en-US" sz="4400" spc="-1" strike="noStrike">
+              <a:latin typeface="Arial"/>
+            </a:endParaRPr>
+          </a:p>
+        </p:txBody>
+      </p:sp>
+      <p:sp>
+        <p:nvSpPr>
+          <p:cNvPr id="95" name="PlaceHolder 2"/>
+          <p:cNvSpPr>
+            <a:spLocks noGrp="1"/>
+          </p:cNvSpPr>
+          <p:nvPr>
+            <p:ph/>
+          </p:nvPr>
+        </p:nvSpPr>
+        <p:spPr>
+          <a:xfrm>
+            <a:off x="609480" y="1604520"/>
+            <a:ext cx="10972440" cy="1896840"/>
+          </a:xfrm>
+          <a:prstGeom prst="rect">
+            <a:avLst/>
+          </a:prstGeom>
+          <a:noFill/>
+          <a:ln w="0">
+            <a:noFill/>
+          </a:ln>
+        </p:spPr>
+        <p:txBody>
+          <a:bodyPr lIns="0" rIns="0" tIns="0" bIns="0" anchor="t">
             <a:normAutofit/>
           </a:bodyPr>
           <a:p>
-            <a:endParaRPr b="0" lang="ru-RU" sz="1800" spc="-1" strike="noStrike">
-              <a:solidFill>
-                <a:srgbClr val="404040"/>
-              </a:solidFill>
-              <a:latin typeface="Trebuchet MS"/>
-            </a:endParaRPr>
-          </a:p>
-        </p:txBody>
-      </p:sp>
-      <p:sp>
-        <p:nvSpPr>
-          <p:cNvPr id="102" name="PlaceHolder 3"/>
-          <p:cNvSpPr>
-            <a:spLocks noGrp="1"/>
-          </p:cNvSpPr>
-          <p:nvPr>
-            <p:ph type="body"/>
-          </p:nvPr>
-        </p:nvSpPr>
-        <p:spPr>
-          <a:xfrm>
-            <a:off x="677160" y="4187520"/>
-            <a:ext cx="8596440" cy="1850760"/>
-          </a:xfrm>
-          <a:prstGeom prst="rect">
-            <a:avLst/>
-          </a:prstGeom>
-        </p:spPr>
-        <p:txBody>
-          <a:bodyPr lIns="0" rIns="0" tIns="0" bIns="0">
+            <a:endParaRPr b="0" lang="en-US" sz="3200" spc="-1" strike="noStrike">
+              <a:latin typeface="Arial"/>
+            </a:endParaRPr>
+          </a:p>
+        </p:txBody>
+      </p:sp>
+      <p:sp>
+        <p:nvSpPr>
+          <p:cNvPr id="96" name="PlaceHolder 3"/>
+          <p:cNvSpPr>
+            <a:spLocks noGrp="1"/>
+          </p:cNvSpPr>
+          <p:nvPr>
+            <p:ph/>
+          </p:nvPr>
+        </p:nvSpPr>
+        <p:spPr>
+          <a:xfrm>
+            <a:off x="609480" y="3682080"/>
+            <a:ext cx="10972440" cy="1896840"/>
+          </a:xfrm>
+          <a:prstGeom prst="rect">
+            <a:avLst/>
+          </a:prstGeom>
+          <a:noFill/>
+          <a:ln w="0">
+            <a:noFill/>
+          </a:ln>
+        </p:spPr>
+        <p:txBody>
+          <a:bodyPr lIns="0" rIns="0" tIns="0" bIns="0" anchor="t">
             <a:normAutofit/>
           </a:bodyPr>
           <a:p>
-            <a:endParaRPr b="0" lang="ru-RU" sz="1800" spc="-1" strike="noStrike">
-              <a:solidFill>
-                <a:srgbClr val="404040"/>
-              </a:solidFill>
-              <a:latin typeface="Trebuchet MS"/>
+            <a:endParaRPr b="0" lang="en-US" sz="3200" spc="-1" strike="noStrike">
+              <a:latin typeface="Arial"/>
             </a:endParaRPr>
           </a:p>
         </p:txBody>
@@ -1719,7 +1811,7 @@
       </p:grpSpPr>
       <p:sp>
         <p:nvSpPr>
-          <p:cNvPr id="103" name="PlaceHolder 1"/>
+          <p:cNvPr id="97" name="PlaceHolder 1"/>
           <p:cNvSpPr>
             <a:spLocks noGrp="1"/>
           </p:cNvSpPr>
@@ -1729,155 +1821,163 @@
         </p:nvSpPr>
         <p:spPr>
           <a:xfrm>
-            <a:off x="677160" y="609480"/>
-            <a:ext cx="8596440" cy="1320480"/>
-          </a:xfrm>
-          <a:prstGeom prst="rect">
-            <a:avLst/>
-          </a:prstGeom>
+            <a:off x="609480" y="273600"/>
+            <a:ext cx="10972440" cy="1144800"/>
+          </a:xfrm>
+          <a:prstGeom prst="rect">
+            <a:avLst/>
+          </a:prstGeom>
+          <a:noFill/>
+          <a:ln w="0">
+            <a:noFill/>
+          </a:ln>
         </p:spPr>
         <p:txBody>
           <a:bodyPr lIns="0" rIns="0" tIns="0" bIns="0" anchor="ctr">
             <a:noAutofit/>
           </a:bodyPr>
           <a:p>
-            <a:endParaRPr b="0" lang="ru-RU" sz="1800" spc="-1" strike="noStrike">
-              <a:solidFill>
-                <a:srgbClr val="000000"/>
-              </a:solidFill>
-              <a:latin typeface="Trebuchet MS"/>
-            </a:endParaRPr>
-          </a:p>
-        </p:txBody>
-      </p:sp>
-      <p:sp>
-        <p:nvSpPr>
-          <p:cNvPr id="104" name="PlaceHolder 2"/>
-          <p:cNvSpPr>
-            <a:spLocks noGrp="1"/>
-          </p:cNvSpPr>
-          <p:nvPr>
-            <p:ph type="body"/>
-          </p:nvPr>
-        </p:nvSpPr>
-        <p:spPr>
-          <a:xfrm>
-            <a:off x="677160" y="2160720"/>
-            <a:ext cx="4194720" cy="1850760"/>
-          </a:xfrm>
-          <a:prstGeom prst="rect">
-            <a:avLst/>
-          </a:prstGeom>
-        </p:spPr>
-        <p:txBody>
-          <a:bodyPr lIns="0" rIns="0" tIns="0" bIns="0">
+            <a:pPr algn="ctr">
+              <a:buNone/>
+            </a:pPr>
+            <a:endParaRPr b="0" lang="en-US" sz="4400" spc="-1" strike="noStrike">
+              <a:latin typeface="Arial"/>
+            </a:endParaRPr>
+          </a:p>
+        </p:txBody>
+      </p:sp>
+      <p:sp>
+        <p:nvSpPr>
+          <p:cNvPr id="98" name="PlaceHolder 2"/>
+          <p:cNvSpPr>
+            <a:spLocks noGrp="1"/>
+          </p:cNvSpPr>
+          <p:nvPr>
+            <p:ph/>
+          </p:nvPr>
+        </p:nvSpPr>
+        <p:spPr>
+          <a:xfrm>
+            <a:off x="609480" y="1604520"/>
+            <a:ext cx="5354280" cy="1896840"/>
+          </a:xfrm>
+          <a:prstGeom prst="rect">
+            <a:avLst/>
+          </a:prstGeom>
+          <a:noFill/>
+          <a:ln w="0">
+            <a:noFill/>
+          </a:ln>
+        </p:spPr>
+        <p:txBody>
+          <a:bodyPr lIns="0" rIns="0" tIns="0" bIns="0" anchor="t">
             <a:normAutofit/>
           </a:bodyPr>
           <a:p>
-            <a:endParaRPr b="0" lang="ru-RU" sz="1800" spc="-1" strike="noStrike">
-              <a:solidFill>
-                <a:srgbClr val="404040"/>
-              </a:solidFill>
-              <a:latin typeface="Trebuchet MS"/>
-            </a:endParaRPr>
-          </a:p>
-        </p:txBody>
-      </p:sp>
-      <p:sp>
-        <p:nvSpPr>
-          <p:cNvPr id="105" name="PlaceHolder 3"/>
-          <p:cNvSpPr>
-            <a:spLocks noGrp="1"/>
-          </p:cNvSpPr>
-          <p:nvPr>
-            <p:ph type="body"/>
-          </p:nvPr>
-        </p:nvSpPr>
-        <p:spPr>
-          <a:xfrm>
-            <a:off x="5082120" y="2160720"/>
-            <a:ext cx="4194720" cy="1850760"/>
-          </a:xfrm>
-          <a:prstGeom prst="rect">
-            <a:avLst/>
-          </a:prstGeom>
-        </p:spPr>
-        <p:txBody>
-          <a:bodyPr lIns="0" rIns="0" tIns="0" bIns="0">
+            <a:endParaRPr b="0" lang="en-US" sz="3200" spc="-1" strike="noStrike">
+              <a:latin typeface="Arial"/>
+            </a:endParaRPr>
+          </a:p>
+        </p:txBody>
+      </p:sp>
+      <p:sp>
+        <p:nvSpPr>
+          <p:cNvPr id="99" name="PlaceHolder 3"/>
+          <p:cNvSpPr>
+            <a:spLocks noGrp="1"/>
+          </p:cNvSpPr>
+          <p:nvPr>
+            <p:ph/>
+          </p:nvPr>
+        </p:nvSpPr>
+        <p:spPr>
+          <a:xfrm>
+            <a:off x="6231960" y="1604520"/>
+            <a:ext cx="5354280" cy="1896840"/>
+          </a:xfrm>
+          <a:prstGeom prst="rect">
+            <a:avLst/>
+          </a:prstGeom>
+          <a:noFill/>
+          <a:ln w="0">
+            <a:noFill/>
+          </a:ln>
+        </p:spPr>
+        <p:txBody>
+          <a:bodyPr lIns="0" rIns="0" tIns="0" bIns="0" anchor="t">
             <a:normAutofit/>
           </a:bodyPr>
           <a:p>
-            <a:endParaRPr b="0" lang="ru-RU" sz="1800" spc="-1" strike="noStrike">
-              <a:solidFill>
-                <a:srgbClr val="404040"/>
-              </a:solidFill>
-              <a:latin typeface="Trebuchet MS"/>
-            </a:endParaRPr>
-          </a:p>
-        </p:txBody>
-      </p:sp>
-      <p:sp>
-        <p:nvSpPr>
-          <p:cNvPr id="106" name="PlaceHolder 4"/>
-          <p:cNvSpPr>
-            <a:spLocks noGrp="1"/>
-          </p:cNvSpPr>
-          <p:nvPr>
-            <p:ph type="body"/>
-          </p:nvPr>
-        </p:nvSpPr>
-        <p:spPr>
-          <a:xfrm>
-            <a:off x="677160" y="4187520"/>
-            <a:ext cx="4194720" cy="1850760"/>
-          </a:xfrm>
-          <a:prstGeom prst="rect">
-            <a:avLst/>
-          </a:prstGeom>
-        </p:spPr>
-        <p:txBody>
-          <a:bodyPr lIns="0" rIns="0" tIns="0" bIns="0">
+            <a:endParaRPr b="0" lang="en-US" sz="3200" spc="-1" strike="noStrike">
+              <a:latin typeface="Arial"/>
+            </a:endParaRPr>
+          </a:p>
+        </p:txBody>
+      </p:sp>
+      <p:sp>
+        <p:nvSpPr>
+          <p:cNvPr id="100" name="PlaceHolder 4"/>
+          <p:cNvSpPr>
+            <a:spLocks noGrp="1"/>
+          </p:cNvSpPr>
+          <p:nvPr>
+            <p:ph/>
+          </p:nvPr>
+        </p:nvSpPr>
+        <p:spPr>
+          <a:xfrm>
+            <a:off x="609480" y="3682080"/>
+            <a:ext cx="5354280" cy="1896840"/>
+          </a:xfrm>
+          <a:prstGeom prst="rect">
+            <a:avLst/>
+          </a:prstGeom>
+          <a:noFill/>
+          <a:ln w="0">
+            <a:noFill/>
+          </a:ln>
+        </p:spPr>
+        <p:txBody>
+          <a:bodyPr lIns="0" rIns="0" tIns="0" bIns="0" anchor="t">
             <a:normAutofit/>
           </a:bodyPr>
           <a:p>
-            <a:endParaRPr b="0" lang="ru-RU" sz="1800" spc="-1" strike="noStrike">
-              <a:solidFill>
-                <a:srgbClr val="404040"/>
-              </a:solidFill>
-              <a:latin typeface="Trebuchet MS"/>
-            </a:endParaRPr>
-          </a:p>
-        </p:txBody>
-      </p:sp>
-      <p:sp>
-        <p:nvSpPr>
-          <p:cNvPr id="107" name="PlaceHolder 5"/>
-          <p:cNvSpPr>
-            <a:spLocks noGrp="1"/>
-          </p:cNvSpPr>
-          <p:nvPr>
-            <p:ph type="body"/>
-          </p:nvPr>
-        </p:nvSpPr>
-        <p:spPr>
-          <a:xfrm>
-            <a:off x="5082120" y="4187520"/>
-            <a:ext cx="4194720" cy="1850760"/>
-          </a:xfrm>
-          <a:prstGeom prst="rect">
-            <a:avLst/>
-          </a:prstGeom>
-        </p:spPr>
-        <p:txBody>
-          <a:bodyPr lIns="0" rIns="0" tIns="0" bIns="0">
+            <a:endParaRPr b="0" lang="en-US" sz="3200" spc="-1" strike="noStrike">
+              <a:latin typeface="Arial"/>
+            </a:endParaRPr>
+          </a:p>
+        </p:txBody>
+      </p:sp>
+      <p:sp>
+        <p:nvSpPr>
+          <p:cNvPr id="101" name="PlaceHolder 5"/>
+          <p:cNvSpPr>
+            <a:spLocks noGrp="1"/>
+          </p:cNvSpPr>
+          <p:nvPr>
+            <p:ph/>
+          </p:nvPr>
+        </p:nvSpPr>
+        <p:spPr>
+          <a:xfrm>
+            <a:off x="6231960" y="3682080"/>
+            <a:ext cx="5354280" cy="1896840"/>
+          </a:xfrm>
+          <a:prstGeom prst="rect">
+            <a:avLst/>
+          </a:prstGeom>
+          <a:noFill/>
+          <a:ln w="0">
+            <a:noFill/>
+          </a:ln>
+        </p:spPr>
+        <p:txBody>
+          <a:bodyPr lIns="0" rIns="0" tIns="0" bIns="0" anchor="t">
             <a:normAutofit/>
           </a:bodyPr>
           <a:p>
-            <a:endParaRPr b="0" lang="ru-RU" sz="1800" spc="-1" strike="noStrike">
-              <a:solidFill>
-                <a:srgbClr val="404040"/>
-              </a:solidFill>
-              <a:latin typeface="Trebuchet MS"/>
+            <a:endParaRPr b="0" lang="en-US" sz="3200" spc="-1" strike="noStrike">
+              <a:latin typeface="Arial"/>
             </a:endParaRPr>
           </a:p>
         </p:txBody>
@@ -1906,7 +2006,7 @@
       </p:grpSpPr>
       <p:sp>
         <p:nvSpPr>
-          <p:cNvPr id="108" name="PlaceHolder 1"/>
+          <p:cNvPr id="102" name="PlaceHolder 1"/>
           <p:cNvSpPr>
             <a:spLocks noGrp="1"/>
           </p:cNvSpPr>
@@ -1916,221 +2016,231 @@
         </p:nvSpPr>
         <p:spPr>
           <a:xfrm>
-            <a:off x="677160" y="609480"/>
-            <a:ext cx="8596440" cy="1320480"/>
-          </a:xfrm>
-          <a:prstGeom prst="rect">
-            <a:avLst/>
-          </a:prstGeom>
+            <a:off x="609480" y="273600"/>
+            <a:ext cx="10972440" cy="1144800"/>
+          </a:xfrm>
+          <a:prstGeom prst="rect">
+            <a:avLst/>
+          </a:prstGeom>
+          <a:noFill/>
+          <a:ln w="0">
+            <a:noFill/>
+          </a:ln>
         </p:spPr>
         <p:txBody>
           <a:bodyPr lIns="0" rIns="0" tIns="0" bIns="0" anchor="ctr">
             <a:noAutofit/>
           </a:bodyPr>
           <a:p>
-            <a:endParaRPr b="0" lang="ru-RU" sz="1800" spc="-1" strike="noStrike">
-              <a:solidFill>
-                <a:srgbClr val="000000"/>
-              </a:solidFill>
-              <a:latin typeface="Trebuchet MS"/>
-            </a:endParaRPr>
-          </a:p>
-        </p:txBody>
-      </p:sp>
-      <p:sp>
-        <p:nvSpPr>
-          <p:cNvPr id="109" name="PlaceHolder 2"/>
-          <p:cNvSpPr>
-            <a:spLocks noGrp="1"/>
-          </p:cNvSpPr>
-          <p:nvPr>
-            <p:ph type="body"/>
-          </p:nvPr>
-        </p:nvSpPr>
-        <p:spPr>
-          <a:xfrm>
-            <a:off x="677160" y="2160720"/>
-            <a:ext cx="2767680" cy="1850760"/>
-          </a:xfrm>
-          <a:prstGeom prst="rect">
-            <a:avLst/>
-          </a:prstGeom>
-        </p:spPr>
-        <p:txBody>
-          <a:bodyPr lIns="0" rIns="0" tIns="0" bIns="0">
+            <a:pPr algn="ctr">
+              <a:buNone/>
+            </a:pPr>
+            <a:endParaRPr b="0" lang="en-US" sz="4400" spc="-1" strike="noStrike">
+              <a:latin typeface="Arial"/>
+            </a:endParaRPr>
+          </a:p>
+        </p:txBody>
+      </p:sp>
+      <p:sp>
+        <p:nvSpPr>
+          <p:cNvPr id="103" name="PlaceHolder 2"/>
+          <p:cNvSpPr>
+            <a:spLocks noGrp="1"/>
+          </p:cNvSpPr>
+          <p:nvPr>
+            <p:ph/>
+          </p:nvPr>
+        </p:nvSpPr>
+        <p:spPr>
+          <a:xfrm>
+            <a:off x="609480" y="1604520"/>
+            <a:ext cx="3533040" cy="1896840"/>
+          </a:xfrm>
+          <a:prstGeom prst="rect">
+            <a:avLst/>
+          </a:prstGeom>
+          <a:noFill/>
+          <a:ln w="0">
+            <a:noFill/>
+          </a:ln>
+        </p:spPr>
+        <p:txBody>
+          <a:bodyPr lIns="0" rIns="0" tIns="0" bIns="0" anchor="t">
             <a:normAutofit/>
           </a:bodyPr>
           <a:p>
-            <a:endParaRPr b="0" lang="ru-RU" sz="1800" spc="-1" strike="noStrike">
-              <a:solidFill>
-                <a:srgbClr val="404040"/>
-              </a:solidFill>
-              <a:latin typeface="Trebuchet MS"/>
-            </a:endParaRPr>
-          </a:p>
-        </p:txBody>
-      </p:sp>
-      <p:sp>
-        <p:nvSpPr>
-          <p:cNvPr id="110" name="PlaceHolder 3"/>
-          <p:cNvSpPr>
-            <a:spLocks noGrp="1"/>
-          </p:cNvSpPr>
-          <p:nvPr>
-            <p:ph type="body"/>
-          </p:nvPr>
-        </p:nvSpPr>
-        <p:spPr>
-          <a:xfrm>
-            <a:off x="3583440" y="2160720"/>
-            <a:ext cx="2767680" cy="1850760"/>
-          </a:xfrm>
-          <a:prstGeom prst="rect">
-            <a:avLst/>
-          </a:prstGeom>
-        </p:spPr>
-        <p:txBody>
-          <a:bodyPr lIns="0" rIns="0" tIns="0" bIns="0">
+            <a:endParaRPr b="0" lang="en-US" sz="3200" spc="-1" strike="noStrike">
+              <a:latin typeface="Arial"/>
+            </a:endParaRPr>
+          </a:p>
+        </p:txBody>
+      </p:sp>
+      <p:sp>
+        <p:nvSpPr>
+          <p:cNvPr id="104" name="PlaceHolder 3"/>
+          <p:cNvSpPr>
+            <a:spLocks noGrp="1"/>
+          </p:cNvSpPr>
+          <p:nvPr>
+            <p:ph/>
+          </p:nvPr>
+        </p:nvSpPr>
+        <p:spPr>
+          <a:xfrm>
+            <a:off x="4319640" y="1604520"/>
+            <a:ext cx="3533040" cy="1896840"/>
+          </a:xfrm>
+          <a:prstGeom prst="rect">
+            <a:avLst/>
+          </a:prstGeom>
+          <a:noFill/>
+          <a:ln w="0">
+            <a:noFill/>
+          </a:ln>
+        </p:spPr>
+        <p:txBody>
+          <a:bodyPr lIns="0" rIns="0" tIns="0" bIns="0" anchor="t">
             <a:normAutofit/>
           </a:bodyPr>
           <a:p>
-            <a:endParaRPr b="0" lang="ru-RU" sz="1800" spc="-1" strike="noStrike">
-              <a:solidFill>
-                <a:srgbClr val="404040"/>
-              </a:solidFill>
-              <a:latin typeface="Trebuchet MS"/>
-            </a:endParaRPr>
-          </a:p>
-        </p:txBody>
-      </p:sp>
-      <p:sp>
-        <p:nvSpPr>
-          <p:cNvPr id="111" name="PlaceHolder 4"/>
-          <p:cNvSpPr>
-            <a:spLocks noGrp="1"/>
-          </p:cNvSpPr>
-          <p:nvPr>
-            <p:ph type="body"/>
-          </p:nvPr>
-        </p:nvSpPr>
-        <p:spPr>
-          <a:xfrm>
-            <a:off x="6490080" y="2160720"/>
-            <a:ext cx="2767680" cy="1850760"/>
-          </a:xfrm>
-          <a:prstGeom prst="rect">
-            <a:avLst/>
-          </a:prstGeom>
-        </p:spPr>
-        <p:txBody>
-          <a:bodyPr lIns="0" rIns="0" tIns="0" bIns="0">
+            <a:endParaRPr b="0" lang="en-US" sz="3200" spc="-1" strike="noStrike">
+              <a:latin typeface="Arial"/>
+            </a:endParaRPr>
+          </a:p>
+        </p:txBody>
+      </p:sp>
+      <p:sp>
+        <p:nvSpPr>
+          <p:cNvPr id="105" name="PlaceHolder 4"/>
+          <p:cNvSpPr>
+            <a:spLocks noGrp="1"/>
+          </p:cNvSpPr>
+          <p:nvPr>
+            <p:ph/>
+          </p:nvPr>
+        </p:nvSpPr>
+        <p:spPr>
+          <a:xfrm>
+            <a:off x="8029800" y="1604520"/>
+            <a:ext cx="3533040" cy="1896840"/>
+          </a:xfrm>
+          <a:prstGeom prst="rect">
+            <a:avLst/>
+          </a:prstGeom>
+          <a:noFill/>
+          <a:ln w="0">
+            <a:noFill/>
+          </a:ln>
+        </p:spPr>
+        <p:txBody>
+          <a:bodyPr lIns="0" rIns="0" tIns="0" bIns="0" anchor="t">
             <a:normAutofit/>
           </a:bodyPr>
           <a:p>
-            <a:endParaRPr b="0" lang="ru-RU" sz="1800" spc="-1" strike="noStrike">
-              <a:solidFill>
-                <a:srgbClr val="404040"/>
-              </a:solidFill>
-              <a:latin typeface="Trebuchet MS"/>
-            </a:endParaRPr>
-          </a:p>
-        </p:txBody>
-      </p:sp>
-      <p:sp>
-        <p:nvSpPr>
-          <p:cNvPr id="112" name="PlaceHolder 5"/>
-          <p:cNvSpPr>
-            <a:spLocks noGrp="1"/>
-          </p:cNvSpPr>
-          <p:nvPr>
-            <p:ph type="body"/>
-          </p:nvPr>
-        </p:nvSpPr>
-        <p:spPr>
-          <a:xfrm>
-            <a:off x="677160" y="4187520"/>
-            <a:ext cx="2767680" cy="1850760"/>
-          </a:xfrm>
-          <a:prstGeom prst="rect">
-            <a:avLst/>
-          </a:prstGeom>
-        </p:spPr>
-        <p:txBody>
-          <a:bodyPr lIns="0" rIns="0" tIns="0" bIns="0">
+            <a:endParaRPr b="0" lang="en-US" sz="3200" spc="-1" strike="noStrike">
+              <a:latin typeface="Arial"/>
+            </a:endParaRPr>
+          </a:p>
+        </p:txBody>
+      </p:sp>
+      <p:sp>
+        <p:nvSpPr>
+          <p:cNvPr id="106" name="PlaceHolder 5"/>
+          <p:cNvSpPr>
+            <a:spLocks noGrp="1"/>
+          </p:cNvSpPr>
+          <p:nvPr>
+            <p:ph/>
+          </p:nvPr>
+        </p:nvSpPr>
+        <p:spPr>
+          <a:xfrm>
+            <a:off x="609480" y="3682080"/>
+            <a:ext cx="3533040" cy="1896840"/>
+          </a:xfrm>
+          <a:prstGeom prst="rect">
+            <a:avLst/>
+          </a:prstGeom>
+          <a:noFill/>
+          <a:ln w="0">
+            <a:noFill/>
+          </a:ln>
+        </p:spPr>
+        <p:txBody>
+          <a:bodyPr lIns="0" rIns="0" tIns="0" bIns="0" anchor="t">
             <a:normAutofit/>
           </a:bodyPr>
           <a:p>
-            <a:endParaRPr b="0" lang="ru-RU" sz="1800" spc="-1" strike="noStrike">
-              <a:solidFill>
-                <a:srgbClr val="404040"/>
-              </a:solidFill>
-              <a:latin typeface="Trebuchet MS"/>
-            </a:endParaRPr>
-          </a:p>
-        </p:txBody>
-      </p:sp>
-      <p:sp>
-        <p:nvSpPr>
-          <p:cNvPr id="113" name="PlaceHolder 6"/>
-          <p:cNvSpPr>
-            <a:spLocks noGrp="1"/>
-          </p:cNvSpPr>
-          <p:nvPr>
-            <p:ph type="body"/>
-          </p:nvPr>
-        </p:nvSpPr>
-        <p:spPr>
-          <a:xfrm>
-            <a:off x="3583440" y="4187520"/>
-            <a:ext cx="2767680" cy="1850760"/>
-          </a:xfrm>
-          <a:prstGeom prst="rect">
-            <a:avLst/>
-          </a:prstGeom>
-        </p:spPr>
-        <p:txBody>
-          <a:bodyPr lIns="0" rIns="0" tIns="0" bIns="0">
+            <a:endParaRPr b="0" lang="en-US" sz="3200" spc="-1" strike="noStrike">
+              <a:latin typeface="Arial"/>
+            </a:endParaRPr>
+          </a:p>
+        </p:txBody>
+      </p:sp>
+      <p:sp>
+        <p:nvSpPr>
+          <p:cNvPr id="107" name="PlaceHolder 6"/>
+          <p:cNvSpPr>
+            <a:spLocks noGrp="1"/>
+          </p:cNvSpPr>
+          <p:nvPr>
+            <p:ph/>
+          </p:nvPr>
+        </p:nvSpPr>
+        <p:spPr>
+          <a:xfrm>
+            <a:off x="4319640" y="3682080"/>
+            <a:ext cx="3533040" cy="1896840"/>
+          </a:xfrm>
+          <a:prstGeom prst="rect">
+            <a:avLst/>
+          </a:prstGeom>
+          <a:noFill/>
+          <a:ln w="0">
+            <a:noFill/>
+          </a:ln>
+        </p:spPr>
+        <p:txBody>
+          <a:bodyPr lIns="0" rIns="0" tIns="0" bIns="0" anchor="t">
             <a:normAutofit/>
           </a:bodyPr>
           <a:p>
-            <a:endParaRPr b="0" lang="ru-RU" sz="1800" spc="-1" strike="noStrike">
-              <a:solidFill>
-                <a:srgbClr val="404040"/>
-              </a:solidFill>
-              <a:latin typeface="Trebuchet MS"/>
-            </a:endParaRPr>
-          </a:p>
-        </p:txBody>
-      </p:sp>
-      <p:sp>
-        <p:nvSpPr>
-          <p:cNvPr id="114" name="PlaceHolder 7"/>
-          <p:cNvSpPr>
-            <a:spLocks noGrp="1"/>
-          </p:cNvSpPr>
-          <p:nvPr>
-            <p:ph type="body"/>
-          </p:nvPr>
-        </p:nvSpPr>
-        <p:spPr>
-          <a:xfrm>
-            <a:off x="6490080" y="4187520"/>
-            <a:ext cx="2767680" cy="1850760"/>
-          </a:xfrm>
-          <a:prstGeom prst="rect">
-            <a:avLst/>
-          </a:prstGeom>
-        </p:spPr>
-        <p:txBody>
-          <a:bodyPr lIns="0" rIns="0" tIns="0" bIns="0">
+            <a:endParaRPr b="0" lang="en-US" sz="3200" spc="-1" strike="noStrike">
+              <a:latin typeface="Arial"/>
+            </a:endParaRPr>
+          </a:p>
+        </p:txBody>
+      </p:sp>
+      <p:sp>
+        <p:nvSpPr>
+          <p:cNvPr id="108" name="PlaceHolder 7"/>
+          <p:cNvSpPr>
+            <a:spLocks noGrp="1"/>
+          </p:cNvSpPr>
+          <p:nvPr>
+            <p:ph/>
+          </p:nvPr>
+        </p:nvSpPr>
+        <p:spPr>
+          <a:xfrm>
+            <a:off x="8029800" y="3682080"/>
+            <a:ext cx="3533040" cy="1896840"/>
+          </a:xfrm>
+          <a:prstGeom prst="rect">
+            <a:avLst/>
+          </a:prstGeom>
+          <a:noFill/>
+          <a:ln w="0">
+            <a:noFill/>
+          </a:ln>
+        </p:spPr>
+        <p:txBody>
+          <a:bodyPr lIns="0" rIns="0" tIns="0" bIns="0" anchor="t">
             <a:normAutofit/>
           </a:bodyPr>
           <a:p>
-            <a:endParaRPr b="0" lang="ru-RU" sz="1800" spc="-1" strike="noStrike">
-              <a:solidFill>
-                <a:srgbClr val="404040"/>
-              </a:solidFill>
-              <a:latin typeface="Trebuchet MS"/>
+            <a:endParaRPr b="0" lang="en-US" sz="3200" spc="-1" strike="noStrike">
+              <a:latin typeface="Arial"/>
             </a:endParaRPr>
           </a:p>
         </p:txBody>
@@ -2159,7 +2269,7 @@
       </p:grpSpPr>
       <p:sp>
         <p:nvSpPr>
-          <p:cNvPr id="29" name="PlaceHolder 1"/>
+          <p:cNvPr id="26" name="PlaceHolder 1"/>
           <p:cNvSpPr>
             <a:spLocks noGrp="1"/>
           </p:cNvSpPr>
@@ -2169,56 +2279,61 @@
         </p:nvSpPr>
         <p:spPr>
           <a:xfrm>
-            <a:off x="677160" y="609480"/>
-            <a:ext cx="8596440" cy="1320480"/>
-          </a:xfrm>
-          <a:prstGeom prst="rect">
-            <a:avLst/>
-          </a:prstGeom>
+            <a:off x="609480" y="273600"/>
+            <a:ext cx="10972440" cy="1144800"/>
+          </a:xfrm>
+          <a:prstGeom prst="rect">
+            <a:avLst/>
+          </a:prstGeom>
+          <a:noFill/>
+          <a:ln w="0">
+            <a:noFill/>
+          </a:ln>
         </p:spPr>
         <p:txBody>
           <a:bodyPr lIns="0" rIns="0" tIns="0" bIns="0" anchor="ctr">
             <a:noAutofit/>
           </a:bodyPr>
           <a:p>
-            <a:endParaRPr b="0" lang="ru-RU" sz="1800" spc="-1" strike="noStrike">
-              <a:solidFill>
-                <a:srgbClr val="000000"/>
-              </a:solidFill>
-              <a:latin typeface="Trebuchet MS"/>
-            </a:endParaRPr>
-          </a:p>
-        </p:txBody>
-      </p:sp>
-      <p:sp>
-        <p:nvSpPr>
-          <p:cNvPr id="30" name="PlaceHolder 2"/>
-          <p:cNvSpPr>
-            <a:spLocks noGrp="1"/>
-          </p:cNvSpPr>
-          <p:nvPr>
-            <p:ph type="body"/>
-          </p:nvPr>
-        </p:nvSpPr>
-        <p:spPr>
-          <a:xfrm>
-            <a:off x="677160" y="2160720"/>
-            <a:ext cx="8596440" cy="3880440"/>
-          </a:xfrm>
-          <a:prstGeom prst="rect">
-            <a:avLst/>
-          </a:prstGeom>
-        </p:spPr>
-        <p:txBody>
-          <a:bodyPr lIns="0" rIns="0" tIns="0" bIns="0">
+            <a:pPr algn="ctr">
+              <a:buNone/>
+            </a:pPr>
+            <a:endParaRPr b="0" lang="en-US" sz="4400" spc="-1" strike="noStrike">
+              <a:latin typeface="Arial"/>
+            </a:endParaRPr>
+          </a:p>
+        </p:txBody>
+      </p:sp>
+      <p:sp>
+        <p:nvSpPr>
+          <p:cNvPr id="27" name="PlaceHolder 2"/>
+          <p:cNvSpPr>
+            <a:spLocks noGrp="1"/>
+          </p:cNvSpPr>
+          <p:nvPr>
+            <p:ph/>
+          </p:nvPr>
+        </p:nvSpPr>
+        <p:spPr>
+          <a:xfrm>
+            <a:off x="609480" y="1604520"/>
+            <a:ext cx="10972440" cy="3977280"/>
+          </a:xfrm>
+          <a:prstGeom prst="rect">
+            <a:avLst/>
+          </a:prstGeom>
+          <a:noFill/>
+          <a:ln w="0">
+            <a:noFill/>
+          </a:ln>
+        </p:spPr>
+        <p:txBody>
+          <a:bodyPr lIns="0" rIns="0" tIns="0" bIns="0" anchor="t">
             <a:normAutofit/>
           </a:bodyPr>
           <a:p>
-            <a:endParaRPr b="0" lang="ru-RU" sz="1800" spc="-1" strike="noStrike">
-              <a:solidFill>
-                <a:srgbClr val="404040"/>
-              </a:solidFill>
-              <a:latin typeface="Trebuchet MS"/>
+            <a:endParaRPr b="0" lang="en-US" sz="3200" spc="-1" strike="noStrike">
+              <a:latin typeface="Arial"/>
             </a:endParaRPr>
           </a:p>
         </p:txBody>
@@ -2247,7 +2362,7 @@
       </p:grpSpPr>
       <p:sp>
         <p:nvSpPr>
-          <p:cNvPr id="31" name="PlaceHolder 1"/>
+          <p:cNvPr id="28" name="PlaceHolder 1"/>
           <p:cNvSpPr>
             <a:spLocks noGrp="1"/>
           </p:cNvSpPr>
@@ -2257,89 +2372,95 @@
         </p:nvSpPr>
         <p:spPr>
           <a:xfrm>
-            <a:off x="677160" y="609480"/>
-            <a:ext cx="8596440" cy="1320480"/>
-          </a:xfrm>
-          <a:prstGeom prst="rect">
-            <a:avLst/>
-          </a:prstGeom>
+            <a:off x="609480" y="273600"/>
+            <a:ext cx="10972440" cy="1144800"/>
+          </a:xfrm>
+          <a:prstGeom prst="rect">
+            <a:avLst/>
+          </a:prstGeom>
+          <a:noFill/>
+          <a:ln w="0">
+            <a:noFill/>
+          </a:ln>
         </p:spPr>
         <p:txBody>
           <a:bodyPr lIns="0" rIns="0" tIns="0" bIns="0" anchor="ctr">
             <a:noAutofit/>
           </a:bodyPr>
           <a:p>
-            <a:endParaRPr b="0" lang="ru-RU" sz="1800" spc="-1" strike="noStrike">
-              <a:solidFill>
-                <a:srgbClr val="000000"/>
-              </a:solidFill>
-              <a:latin typeface="Trebuchet MS"/>
-            </a:endParaRPr>
-          </a:p>
-        </p:txBody>
-      </p:sp>
-      <p:sp>
-        <p:nvSpPr>
-          <p:cNvPr id="32" name="PlaceHolder 2"/>
-          <p:cNvSpPr>
-            <a:spLocks noGrp="1"/>
-          </p:cNvSpPr>
-          <p:nvPr>
-            <p:ph type="body"/>
-          </p:nvPr>
-        </p:nvSpPr>
-        <p:spPr>
-          <a:xfrm>
-            <a:off x="677160" y="2160720"/>
-            <a:ext cx="4194720" cy="3880440"/>
-          </a:xfrm>
-          <a:prstGeom prst="rect">
-            <a:avLst/>
-          </a:prstGeom>
-        </p:spPr>
-        <p:txBody>
-          <a:bodyPr lIns="0" rIns="0" tIns="0" bIns="0">
+            <a:pPr algn="ctr">
+              <a:buNone/>
+            </a:pPr>
+            <a:endParaRPr b="0" lang="en-US" sz="4400" spc="-1" strike="noStrike">
+              <a:latin typeface="Arial"/>
+            </a:endParaRPr>
+          </a:p>
+        </p:txBody>
+      </p:sp>
+      <p:sp>
+        <p:nvSpPr>
+          <p:cNvPr id="29" name="PlaceHolder 2"/>
+          <p:cNvSpPr>
+            <a:spLocks noGrp="1"/>
+          </p:cNvSpPr>
+          <p:nvPr>
+            <p:ph/>
+          </p:nvPr>
+        </p:nvSpPr>
+        <p:spPr>
+          <a:xfrm>
+            <a:off x="609480" y="1604520"/>
+            <a:ext cx="5354280" cy="3977280"/>
+          </a:xfrm>
+          <a:prstGeom prst="rect">
+            <a:avLst/>
+          </a:prstGeom>
+          <a:noFill/>
+          <a:ln w="0">
+            <a:noFill/>
+          </a:ln>
+        </p:spPr>
+        <p:txBody>
+          <a:bodyPr lIns="0" rIns="0" tIns="0" bIns="0" anchor="t">
             <a:normAutofit/>
           </a:bodyPr>
           <a:p>
-            <a:endParaRPr b="0" lang="ru-RU" sz="1800" spc="-1" strike="noStrike">
-              <a:solidFill>
-                <a:srgbClr val="404040"/>
-              </a:solidFill>
-              <a:latin typeface="Trebuchet MS"/>
-            </a:endParaRPr>
-          </a:p>
-        </p:txBody>
-      </p:sp>
-      <p:sp>
-        <p:nvSpPr>
-          <p:cNvPr id="33" name="PlaceHolder 3"/>
-          <p:cNvSpPr>
-            <a:spLocks noGrp="1"/>
-          </p:cNvSpPr>
-          <p:nvPr>
-            <p:ph type="body"/>
-          </p:nvPr>
-        </p:nvSpPr>
-        <p:spPr>
-          <a:xfrm>
-            <a:off x="5082120" y="2160720"/>
-            <a:ext cx="4194720" cy="3880440"/>
-          </a:xfrm>
-          <a:prstGeom prst="rect">
-            <a:avLst/>
-          </a:prstGeom>
-        </p:spPr>
-        <p:txBody>
-          <a:bodyPr lIns="0" rIns="0" tIns="0" bIns="0">
+            <a:endParaRPr b="0" lang="en-US" sz="3200" spc="-1" strike="noStrike">
+              <a:latin typeface="Arial"/>
+            </a:endParaRPr>
+          </a:p>
+        </p:txBody>
+      </p:sp>
+      <p:sp>
+        <p:nvSpPr>
+          <p:cNvPr id="30" name="PlaceHolder 3"/>
+          <p:cNvSpPr>
+            <a:spLocks noGrp="1"/>
+          </p:cNvSpPr>
+          <p:nvPr>
+            <p:ph/>
+          </p:nvPr>
+        </p:nvSpPr>
+        <p:spPr>
+          <a:xfrm>
+            <a:off x="6231960" y="1604520"/>
+            <a:ext cx="5354280" cy="3977280"/>
+          </a:xfrm>
+          <a:prstGeom prst="rect">
+            <a:avLst/>
+          </a:prstGeom>
+          <a:noFill/>
+          <a:ln w="0">
+            <a:noFill/>
+          </a:ln>
+        </p:spPr>
+        <p:txBody>
+          <a:bodyPr lIns="0" rIns="0" tIns="0" bIns="0" anchor="t">
             <a:normAutofit/>
           </a:bodyPr>
           <a:p>
-            <a:endParaRPr b="0" lang="ru-RU" sz="1800" spc="-1" strike="noStrike">
-              <a:solidFill>
-                <a:srgbClr val="404040"/>
-              </a:solidFill>
-              <a:latin typeface="Trebuchet MS"/>
+            <a:endParaRPr b="0" lang="en-US" sz="3200" spc="-1" strike="noStrike">
+              <a:latin typeface="Arial"/>
             </a:endParaRPr>
           </a:p>
         </p:txBody>
@@ -2368,7 +2489,7 @@
       </p:grpSpPr>
       <p:sp>
         <p:nvSpPr>
-          <p:cNvPr id="34" name="PlaceHolder 1"/>
+          <p:cNvPr id="31" name="PlaceHolder 1"/>
           <p:cNvSpPr>
             <a:spLocks noGrp="1"/>
           </p:cNvSpPr>
@@ -2378,23 +2499,27 @@
         </p:nvSpPr>
         <p:spPr>
           <a:xfrm>
-            <a:off x="677160" y="609480"/>
-            <a:ext cx="8596440" cy="1320480"/>
-          </a:xfrm>
-          <a:prstGeom prst="rect">
-            <a:avLst/>
-          </a:prstGeom>
+            <a:off x="609480" y="273600"/>
+            <a:ext cx="10972440" cy="1144800"/>
+          </a:xfrm>
+          <a:prstGeom prst="rect">
+            <a:avLst/>
+          </a:prstGeom>
+          <a:noFill/>
+          <a:ln w="0">
+            <a:noFill/>
+          </a:ln>
         </p:spPr>
         <p:txBody>
           <a:bodyPr lIns="0" rIns="0" tIns="0" bIns="0" anchor="ctr">
             <a:noAutofit/>
           </a:bodyPr>
           <a:p>
-            <a:endParaRPr b="0" lang="ru-RU" sz="1800" spc="-1" strike="noStrike">
-              <a:solidFill>
-                <a:srgbClr val="000000"/>
-              </a:solidFill>
-              <a:latin typeface="Trebuchet MS"/>
+            <a:pPr algn="ctr">
+              <a:buNone/>
+            </a:pPr>
+            <a:endParaRPr b="0" lang="en-US" sz="4400" spc="-1" strike="noStrike">
+              <a:latin typeface="Arial"/>
             </a:endParaRPr>
           </a:p>
         </p:txBody>
@@ -2423,7 +2548,7 @@
       </p:grpSpPr>
       <p:sp>
         <p:nvSpPr>
-          <p:cNvPr id="35" name="PlaceHolder 1"/>
+          <p:cNvPr id="32" name="PlaceHolder 1"/>
           <p:cNvSpPr>
             <a:spLocks noGrp="1"/>
           </p:cNvSpPr>
@@ -2433,19 +2558,25 @@
         </p:nvSpPr>
         <p:spPr>
           <a:xfrm>
-            <a:off x="677160" y="609480"/>
-            <a:ext cx="8596440" cy="6122160"/>
-          </a:xfrm>
-          <a:prstGeom prst="rect">
-            <a:avLst/>
-          </a:prstGeom>
+            <a:off x="609480" y="273600"/>
+            <a:ext cx="10972440" cy="5307840"/>
+          </a:xfrm>
+          <a:prstGeom prst="rect">
+            <a:avLst/>
+          </a:prstGeom>
+          <a:noFill/>
+          <a:ln w="0">
+            <a:noFill/>
+          </a:ln>
         </p:spPr>
         <p:txBody>
           <a:bodyPr lIns="0" rIns="0" tIns="0" bIns="0" anchor="ctr">
             <a:noAutofit/>
           </a:bodyPr>
           <a:p>
-            <a:pPr algn="ctr"/>
+            <a:pPr algn="ctr">
+              <a:buNone/>
+            </a:pPr>
             <a:endParaRPr b="0" lang="en-US" sz="3200" spc="-1" strike="noStrike">
               <a:latin typeface="Arial"/>
             </a:endParaRPr>
@@ -2476,7 +2607,7 @@
       </p:grpSpPr>
       <p:sp>
         <p:nvSpPr>
-          <p:cNvPr id="36" name="PlaceHolder 1"/>
+          <p:cNvPr id="33" name="PlaceHolder 1"/>
           <p:cNvSpPr>
             <a:spLocks noGrp="1"/>
           </p:cNvSpPr>
@@ -2486,122 +2617,129 @@
         </p:nvSpPr>
         <p:spPr>
           <a:xfrm>
-            <a:off x="677160" y="609480"/>
-            <a:ext cx="8596440" cy="1320480"/>
-          </a:xfrm>
-          <a:prstGeom prst="rect">
-            <a:avLst/>
-          </a:prstGeom>
+            <a:off x="609480" y="273600"/>
+            <a:ext cx="10972440" cy="1144800"/>
+          </a:xfrm>
+          <a:prstGeom prst="rect">
+            <a:avLst/>
+          </a:prstGeom>
+          <a:noFill/>
+          <a:ln w="0">
+            <a:noFill/>
+          </a:ln>
         </p:spPr>
         <p:txBody>
           <a:bodyPr lIns="0" rIns="0" tIns="0" bIns="0" anchor="ctr">
             <a:noAutofit/>
           </a:bodyPr>
           <a:p>
-            <a:endParaRPr b="0" lang="ru-RU" sz="1800" spc="-1" strike="noStrike">
-              <a:solidFill>
-                <a:srgbClr val="000000"/>
-              </a:solidFill>
-              <a:latin typeface="Trebuchet MS"/>
-            </a:endParaRPr>
-          </a:p>
-        </p:txBody>
-      </p:sp>
-      <p:sp>
-        <p:nvSpPr>
-          <p:cNvPr id="37" name="PlaceHolder 2"/>
-          <p:cNvSpPr>
-            <a:spLocks noGrp="1"/>
-          </p:cNvSpPr>
-          <p:nvPr>
-            <p:ph type="body"/>
-          </p:nvPr>
-        </p:nvSpPr>
-        <p:spPr>
-          <a:xfrm>
-            <a:off x="677160" y="2160720"/>
-            <a:ext cx="4194720" cy="1850760"/>
-          </a:xfrm>
-          <a:prstGeom prst="rect">
-            <a:avLst/>
-          </a:prstGeom>
-        </p:spPr>
-        <p:txBody>
-          <a:bodyPr lIns="0" rIns="0" tIns="0" bIns="0">
+            <a:pPr algn="ctr">
+              <a:buNone/>
+            </a:pPr>
+            <a:endParaRPr b="0" lang="en-US" sz="4400" spc="-1" strike="noStrike">
+              <a:latin typeface="Arial"/>
+            </a:endParaRPr>
+          </a:p>
+        </p:txBody>
+      </p:sp>
+      <p:sp>
+        <p:nvSpPr>
+          <p:cNvPr id="34" name="PlaceHolder 2"/>
+          <p:cNvSpPr>
+            <a:spLocks noGrp="1"/>
+          </p:cNvSpPr>
+          <p:nvPr>
+            <p:ph/>
+          </p:nvPr>
+        </p:nvSpPr>
+        <p:spPr>
+          <a:xfrm>
+            <a:off x="609480" y="1604520"/>
+            <a:ext cx="5354280" cy="1896840"/>
+          </a:xfrm>
+          <a:prstGeom prst="rect">
+            <a:avLst/>
+          </a:prstGeom>
+          <a:noFill/>
+          <a:ln w="0">
+            <a:noFill/>
+          </a:ln>
+        </p:spPr>
+        <p:txBody>
+          <a:bodyPr lIns="0" rIns="0" tIns="0" bIns="0" anchor="t">
             <a:normAutofit/>
           </a:bodyPr>
           <a:p>
-            <a:endParaRPr b="0" lang="ru-RU" sz="1800" spc="-1" strike="noStrike">
-              <a:solidFill>
-                <a:srgbClr val="404040"/>
-              </a:solidFill>
-              <a:latin typeface="Trebuchet MS"/>
-            </a:endParaRPr>
-          </a:p>
-        </p:txBody>
-      </p:sp>
-      <p:sp>
-        <p:nvSpPr>
-          <p:cNvPr id="38" name="PlaceHolder 3"/>
-          <p:cNvSpPr>
-            <a:spLocks noGrp="1"/>
-          </p:cNvSpPr>
-          <p:nvPr>
-            <p:ph type="body"/>
-          </p:nvPr>
-        </p:nvSpPr>
-        <p:spPr>
-          <a:xfrm>
-            <a:off x="5082120" y="2160720"/>
-            <a:ext cx="4194720" cy="3880440"/>
-          </a:xfrm>
-          <a:prstGeom prst="rect">
-            <a:avLst/>
-          </a:prstGeom>
-        </p:spPr>
-        <p:txBody>
-          <a:bodyPr lIns="0" rIns="0" tIns="0" bIns="0">
+            <a:endParaRPr b="0" lang="en-US" sz="3200" spc="-1" strike="noStrike">
+              <a:latin typeface="Arial"/>
+            </a:endParaRPr>
+          </a:p>
+        </p:txBody>
+      </p:sp>
+      <p:sp>
+        <p:nvSpPr>
+          <p:cNvPr id="35" name="PlaceHolder 3"/>
+          <p:cNvSpPr>
+            <a:spLocks noGrp="1"/>
+          </p:cNvSpPr>
+          <p:nvPr>
+            <p:ph/>
+          </p:nvPr>
+        </p:nvSpPr>
+        <p:spPr>
+          <a:xfrm>
+            <a:off x="6231960" y="1604520"/>
+            <a:ext cx="5354280" cy="3977280"/>
+          </a:xfrm>
+          <a:prstGeom prst="rect">
+            <a:avLst/>
+          </a:prstGeom>
+          <a:noFill/>
+          <a:ln w="0">
+            <a:noFill/>
+          </a:ln>
+        </p:spPr>
+        <p:txBody>
+          <a:bodyPr lIns="0" rIns="0" tIns="0" bIns="0" anchor="t">
             <a:normAutofit/>
           </a:bodyPr>
           <a:p>
-            <a:endParaRPr b="0" lang="ru-RU" sz="1800" spc="-1" strike="noStrike">
-              <a:solidFill>
-                <a:srgbClr val="404040"/>
-              </a:solidFill>
-              <a:latin typeface="Trebuchet MS"/>
-            </a:endParaRPr>
-          </a:p>
-        </p:txBody>
-      </p:sp>
-      <p:sp>
-        <p:nvSpPr>
-          <p:cNvPr id="39" name="PlaceHolder 4"/>
-          <p:cNvSpPr>
-            <a:spLocks noGrp="1"/>
-          </p:cNvSpPr>
-          <p:nvPr>
-            <p:ph type="body"/>
-          </p:nvPr>
-        </p:nvSpPr>
-        <p:spPr>
-          <a:xfrm>
-            <a:off x="677160" y="4187520"/>
-            <a:ext cx="4194720" cy="1850760"/>
-          </a:xfrm>
-          <a:prstGeom prst="rect">
-            <a:avLst/>
-          </a:prstGeom>
-        </p:spPr>
-        <p:txBody>
-          <a:bodyPr lIns="0" rIns="0" tIns="0" bIns="0">
+            <a:endParaRPr b="0" lang="en-US" sz="3200" spc="-1" strike="noStrike">
+              <a:latin typeface="Arial"/>
+            </a:endParaRPr>
+          </a:p>
+        </p:txBody>
+      </p:sp>
+      <p:sp>
+        <p:nvSpPr>
+          <p:cNvPr id="36" name="PlaceHolder 4"/>
+          <p:cNvSpPr>
+            <a:spLocks noGrp="1"/>
+          </p:cNvSpPr>
+          <p:nvPr>
+            <p:ph/>
+          </p:nvPr>
+        </p:nvSpPr>
+        <p:spPr>
+          <a:xfrm>
+            <a:off x="609480" y="3682080"/>
+            <a:ext cx="5354280" cy="1896840"/>
+          </a:xfrm>
+          <a:prstGeom prst="rect">
+            <a:avLst/>
+          </a:prstGeom>
+          <a:noFill/>
+          <a:ln w="0">
+            <a:noFill/>
+          </a:ln>
+        </p:spPr>
+        <p:txBody>
+          <a:bodyPr lIns="0" rIns="0" tIns="0" bIns="0" anchor="t">
             <a:normAutofit/>
           </a:bodyPr>
           <a:p>
-            <a:endParaRPr b="0" lang="ru-RU" sz="1800" spc="-1" strike="noStrike">
-              <a:solidFill>
-                <a:srgbClr val="404040"/>
-              </a:solidFill>
-              <a:latin typeface="Trebuchet MS"/>
+            <a:endParaRPr b="0" lang="en-US" sz="3200" spc="-1" strike="noStrike">
+              <a:latin typeface="Arial"/>
             </a:endParaRPr>
           </a:p>
         </p:txBody>
@@ -2630,7 +2768,7 @@
       </p:grpSpPr>
       <p:sp>
         <p:nvSpPr>
-          <p:cNvPr id="40" name="PlaceHolder 1"/>
+          <p:cNvPr id="37" name="PlaceHolder 1"/>
           <p:cNvSpPr>
             <a:spLocks noGrp="1"/>
           </p:cNvSpPr>
@@ -2640,122 +2778,129 @@
         </p:nvSpPr>
         <p:spPr>
           <a:xfrm>
-            <a:off x="677160" y="609480"/>
-            <a:ext cx="8596440" cy="1320480"/>
-          </a:xfrm>
-          <a:prstGeom prst="rect">
-            <a:avLst/>
-          </a:prstGeom>
+            <a:off x="609480" y="273600"/>
+            <a:ext cx="10972440" cy="1144800"/>
+          </a:xfrm>
+          <a:prstGeom prst="rect">
+            <a:avLst/>
+          </a:prstGeom>
+          <a:noFill/>
+          <a:ln w="0">
+            <a:noFill/>
+          </a:ln>
         </p:spPr>
         <p:txBody>
           <a:bodyPr lIns="0" rIns="0" tIns="0" bIns="0" anchor="ctr">
             <a:noAutofit/>
           </a:bodyPr>
           <a:p>
-            <a:endParaRPr b="0" lang="ru-RU" sz="1800" spc="-1" strike="noStrike">
-              <a:solidFill>
-                <a:srgbClr val="000000"/>
-              </a:solidFill>
-              <a:latin typeface="Trebuchet MS"/>
-            </a:endParaRPr>
-          </a:p>
-        </p:txBody>
-      </p:sp>
-      <p:sp>
-        <p:nvSpPr>
-          <p:cNvPr id="41" name="PlaceHolder 2"/>
-          <p:cNvSpPr>
-            <a:spLocks noGrp="1"/>
-          </p:cNvSpPr>
-          <p:nvPr>
-            <p:ph type="body"/>
-          </p:nvPr>
-        </p:nvSpPr>
-        <p:spPr>
-          <a:xfrm>
-            <a:off x="677160" y="2160720"/>
-            <a:ext cx="4194720" cy="3880440"/>
-          </a:xfrm>
-          <a:prstGeom prst="rect">
-            <a:avLst/>
-          </a:prstGeom>
-        </p:spPr>
-        <p:txBody>
-          <a:bodyPr lIns="0" rIns="0" tIns="0" bIns="0">
+            <a:pPr algn="ctr">
+              <a:buNone/>
+            </a:pPr>
+            <a:endParaRPr b="0" lang="en-US" sz="4400" spc="-1" strike="noStrike">
+              <a:latin typeface="Arial"/>
+            </a:endParaRPr>
+          </a:p>
+        </p:txBody>
+      </p:sp>
+      <p:sp>
+        <p:nvSpPr>
+          <p:cNvPr id="38" name="PlaceHolder 2"/>
+          <p:cNvSpPr>
+            <a:spLocks noGrp="1"/>
+          </p:cNvSpPr>
+          <p:nvPr>
+            <p:ph/>
+          </p:nvPr>
+        </p:nvSpPr>
+        <p:spPr>
+          <a:xfrm>
+            <a:off x="609480" y="1604520"/>
+            <a:ext cx="5354280" cy="3977280"/>
+          </a:xfrm>
+          <a:prstGeom prst="rect">
+            <a:avLst/>
+          </a:prstGeom>
+          <a:noFill/>
+          <a:ln w="0">
+            <a:noFill/>
+          </a:ln>
+        </p:spPr>
+        <p:txBody>
+          <a:bodyPr lIns="0" rIns="0" tIns="0" bIns="0" anchor="t">
             <a:normAutofit/>
           </a:bodyPr>
           <a:p>
-            <a:endParaRPr b="0" lang="ru-RU" sz="1800" spc="-1" strike="noStrike">
-              <a:solidFill>
-                <a:srgbClr val="404040"/>
-              </a:solidFill>
-              <a:latin typeface="Trebuchet MS"/>
-            </a:endParaRPr>
-          </a:p>
-        </p:txBody>
-      </p:sp>
-      <p:sp>
-        <p:nvSpPr>
-          <p:cNvPr id="42" name="PlaceHolder 3"/>
-          <p:cNvSpPr>
-            <a:spLocks noGrp="1"/>
-          </p:cNvSpPr>
-          <p:nvPr>
-            <p:ph type="body"/>
-          </p:nvPr>
-        </p:nvSpPr>
-        <p:spPr>
-          <a:xfrm>
-            <a:off x="5082120" y="2160720"/>
-            <a:ext cx="4194720" cy="1850760"/>
-          </a:xfrm>
-          <a:prstGeom prst="rect">
-            <a:avLst/>
-          </a:prstGeom>
-        </p:spPr>
-        <p:txBody>
-          <a:bodyPr lIns="0" rIns="0" tIns="0" bIns="0">
+            <a:endParaRPr b="0" lang="en-US" sz="3200" spc="-1" strike="noStrike">
+              <a:latin typeface="Arial"/>
+            </a:endParaRPr>
+          </a:p>
+        </p:txBody>
+      </p:sp>
+      <p:sp>
+        <p:nvSpPr>
+          <p:cNvPr id="39" name="PlaceHolder 3"/>
+          <p:cNvSpPr>
+            <a:spLocks noGrp="1"/>
+          </p:cNvSpPr>
+          <p:nvPr>
+            <p:ph/>
+          </p:nvPr>
+        </p:nvSpPr>
+        <p:spPr>
+          <a:xfrm>
+            <a:off x="6231960" y="1604520"/>
+            <a:ext cx="5354280" cy="1896840"/>
+          </a:xfrm>
+          <a:prstGeom prst="rect">
+            <a:avLst/>
+          </a:prstGeom>
+          <a:noFill/>
+          <a:ln w="0">
+            <a:noFill/>
+          </a:ln>
+        </p:spPr>
+        <p:txBody>
+          <a:bodyPr lIns="0" rIns="0" tIns="0" bIns="0" anchor="t">
             <a:normAutofit/>
           </a:bodyPr>
           <a:p>
-            <a:endParaRPr b="0" lang="ru-RU" sz="1800" spc="-1" strike="noStrike">
-              <a:solidFill>
-                <a:srgbClr val="404040"/>
-              </a:solidFill>
-              <a:latin typeface="Trebuchet MS"/>
-            </a:endParaRPr>
-          </a:p>
-        </p:txBody>
-      </p:sp>
-      <p:sp>
-        <p:nvSpPr>
-          <p:cNvPr id="43" name="PlaceHolder 4"/>
-          <p:cNvSpPr>
-            <a:spLocks noGrp="1"/>
-          </p:cNvSpPr>
-          <p:nvPr>
-            <p:ph type="body"/>
-          </p:nvPr>
-        </p:nvSpPr>
-        <p:spPr>
-          <a:xfrm>
-            <a:off x="5082120" y="4187520"/>
-            <a:ext cx="4194720" cy="1850760"/>
-          </a:xfrm>
-          <a:prstGeom prst="rect">
-            <a:avLst/>
-          </a:prstGeom>
-        </p:spPr>
-        <p:txBody>
-          <a:bodyPr lIns="0" rIns="0" tIns="0" bIns="0">
+            <a:endParaRPr b="0" lang="en-US" sz="3200" spc="-1" strike="noStrike">
+              <a:latin typeface="Arial"/>
+            </a:endParaRPr>
+          </a:p>
+        </p:txBody>
+      </p:sp>
+      <p:sp>
+        <p:nvSpPr>
+          <p:cNvPr id="40" name="PlaceHolder 4"/>
+          <p:cNvSpPr>
+            <a:spLocks noGrp="1"/>
+          </p:cNvSpPr>
+          <p:nvPr>
+            <p:ph/>
+          </p:nvPr>
+        </p:nvSpPr>
+        <p:spPr>
+          <a:xfrm>
+            <a:off x="6231960" y="3682080"/>
+            <a:ext cx="5354280" cy="1896840"/>
+          </a:xfrm>
+          <a:prstGeom prst="rect">
+            <a:avLst/>
+          </a:prstGeom>
+          <a:noFill/>
+          <a:ln w="0">
+            <a:noFill/>
+          </a:ln>
+        </p:spPr>
+        <p:txBody>
+          <a:bodyPr lIns="0" rIns="0" tIns="0" bIns="0" anchor="t">
             <a:normAutofit/>
           </a:bodyPr>
           <a:p>
-            <a:endParaRPr b="0" lang="ru-RU" sz="1800" spc="-1" strike="noStrike">
-              <a:solidFill>
-                <a:srgbClr val="404040"/>
-              </a:solidFill>
-              <a:latin typeface="Trebuchet MS"/>
+            <a:endParaRPr b="0" lang="en-US" sz="3200" spc="-1" strike="noStrike">
+              <a:latin typeface="Arial"/>
             </a:endParaRPr>
           </a:p>
         </p:txBody>
@@ -2784,7 +2929,7 @@
       </p:grpSpPr>
       <p:sp>
         <p:nvSpPr>
-          <p:cNvPr id="44" name="PlaceHolder 1"/>
+          <p:cNvPr id="41" name="PlaceHolder 1"/>
           <p:cNvSpPr>
             <a:spLocks noGrp="1"/>
           </p:cNvSpPr>
@@ -2794,122 +2939,129 @@
         </p:nvSpPr>
         <p:spPr>
           <a:xfrm>
-            <a:off x="677160" y="609480"/>
-            <a:ext cx="8596440" cy="1320480"/>
-          </a:xfrm>
-          <a:prstGeom prst="rect">
-            <a:avLst/>
-          </a:prstGeom>
+            <a:off x="609480" y="273600"/>
+            <a:ext cx="10972440" cy="1144800"/>
+          </a:xfrm>
+          <a:prstGeom prst="rect">
+            <a:avLst/>
+          </a:prstGeom>
+          <a:noFill/>
+          <a:ln w="0">
+            <a:noFill/>
+          </a:ln>
         </p:spPr>
         <p:txBody>
           <a:bodyPr lIns="0" rIns="0" tIns="0" bIns="0" anchor="ctr">
             <a:noAutofit/>
           </a:bodyPr>
           <a:p>
-            <a:endParaRPr b="0" lang="ru-RU" sz="1800" spc="-1" strike="noStrike">
-              <a:solidFill>
-                <a:srgbClr val="000000"/>
-              </a:solidFill>
-              <a:latin typeface="Trebuchet MS"/>
-            </a:endParaRPr>
-          </a:p>
-        </p:txBody>
-      </p:sp>
-      <p:sp>
-        <p:nvSpPr>
-          <p:cNvPr id="45" name="PlaceHolder 2"/>
-          <p:cNvSpPr>
-            <a:spLocks noGrp="1"/>
-          </p:cNvSpPr>
-          <p:nvPr>
-            <p:ph type="body"/>
-          </p:nvPr>
-        </p:nvSpPr>
-        <p:spPr>
-          <a:xfrm>
-            <a:off x="677160" y="2160720"/>
-            <a:ext cx="4194720" cy="1850760"/>
-          </a:xfrm>
-          <a:prstGeom prst="rect">
-            <a:avLst/>
-          </a:prstGeom>
-        </p:spPr>
-        <p:txBody>
-          <a:bodyPr lIns="0" rIns="0" tIns="0" bIns="0">
+            <a:pPr algn="ctr">
+              <a:buNone/>
+            </a:pPr>
+            <a:endParaRPr b="0" lang="en-US" sz="4400" spc="-1" strike="noStrike">
+              <a:latin typeface="Arial"/>
+            </a:endParaRPr>
+          </a:p>
+        </p:txBody>
+      </p:sp>
+      <p:sp>
+        <p:nvSpPr>
+          <p:cNvPr id="42" name="PlaceHolder 2"/>
+          <p:cNvSpPr>
+            <a:spLocks noGrp="1"/>
+          </p:cNvSpPr>
+          <p:nvPr>
+            <p:ph/>
+          </p:nvPr>
+        </p:nvSpPr>
+        <p:spPr>
+          <a:xfrm>
+            <a:off x="609480" y="1604520"/>
+            <a:ext cx="5354280" cy="1896840"/>
+          </a:xfrm>
+          <a:prstGeom prst="rect">
+            <a:avLst/>
+          </a:prstGeom>
+          <a:noFill/>
+          <a:ln w="0">
+            <a:noFill/>
+          </a:ln>
+        </p:spPr>
+        <p:txBody>
+          <a:bodyPr lIns="0" rIns="0" tIns="0" bIns="0" anchor="t">
             <a:normAutofit/>
           </a:bodyPr>
           <a:p>
-            <a:endParaRPr b="0" lang="ru-RU" sz="1800" spc="-1" strike="noStrike">
-              <a:solidFill>
-                <a:srgbClr val="404040"/>
-              </a:solidFill>
-              <a:latin typeface="Trebuchet MS"/>
-            </a:endParaRPr>
-          </a:p>
-        </p:txBody>
-      </p:sp>
-      <p:sp>
-        <p:nvSpPr>
-          <p:cNvPr id="46" name="PlaceHolder 3"/>
-          <p:cNvSpPr>
-            <a:spLocks noGrp="1"/>
-          </p:cNvSpPr>
-          <p:nvPr>
-            <p:ph type="body"/>
-          </p:nvPr>
-        </p:nvSpPr>
-        <p:spPr>
-          <a:xfrm>
-            <a:off x="5082120" y="2160720"/>
-            <a:ext cx="4194720" cy="1850760"/>
-          </a:xfrm>
-          <a:prstGeom prst="rect">
-            <a:avLst/>
-          </a:prstGeom>
-        </p:spPr>
-        <p:txBody>
-          <a:bodyPr lIns="0" rIns="0" tIns="0" bIns="0">
+            <a:endParaRPr b="0" lang="en-US" sz="3200" spc="-1" strike="noStrike">
+              <a:latin typeface="Arial"/>
+            </a:endParaRPr>
+          </a:p>
+        </p:txBody>
+      </p:sp>
+      <p:sp>
+        <p:nvSpPr>
+          <p:cNvPr id="43" name="PlaceHolder 3"/>
+          <p:cNvSpPr>
+            <a:spLocks noGrp="1"/>
+          </p:cNvSpPr>
+          <p:nvPr>
+            <p:ph/>
+          </p:nvPr>
+        </p:nvSpPr>
+        <p:spPr>
+          <a:xfrm>
+            <a:off x="6231960" y="1604520"/>
+            <a:ext cx="5354280" cy="1896840"/>
+          </a:xfrm>
+          <a:prstGeom prst="rect">
+            <a:avLst/>
+          </a:prstGeom>
+          <a:noFill/>
+          <a:ln w="0">
+            <a:noFill/>
+          </a:ln>
+        </p:spPr>
+        <p:txBody>
+          <a:bodyPr lIns="0" rIns="0" tIns="0" bIns="0" anchor="t">
             <a:normAutofit/>
           </a:bodyPr>
           <a:p>
-            <a:endParaRPr b="0" lang="ru-RU" sz="1800" spc="-1" strike="noStrike">
-              <a:solidFill>
-                <a:srgbClr val="404040"/>
-              </a:solidFill>
-              <a:latin typeface="Trebuchet MS"/>
-            </a:endParaRPr>
-          </a:p>
-        </p:txBody>
-      </p:sp>
-      <p:sp>
-        <p:nvSpPr>
-          <p:cNvPr id="47" name="PlaceHolder 4"/>
-          <p:cNvSpPr>
-            <a:spLocks noGrp="1"/>
-          </p:cNvSpPr>
-          <p:nvPr>
-            <p:ph type="body"/>
-          </p:nvPr>
-        </p:nvSpPr>
-        <p:spPr>
-          <a:xfrm>
-            <a:off x="677160" y="4187520"/>
-            <a:ext cx="8596440" cy="1850760"/>
-          </a:xfrm>
-          <a:prstGeom prst="rect">
-            <a:avLst/>
-          </a:prstGeom>
-        </p:spPr>
-        <p:txBody>
-          <a:bodyPr lIns="0" rIns="0" tIns="0" bIns="0">
+            <a:endParaRPr b="0" lang="en-US" sz="3200" spc="-1" strike="noStrike">
+              <a:latin typeface="Arial"/>
+            </a:endParaRPr>
+          </a:p>
+        </p:txBody>
+      </p:sp>
+      <p:sp>
+        <p:nvSpPr>
+          <p:cNvPr id="44" name="PlaceHolder 4"/>
+          <p:cNvSpPr>
+            <a:spLocks noGrp="1"/>
+          </p:cNvSpPr>
+          <p:nvPr>
+            <p:ph/>
+          </p:nvPr>
+        </p:nvSpPr>
+        <p:spPr>
+          <a:xfrm>
+            <a:off x="609480" y="3682080"/>
+            <a:ext cx="10972440" cy="1896840"/>
+          </a:xfrm>
+          <a:prstGeom prst="rect">
+            <a:avLst/>
+          </a:prstGeom>
+          <a:noFill/>
+          <a:ln w="0">
+            <a:noFill/>
+          </a:ln>
+        </p:spPr>
+        <p:txBody>
+          <a:bodyPr lIns="0" rIns="0" tIns="0" bIns="0" anchor="t">
             <a:normAutofit/>
           </a:bodyPr>
           <a:p>
-            <a:endParaRPr b="0" lang="ru-RU" sz="1800" spc="-1" strike="noStrike">
-              <a:solidFill>
-                <a:srgbClr val="404040"/>
-              </a:solidFill>
-              <a:latin typeface="Trebuchet MS"/>
+            <a:endParaRPr b="0" lang="en-US" sz="3200" spc="-1" strike="noStrike">
+              <a:latin typeface="Arial"/>
             </a:endParaRPr>
           </a:p>
         </p:txBody>
@@ -2952,9 +3104,9 @@
         <p:grpSpPr>
           <a:xfrm>
             <a:off x="0" y="-8640"/>
-            <a:ext cx="12191760" cy="6866640"/>
+            <a:ext cx="12191400" cy="6866640"/>
             <a:chOff x="0" y="-8640"/>
-            <a:chExt cx="12191760" cy="6866640"/>
+            <a:chExt cx="12191400" cy="6866640"/>
           </a:xfrm>
         </p:grpSpPr>
         <p:sp>
@@ -2973,9 +3125,9 @@
             </a:prstGeom>
             <a:ln cap="rnd" w="9360">
               <a:solidFill>
-                <a:schemeClr val="accent1">
+                <a:srgbClr val="5fcbef">
                   <a:alpha val="70000"/>
-                </a:schemeClr>
+                </a:srgbClr>
               </a:solidFill>
               <a:round/>
             </a:ln>
@@ -3009,9 +3161,9 @@
             </a:prstGeom>
             <a:ln cap="rnd" w="9360">
               <a:solidFill>
-                <a:schemeClr val="accent1">
+                <a:srgbClr val="5fcbef">
                   <a:alpha val="70000"/>
-                </a:schemeClr>
+                </a:srgbClr>
               </a:solidFill>
               <a:round/>
             </a:ln>
@@ -3038,7 +3190,7 @@
           <p:spPr>
             <a:xfrm>
               <a:off x="9181440" y="-8640"/>
-              <a:ext cx="3007080" cy="6866280"/>
+              <a:ext cx="3006720" cy="6865920"/>
             </a:xfrm>
             <a:custGeom>
               <a:avLst/>
@@ -3075,7 +3227,7 @@
               <a:noFill/>
             </a:ln>
             <a:effectLst>
-              <a:outerShdw blurRad="38100" dir="5400000" dist="25560" rotWithShape="0">
+              <a:outerShdw blurRad="38160" dir="5400000" dist="25560" rotWithShape="0">
                 <a:srgbClr val="000000">
                   <a:alpha val="35000"/>
                 </a:srgbClr>
@@ -3104,7 +3256,7 @@
           <p:spPr>
             <a:xfrm>
               <a:off x="9603360" y="-8640"/>
-              <a:ext cx="2588040" cy="6866280"/>
+              <a:ext cx="2587680" cy="6865920"/>
             </a:xfrm>
             <a:custGeom>
               <a:avLst/>
@@ -3141,7 +3293,7 @@
               <a:noFill/>
             </a:ln>
             <a:effectLst>
-              <a:outerShdw blurRad="38100" dir="5400000" dist="25560" rotWithShape="0">
+              <a:outerShdw blurRad="38160" dir="5400000" dist="25560" rotWithShape="0">
                 <a:srgbClr val="000000">
                   <a:alpha val="35000"/>
                 </a:srgbClr>
@@ -3170,7 +3322,7 @@
           <p:spPr>
             <a:xfrm>
               <a:off x="8932320" y="3048120"/>
-              <a:ext cx="3259440" cy="3809520"/>
+              <a:ext cx="3259080" cy="3809160"/>
             </a:xfrm>
             <a:prstGeom prst="triangle">
               <a:avLst>
@@ -3187,7 +3339,7 @@
               <a:noFill/>
             </a:ln>
             <a:effectLst>
-              <a:outerShdw blurRad="38100" dir="5400000" dist="25560" rotWithShape="0">
+              <a:outerShdw blurRad="38160" dir="5400000" dist="25560" rotWithShape="0">
                 <a:srgbClr val="000000">
                   <a:alpha val="35000"/>
                 </a:srgbClr>
@@ -3216,7 +3368,7 @@
           <p:spPr>
             <a:xfrm>
               <a:off x="9334440" y="-8640"/>
-              <a:ext cx="2854080" cy="6866280"/>
+              <a:ext cx="2853720" cy="6865920"/>
             </a:xfrm>
             <a:custGeom>
               <a:avLst/>
@@ -3254,7 +3406,7 @@
               <a:noFill/>
             </a:ln>
             <a:effectLst>
-              <a:outerShdw blurRad="38100" dir="5400000" dist="25560" rotWithShape="0">
+              <a:outerShdw blurRad="38160" dir="5400000" dist="25560" rotWithShape="0">
                 <a:srgbClr val="000000">
                   <a:alpha val="35000"/>
                 </a:srgbClr>
@@ -3283,7 +3435,7 @@
           <p:spPr>
             <a:xfrm>
               <a:off x="10898640" y="-8640"/>
-              <a:ext cx="1289880" cy="6866280"/>
+              <a:ext cx="1289520" cy="6865920"/>
             </a:xfrm>
             <a:custGeom>
               <a:avLst/>
@@ -3320,7 +3472,7 @@
               <a:noFill/>
             </a:ln>
             <a:effectLst>
-              <a:outerShdw blurRad="38100" dir="5400000" dist="25560" rotWithShape="0">
+              <a:outerShdw blurRad="38160" dir="5400000" dist="25560" rotWithShape="0">
                 <a:srgbClr val="000000">
                   <a:alpha val="35000"/>
                 </a:srgbClr>
@@ -3349,7 +3501,7 @@
           <p:spPr>
             <a:xfrm>
               <a:off x="10938960" y="-8640"/>
-              <a:ext cx="1249560" cy="6866280"/>
+              <a:ext cx="1249200" cy="6865920"/>
             </a:xfrm>
             <a:custGeom>
               <a:avLst/>
@@ -3387,7 +3539,7 @@
               <a:noFill/>
             </a:ln>
             <a:effectLst>
-              <a:outerShdw blurRad="38100" dir="5400000" dist="25560" rotWithShape="0">
+              <a:outerShdw blurRad="38160" dir="5400000" dist="25560" rotWithShape="0">
                 <a:srgbClr val="000000">
                   <a:alpha val="35000"/>
                 </a:srgbClr>
@@ -3416,7 +3568,7 @@
           <p:spPr>
             <a:xfrm>
               <a:off x="10371600" y="3589920"/>
-              <a:ext cx="1816920" cy="3267720"/>
+              <a:ext cx="1816560" cy="3267360"/>
             </a:xfrm>
             <a:prstGeom prst="triangle">
               <a:avLst>
@@ -3433,7 +3585,7 @@
               <a:noFill/>
             </a:ln>
             <a:effectLst>
-              <a:outerShdw blurRad="38100" dir="5400000" dist="25560" rotWithShape="0">
+              <a:outerShdw blurRad="38160" dir="5400000" dist="25560" rotWithShape="0">
                 <a:srgbClr val="000000">
                   <a:alpha val="35000"/>
                 </a:srgbClr>
@@ -3462,7 +3614,7 @@
           <p:spPr>
             <a:xfrm>
               <a:off x="0" y="4013280"/>
-              <a:ext cx="448200" cy="2844360"/>
+              <a:ext cx="447840" cy="2844000"/>
             </a:xfrm>
             <a:prstGeom prst="triangle">
               <a:avLst>
@@ -3478,7 +3630,7 @@
               <a:noFill/>
             </a:ln>
             <a:effectLst>
-              <a:outerShdw blurRad="38100" dir="5400000" dist="25560" rotWithShape="0">
+              <a:outerShdw blurRad="38160" dir="5400000" dist="25560" rotWithShape="0">
                 <a:srgbClr val="000000">
                   <a:alpha val="35000"/>
                 </a:srgbClr>
@@ -3508,9 +3660,9 @@
         <p:grpSpPr>
           <a:xfrm>
             <a:off x="0" y="-8640"/>
-            <a:ext cx="12191760" cy="6866640"/>
+            <a:ext cx="12191400" cy="6866640"/>
             <a:chOff x="0" y="-8640"/>
-            <a:chExt cx="12191760" cy="6866640"/>
+            <a:chExt cx="12191400" cy="6866640"/>
           </a:xfrm>
         </p:grpSpPr>
         <p:sp>
@@ -3522,7 +3674,7 @@
           <p:spPr>
             <a:xfrm>
               <a:off x="0" y="-7920"/>
-              <a:ext cx="863280" cy="5697720"/>
+              <a:ext cx="862920" cy="5697360"/>
             </a:xfrm>
             <a:custGeom>
               <a:avLst/>
@@ -3559,7 +3711,7 @@
               <a:noFill/>
             </a:ln>
             <a:effectLst>
-              <a:outerShdw blurRad="38100" dir="5400000" dist="25560" rotWithShape="0">
+              <a:outerShdw blurRad="38160" dir="5400000" dist="25560" rotWithShape="0">
                 <a:srgbClr val="000000">
                   <a:alpha val="35000"/>
                 </a:srgbClr>
@@ -3595,9 +3747,9 @@
             </a:prstGeom>
             <a:ln cap="rnd" w="9360">
               <a:solidFill>
-                <a:schemeClr val="accent1">
+                <a:srgbClr val="5fcbef">
                   <a:alpha val="70000"/>
-                </a:schemeClr>
+                </a:srgbClr>
               </a:solidFill>
               <a:round/>
             </a:ln>
@@ -3631,9 +3783,9 @@
             </a:prstGeom>
             <a:ln cap="rnd" w="9360">
               <a:solidFill>
-                <a:schemeClr val="accent1">
+                <a:srgbClr val="5fcbef">
                   <a:alpha val="70000"/>
-                </a:schemeClr>
+                </a:srgbClr>
               </a:solidFill>
               <a:round/>
             </a:ln>
@@ -3660,7 +3812,7 @@
           <p:spPr>
             <a:xfrm>
               <a:off x="9181440" y="-8640"/>
-              <a:ext cx="3007080" cy="6866280"/>
+              <a:ext cx="3006720" cy="6865920"/>
             </a:xfrm>
             <a:custGeom>
               <a:avLst/>
@@ -3697,7 +3849,7 @@
               <a:noFill/>
             </a:ln>
             <a:effectLst>
-              <a:outerShdw blurRad="38100" dir="5400000" dist="25560" rotWithShape="0">
+              <a:outerShdw blurRad="38160" dir="5400000" dist="25560" rotWithShape="0">
                 <a:srgbClr val="000000">
                   <a:alpha val="35000"/>
                 </a:srgbClr>
@@ -3726,7 +3878,7 @@
           <p:spPr>
             <a:xfrm>
               <a:off x="9603360" y="-8640"/>
-              <a:ext cx="2588040" cy="6866280"/>
+              <a:ext cx="2587680" cy="6865920"/>
             </a:xfrm>
             <a:custGeom>
               <a:avLst/>
@@ -3763,7 +3915,7 @@
               <a:noFill/>
             </a:ln>
             <a:effectLst>
-              <a:outerShdw blurRad="38100" dir="5400000" dist="25560" rotWithShape="0">
+              <a:outerShdw blurRad="38160" dir="5400000" dist="25560" rotWithShape="0">
                 <a:srgbClr val="000000">
                   <a:alpha val="35000"/>
                 </a:srgbClr>
@@ -3792,7 +3944,7 @@
           <p:spPr>
             <a:xfrm>
               <a:off x="8932320" y="3048120"/>
-              <a:ext cx="3259440" cy="3809520"/>
+              <a:ext cx="3259080" cy="3809160"/>
             </a:xfrm>
             <a:prstGeom prst="triangle">
               <a:avLst>
@@ -3809,7 +3961,7 @@
               <a:noFill/>
             </a:ln>
             <a:effectLst>
-              <a:outerShdw blurRad="38100" dir="5400000" dist="25560" rotWithShape="0">
+              <a:outerShdw blurRad="38160" dir="5400000" dist="25560" rotWithShape="0">
                 <a:srgbClr val="000000">
                   <a:alpha val="35000"/>
                 </a:srgbClr>
@@ -3838,7 +3990,7 @@
           <p:spPr>
             <a:xfrm>
               <a:off x="9334440" y="-8640"/>
-              <a:ext cx="2854080" cy="6866280"/>
+              <a:ext cx="2853720" cy="6865920"/>
             </a:xfrm>
             <a:custGeom>
               <a:avLst/>
@@ -3876,7 +4028,7 @@
               <a:noFill/>
             </a:ln>
             <a:effectLst>
-              <a:outerShdw blurRad="38100" dir="5400000" dist="25560" rotWithShape="0">
+              <a:outerShdw blurRad="38160" dir="5400000" dist="25560" rotWithShape="0">
                 <a:srgbClr val="000000">
                   <a:alpha val="35000"/>
                 </a:srgbClr>
@@ -3905,7 +4057,7 @@
           <p:spPr>
             <a:xfrm>
               <a:off x="10898640" y="-8640"/>
-              <a:ext cx="1289880" cy="6866280"/>
+              <a:ext cx="1289520" cy="6865920"/>
             </a:xfrm>
             <a:custGeom>
               <a:avLst/>
@@ -3942,7 +4094,7 @@
               <a:noFill/>
             </a:ln>
             <a:effectLst>
-              <a:outerShdw blurRad="38100" dir="5400000" dist="25560" rotWithShape="0">
+              <a:outerShdw blurRad="38160" dir="5400000" dist="25560" rotWithShape="0">
                 <a:srgbClr val="000000">
                   <a:alpha val="35000"/>
                 </a:srgbClr>
@@ -3971,7 +4123,7 @@
           <p:spPr>
             <a:xfrm>
               <a:off x="10938960" y="-8640"/>
-              <a:ext cx="1249560" cy="6866280"/>
+              <a:ext cx="1249200" cy="6865920"/>
             </a:xfrm>
             <a:custGeom>
               <a:avLst/>
@@ -4009,7 +4161,7 @@
               <a:noFill/>
             </a:ln>
             <a:effectLst>
-              <a:outerShdw blurRad="38100" dir="5400000" dist="25560" rotWithShape="0">
+              <a:outerShdw blurRad="38160" dir="5400000" dist="25560" rotWithShape="0">
                 <a:srgbClr val="000000">
                   <a:alpha val="35000"/>
                 </a:srgbClr>
@@ -4038,7 +4190,7 @@
           <p:spPr>
             <a:xfrm>
               <a:off x="10371600" y="3589920"/>
-              <a:ext cx="1816920" cy="3267720"/>
+              <a:ext cx="1816560" cy="3267360"/>
             </a:xfrm>
             <a:prstGeom prst="triangle">
               <a:avLst>
@@ -4055,7 +4207,7 @@
               <a:noFill/>
             </a:ln>
             <a:effectLst>
-              <a:outerShdw blurRad="38100" dir="5400000" dist="25560" rotWithShape="0">
+              <a:outerShdw blurRad="38160" dir="5400000" dist="25560" rotWithShape="0">
                 <a:srgbClr val="000000">
                   <a:alpha val="35000"/>
                 </a:srgbClr>
@@ -4078,7 +4230,7 @@
       </p:grpSp>
       <p:sp>
         <p:nvSpPr>
-          <p:cNvPr id="22" name="PlaceHolder 23"/>
+          <p:cNvPr id="22" name="PlaceHolder 1"/>
           <p:cNvSpPr>
             <a:spLocks noGrp="1"/>
           </p:cNvSpPr>
@@ -4088,162 +4240,37 @@
         </p:nvSpPr>
         <p:spPr>
           <a:xfrm>
-            <a:off x="1506960" y="2404440"/>
-            <a:ext cx="7766640" cy="1645920"/>
-          </a:xfrm>
-          <a:prstGeom prst="rect">
-            <a:avLst/>
-          </a:prstGeom>
-        </p:spPr>
-        <p:txBody>
-          <a:bodyPr anchor="b">
+            <a:off x="677160" y="609480"/>
+            <a:ext cx="8596080" cy="1320120"/>
+          </a:xfrm>
+          <a:prstGeom prst="rect">
+            <a:avLst/>
+          </a:prstGeom>
+          <a:noFill/>
+          <a:ln w="0">
+            <a:noFill/>
+          </a:ln>
+        </p:spPr>
+        <p:txBody>
+          <a:bodyPr lIns="0" rIns="0" tIns="0" bIns="0" anchor="ctr">
             <a:noAutofit/>
           </a:bodyPr>
           <a:p>
-            <a:pPr algn="r">
-              <a:lnSpc>
-                <a:spcPct val="100000"/>
-              </a:lnSpc>
-            </a:pPr>
             <a:r>
-              <a:rPr b="0" lang="ru-RU" sz="5400" spc="-1" strike="noStrike">
-                <a:solidFill>
-                  <a:srgbClr val="5fcbef"/>
-                </a:solidFill>
-                <a:latin typeface="Trebuchet MS"/>
+              <a:rPr b="0" lang="en-US" sz="1800" spc="-1" strike="noStrike">
+                <a:latin typeface="Arial"/>
               </a:rPr>
-              <a:t>Образец заголовка</a:t>
+              <a:t>Click to edit the title text format</a:t>
             </a:r>
-            <a:endParaRPr b="0" lang="ru-RU" sz="5400" spc="-1" strike="noStrike">
-              <a:solidFill>
-                <a:srgbClr val="000000"/>
-              </a:solidFill>
-              <a:latin typeface="Trebuchet MS"/>
-            </a:endParaRPr>
-          </a:p>
-        </p:txBody>
-      </p:sp>
-      <p:sp>
-        <p:nvSpPr>
-          <p:cNvPr id="23" name="PlaceHolder 24"/>
-          <p:cNvSpPr>
-            <a:spLocks noGrp="1"/>
-          </p:cNvSpPr>
-          <p:nvPr>
-            <p:ph type="dt"/>
-          </p:nvPr>
-        </p:nvSpPr>
-        <p:spPr>
-          <a:xfrm>
-            <a:off x="7205040" y="6041520"/>
-            <a:ext cx="911520" cy="364680"/>
-          </a:xfrm>
-          <a:prstGeom prst="rect">
-            <a:avLst/>
-          </a:prstGeom>
-        </p:spPr>
-        <p:txBody>
-          <a:bodyPr anchor="ctr">
-            <a:noAutofit/>
-          </a:bodyPr>
-          <a:p>
-            <a:pPr algn="r">
-              <a:lnSpc>
-                <a:spcPct val="100000"/>
-              </a:lnSpc>
-            </a:pPr>
-            <a:fld id="{4A885FB2-04AB-4C3C-8F3D-A80BB5D7B69E}" type="datetime">
-              <a:rPr b="0" lang="ru-RU" sz="900" spc="-1" strike="noStrike">
-                <a:solidFill>
-                  <a:srgbClr val="8b8b8b"/>
-                </a:solidFill>
-                <a:latin typeface="Trebuchet MS"/>
-              </a:rPr>
-              <a:t>4.6.21</a:t>
-            </a:fld>
-            <a:endParaRPr b="0" lang="en-US" sz="900" spc="-1" strike="noStrike">
-              <a:latin typeface="Times New Roman"/>
-            </a:endParaRPr>
-          </a:p>
-        </p:txBody>
-      </p:sp>
-      <p:sp>
-        <p:nvSpPr>
-          <p:cNvPr id="24" name="PlaceHolder 25"/>
-          <p:cNvSpPr>
-            <a:spLocks noGrp="1"/>
-          </p:cNvSpPr>
-          <p:nvPr>
-            <p:ph type="ftr"/>
-          </p:nvPr>
-        </p:nvSpPr>
-        <p:spPr>
-          <a:xfrm>
-            <a:off x="677160" y="6041520"/>
-            <a:ext cx="6297120" cy="364680"/>
-          </a:xfrm>
-          <a:prstGeom prst="rect">
-            <a:avLst/>
-          </a:prstGeom>
-        </p:spPr>
-        <p:txBody>
-          <a:bodyPr anchor="ctr">
-            <a:noAutofit/>
-          </a:bodyPr>
-          <a:p>
-            <a:endParaRPr b="0" lang="en-US" sz="2400" spc="-1" strike="noStrike">
-              <a:latin typeface="Times New Roman"/>
-            </a:endParaRPr>
-          </a:p>
-        </p:txBody>
-      </p:sp>
-      <p:sp>
-        <p:nvSpPr>
-          <p:cNvPr id="25" name="PlaceHolder 26"/>
-          <p:cNvSpPr>
-            <a:spLocks noGrp="1"/>
-          </p:cNvSpPr>
-          <p:nvPr>
-            <p:ph type="sldNum"/>
-          </p:nvPr>
-        </p:nvSpPr>
-        <p:spPr>
-          <a:xfrm>
-            <a:off x="8590680" y="6041520"/>
-            <a:ext cx="682920" cy="364680"/>
-          </a:xfrm>
-          <a:prstGeom prst="rect">
-            <a:avLst/>
-          </a:prstGeom>
-        </p:spPr>
-        <p:txBody>
-          <a:bodyPr anchor="ctr">
-            <a:noAutofit/>
-          </a:bodyPr>
-          <a:p>
-            <a:pPr algn="r">
-              <a:lnSpc>
-                <a:spcPct val="100000"/>
-              </a:lnSpc>
-            </a:pPr>
-            <a:fld id="{544D907D-3AFD-40A1-86F4-3830DF1D3D40}" type="slidenum">
-              <a:rPr b="0" lang="ru-RU" sz="900" spc="-1" strike="noStrike">
-                <a:solidFill>
-                  <a:srgbClr val="5fcbef"/>
-                </a:solidFill>
-                <a:latin typeface="Trebuchet MS"/>
-              </a:rPr>
-              <a:t>&lt;number&gt;</a:t>
-            </a:fld>
-            <a:endParaRPr b="0" lang="en-US" sz="900" spc="-1" strike="noStrike">
-              <a:latin typeface="Times New Roman"/>
-            </a:endParaRPr>
-          </a:p>
-        </p:txBody>
-      </p:sp>
-      <p:sp>
-        <p:nvSpPr>
-          <p:cNvPr id="26" name="PlaceHolder 27"/>
+            <a:endParaRPr b="0" lang="en-US" sz="1800" spc="-1" strike="noStrike">
+              <a:latin typeface="Arial"/>
+            </a:endParaRPr>
+          </a:p>
+        </p:txBody>
+      </p:sp>
+      <p:sp>
+        <p:nvSpPr>
+          <p:cNvPr id="23" name="PlaceHolder 2"/>
           <p:cNvSpPr>
             <a:spLocks noGrp="1"/>
           </p:cNvSpPr>
@@ -4259,9 +4286,13 @@
           <a:prstGeom prst="rect">
             <a:avLst/>
           </a:prstGeom>
-        </p:spPr>
-        <p:txBody>
-          <a:bodyPr lIns="0" rIns="0" tIns="0" bIns="0">
+          <a:noFill/>
+          <a:ln w="0">
+            <a:noFill/>
+          </a:ln>
+        </p:spPr>
+        <p:txBody>
+          <a:bodyPr lIns="0" rIns="0" tIns="0" bIns="0" anchor="t">
             <a:normAutofit/>
           </a:bodyPr>
           <a:p>
@@ -4277,19 +4308,19 @@
               <a:buChar char=""/>
             </a:pPr>
             <a:r>
-              <a:rPr b="0" lang="ru-RU" sz="1800" spc="-1" strike="noStrike">
-                <a:solidFill>
-                  <a:srgbClr val="404040"/>
-                </a:solidFill>
-                <a:latin typeface="Trebuchet MS"/>
+              <a:rPr b="0" lang="en-US" sz="3200" spc="-1" strike="noStrike">
+                <a:latin typeface="Arial"/>
               </a:rPr>
-              <a:t>Click to edit the outline text format</a:t>
+              <a:t>Click to edit the outline </a:t>
             </a:r>
-            <a:endParaRPr b="0" lang="ru-RU" sz="1800" spc="-1" strike="noStrike">
-              <a:solidFill>
-                <a:srgbClr val="404040"/>
-              </a:solidFill>
-              <a:latin typeface="Trebuchet MS"/>
+            <a:r>
+              <a:rPr b="0" lang="en-US" sz="3200" spc="-1" strike="noStrike">
+                <a:latin typeface="Arial"/>
+              </a:rPr>
+              <a:t>text format</a:t>
+            </a:r>
+            <a:endParaRPr b="0" lang="en-US" sz="3200" spc="-1" strike="noStrike">
+              <a:latin typeface="Arial"/>
             </a:endParaRPr>
           </a:p>
           <a:p>
@@ -4305,19 +4336,13 @@
               <a:buChar char=""/>
             </a:pPr>
             <a:r>
-              <a:rPr b="0" lang="ru-RU" sz="1400" spc="-1" strike="noStrike">
-                <a:solidFill>
-                  <a:srgbClr val="404040"/>
-                </a:solidFill>
-                <a:latin typeface="Trebuchet MS"/>
+              <a:rPr b="0" lang="en-US" sz="2800" spc="-1" strike="noStrike">
+                <a:latin typeface="Arial"/>
               </a:rPr>
               <a:t>Second Outline Level</a:t>
             </a:r>
-            <a:endParaRPr b="0" lang="ru-RU" sz="1400" spc="-1" strike="noStrike">
-              <a:solidFill>
-                <a:srgbClr val="404040"/>
-              </a:solidFill>
-              <a:latin typeface="Trebuchet MS"/>
+            <a:endParaRPr b="0" lang="en-US" sz="2800" spc="-1" strike="noStrike">
+              <a:latin typeface="Arial"/>
             </a:endParaRPr>
           </a:p>
           <a:p>
@@ -4333,19 +4358,13 @@
               <a:buChar char=""/>
             </a:pPr>
             <a:r>
-              <a:rPr b="0" lang="ru-RU" sz="1200" spc="-1" strike="noStrike">
-                <a:solidFill>
-                  <a:srgbClr val="404040"/>
-                </a:solidFill>
-                <a:latin typeface="Trebuchet MS"/>
+              <a:rPr b="0" lang="en-US" sz="2400" spc="-1" strike="noStrike">
+                <a:latin typeface="Arial"/>
               </a:rPr>
               <a:t>Third Outline Level</a:t>
             </a:r>
-            <a:endParaRPr b="0" lang="ru-RU" sz="1200" spc="-1" strike="noStrike">
-              <a:solidFill>
-                <a:srgbClr val="404040"/>
-              </a:solidFill>
-              <a:latin typeface="Trebuchet MS"/>
+            <a:endParaRPr b="0" lang="en-US" sz="2400" spc="-1" strike="noStrike">
+              <a:latin typeface="Arial"/>
             </a:endParaRPr>
           </a:p>
           <a:p>
@@ -4361,19 +4380,13 @@
               <a:buChar char=""/>
             </a:pPr>
             <a:r>
-              <a:rPr b="0" lang="ru-RU" sz="1200" spc="-1" strike="noStrike">
-                <a:solidFill>
-                  <a:srgbClr val="404040"/>
-                </a:solidFill>
-                <a:latin typeface="Trebuchet MS"/>
+              <a:rPr b="0" lang="en-US" sz="2000" spc="-1" strike="noStrike">
+                <a:latin typeface="Arial"/>
               </a:rPr>
               <a:t>Fourth Outline Level</a:t>
             </a:r>
-            <a:endParaRPr b="0" lang="ru-RU" sz="1200" spc="-1" strike="noStrike">
-              <a:solidFill>
-                <a:srgbClr val="404040"/>
-              </a:solidFill>
-              <a:latin typeface="Trebuchet MS"/>
+            <a:endParaRPr b="0" lang="en-US" sz="2000" spc="-1" strike="noStrike">
+              <a:latin typeface="Arial"/>
             </a:endParaRPr>
           </a:p>
           <a:p>
@@ -4389,19 +4402,13 @@
               <a:buChar char=""/>
             </a:pPr>
             <a:r>
-              <a:rPr b="0" lang="ru-RU" sz="2000" spc="-1" strike="noStrike">
-                <a:solidFill>
-                  <a:srgbClr val="404040"/>
-                </a:solidFill>
-                <a:latin typeface="Trebuchet MS"/>
+              <a:rPr b="0" lang="en-US" sz="2000" spc="-1" strike="noStrike">
+                <a:latin typeface="Arial"/>
               </a:rPr>
               <a:t>Fifth Outline Level</a:t>
             </a:r>
-            <a:endParaRPr b="0" lang="ru-RU" sz="2000" spc="-1" strike="noStrike">
-              <a:solidFill>
-                <a:srgbClr val="404040"/>
-              </a:solidFill>
-              <a:latin typeface="Trebuchet MS"/>
+            <a:endParaRPr b="0" lang="en-US" sz="2000" spc="-1" strike="noStrike">
+              <a:latin typeface="Arial"/>
             </a:endParaRPr>
           </a:p>
           <a:p>
@@ -4417,19 +4424,13 @@
               <a:buChar char=""/>
             </a:pPr>
             <a:r>
-              <a:rPr b="0" lang="ru-RU" sz="2000" spc="-1" strike="noStrike">
-                <a:solidFill>
-                  <a:srgbClr val="404040"/>
-                </a:solidFill>
-                <a:latin typeface="Trebuchet MS"/>
+              <a:rPr b="0" lang="en-US" sz="2000" spc="-1" strike="noStrike">
+                <a:latin typeface="Arial"/>
               </a:rPr>
               <a:t>Sixth Outline Level</a:t>
             </a:r>
-            <a:endParaRPr b="0" lang="ru-RU" sz="2000" spc="-1" strike="noStrike">
-              <a:solidFill>
-                <a:srgbClr val="404040"/>
-              </a:solidFill>
-              <a:latin typeface="Trebuchet MS"/>
+            <a:endParaRPr b="0" lang="en-US" sz="2000" spc="-1" strike="noStrike">
+              <a:latin typeface="Arial"/>
             </a:endParaRPr>
           </a:p>
           <a:p>
@@ -4445,19 +4446,19 @@
               <a:buChar char=""/>
             </a:pPr>
             <a:r>
-              <a:rPr b="0" lang="ru-RU" sz="2000" spc="-1" strike="noStrike">
-                <a:solidFill>
-                  <a:srgbClr val="404040"/>
-                </a:solidFill>
-                <a:latin typeface="Trebuchet MS"/>
+              <a:rPr b="0" lang="en-US" sz="2000" spc="-1" strike="noStrike">
+                <a:latin typeface="Arial"/>
               </a:rPr>
-              <a:t>Seventh Outline Level</a:t>
+              <a:t>Seventh Outline </a:t>
             </a:r>
-            <a:endParaRPr b="0" lang="ru-RU" sz="2000" spc="-1" strike="noStrike">
-              <a:solidFill>
-                <a:srgbClr val="404040"/>
-              </a:solidFill>
-              <a:latin typeface="Trebuchet MS"/>
+            <a:r>
+              <a:rPr b="0" lang="en-US" sz="2000" spc="-1" strike="noStrike">
+                <a:latin typeface="Arial"/>
+              </a:rPr>
+              <a:t>Level</a:t>
+            </a:r>
+            <a:endParaRPr b="0" lang="en-US" sz="2000" spc="-1" strike="noStrike">
+              <a:latin typeface="Arial"/>
             </a:endParaRPr>
           </a:p>
         </p:txBody>
@@ -4508,21 +4509,21 @@
       </p:grpSpPr>
       <p:grpSp>
         <p:nvGrpSpPr>
-          <p:cNvPr id="63" name="Group 1"/>
+          <p:cNvPr id="60" name="Group 1"/>
           <p:cNvGrpSpPr/>
           <p:nvPr/>
         </p:nvGrpSpPr>
         <p:grpSpPr>
           <a:xfrm>
             <a:off x="0" y="-8640"/>
-            <a:ext cx="12191760" cy="6866640"/>
+            <a:ext cx="12191400" cy="6866640"/>
             <a:chOff x="0" y="-8640"/>
-            <a:chExt cx="12191760" cy="6866640"/>
+            <a:chExt cx="12191400" cy="6866640"/>
           </a:xfrm>
         </p:grpSpPr>
         <p:sp>
           <p:nvSpPr>
-            <p:cNvPr id="64" name="Line 2"/>
+            <p:cNvPr id="61" name="Line 2"/>
             <p:cNvSpPr/>
             <p:nvPr/>
           </p:nvSpPr>
@@ -4536,9 +4537,9 @@
             </a:prstGeom>
             <a:ln cap="rnd" w="9360">
               <a:solidFill>
-                <a:schemeClr val="accent1">
+                <a:srgbClr val="5fcbef">
                   <a:alpha val="70000"/>
-                </a:schemeClr>
+                </a:srgbClr>
               </a:solidFill>
               <a:round/>
             </a:ln>
@@ -4558,7 +4559,7 @@
         </p:sp>
         <p:sp>
           <p:nvSpPr>
-            <p:cNvPr id="65" name="Line 3"/>
+            <p:cNvPr id="62" name="Line 3"/>
             <p:cNvSpPr/>
             <p:nvPr/>
           </p:nvSpPr>
@@ -4572,9 +4573,9 @@
             </a:prstGeom>
             <a:ln cap="rnd" w="9360">
               <a:solidFill>
-                <a:schemeClr val="accent1">
+                <a:srgbClr val="5fcbef">
                   <a:alpha val="70000"/>
-                </a:schemeClr>
+                </a:srgbClr>
               </a:solidFill>
               <a:round/>
             </a:ln>
@@ -4594,14 +4595,14 @@
         </p:sp>
         <p:sp>
           <p:nvSpPr>
-            <p:cNvPr id="66" name="CustomShape 4"/>
+            <p:cNvPr id="63" name="CustomShape 4"/>
             <p:cNvSpPr/>
             <p:nvPr/>
           </p:nvSpPr>
           <p:spPr>
             <a:xfrm>
               <a:off x="9181440" y="-8640"/>
-              <a:ext cx="3007080" cy="6866280"/>
+              <a:ext cx="3006720" cy="6865920"/>
             </a:xfrm>
             <a:custGeom>
               <a:avLst/>
@@ -4638,7 +4639,7 @@
               <a:noFill/>
             </a:ln>
             <a:effectLst>
-              <a:outerShdw blurRad="38100" dir="5400000" dist="25560" rotWithShape="0">
+              <a:outerShdw blurRad="38160" dir="5400000" dist="25560" rotWithShape="0">
                 <a:srgbClr val="000000">
                   <a:alpha val="35000"/>
                 </a:srgbClr>
@@ -4660,14 +4661,14 @@
         </p:sp>
         <p:sp>
           <p:nvSpPr>
-            <p:cNvPr id="67" name="CustomShape 5"/>
+            <p:cNvPr id="64" name="CustomShape 5"/>
             <p:cNvSpPr/>
             <p:nvPr/>
           </p:nvSpPr>
           <p:spPr>
             <a:xfrm>
               <a:off x="9603360" y="-8640"/>
-              <a:ext cx="2588040" cy="6866280"/>
+              <a:ext cx="2587680" cy="6865920"/>
             </a:xfrm>
             <a:custGeom>
               <a:avLst/>
@@ -4704,7 +4705,7 @@
               <a:noFill/>
             </a:ln>
             <a:effectLst>
-              <a:outerShdw blurRad="38100" dir="5400000" dist="25560" rotWithShape="0">
+              <a:outerShdw blurRad="38160" dir="5400000" dist="25560" rotWithShape="0">
                 <a:srgbClr val="000000">
                   <a:alpha val="35000"/>
                 </a:srgbClr>
@@ -4726,14 +4727,14 @@
         </p:sp>
         <p:sp>
           <p:nvSpPr>
-            <p:cNvPr id="68" name="CustomShape 6"/>
+            <p:cNvPr id="65" name="CustomShape 6"/>
             <p:cNvSpPr/>
             <p:nvPr/>
           </p:nvSpPr>
           <p:spPr>
             <a:xfrm>
               <a:off x="8932320" y="3048120"/>
-              <a:ext cx="3259440" cy="3809520"/>
+              <a:ext cx="3259080" cy="3809160"/>
             </a:xfrm>
             <a:prstGeom prst="triangle">
               <a:avLst>
@@ -4750,7 +4751,7 @@
               <a:noFill/>
             </a:ln>
             <a:effectLst>
-              <a:outerShdw blurRad="38100" dir="5400000" dist="25560" rotWithShape="0">
+              <a:outerShdw blurRad="38160" dir="5400000" dist="25560" rotWithShape="0">
                 <a:srgbClr val="000000">
                   <a:alpha val="35000"/>
                 </a:srgbClr>
@@ -4772,14 +4773,14 @@
         </p:sp>
         <p:sp>
           <p:nvSpPr>
-            <p:cNvPr id="69" name="CustomShape 7"/>
+            <p:cNvPr id="66" name="CustomShape 7"/>
             <p:cNvSpPr/>
             <p:nvPr/>
           </p:nvSpPr>
           <p:spPr>
             <a:xfrm>
               <a:off x="9334440" y="-8640"/>
-              <a:ext cx="2854080" cy="6866280"/>
+              <a:ext cx="2853720" cy="6865920"/>
             </a:xfrm>
             <a:custGeom>
               <a:avLst/>
@@ -4817,7 +4818,7 @@
               <a:noFill/>
             </a:ln>
             <a:effectLst>
-              <a:outerShdw blurRad="38100" dir="5400000" dist="25560" rotWithShape="0">
+              <a:outerShdw blurRad="38160" dir="5400000" dist="25560" rotWithShape="0">
                 <a:srgbClr val="000000">
                   <a:alpha val="35000"/>
                 </a:srgbClr>
@@ -4839,14 +4840,14 @@
         </p:sp>
         <p:sp>
           <p:nvSpPr>
-            <p:cNvPr id="70" name="CustomShape 8"/>
+            <p:cNvPr id="67" name="CustomShape 8"/>
             <p:cNvSpPr/>
             <p:nvPr/>
           </p:nvSpPr>
           <p:spPr>
             <a:xfrm>
               <a:off x="10898640" y="-8640"/>
-              <a:ext cx="1289880" cy="6866280"/>
+              <a:ext cx="1289520" cy="6865920"/>
             </a:xfrm>
             <a:custGeom>
               <a:avLst/>
@@ -4883,7 +4884,7 @@
               <a:noFill/>
             </a:ln>
             <a:effectLst>
-              <a:outerShdw blurRad="38100" dir="5400000" dist="25560" rotWithShape="0">
+              <a:outerShdw blurRad="38160" dir="5400000" dist="25560" rotWithShape="0">
                 <a:srgbClr val="000000">
                   <a:alpha val="35000"/>
                 </a:srgbClr>
@@ -4905,14 +4906,14 @@
         </p:sp>
         <p:sp>
           <p:nvSpPr>
-            <p:cNvPr id="71" name="CustomShape 9"/>
+            <p:cNvPr id="68" name="CustomShape 9"/>
             <p:cNvSpPr/>
             <p:nvPr/>
           </p:nvSpPr>
           <p:spPr>
             <a:xfrm>
               <a:off x="10938960" y="-8640"/>
-              <a:ext cx="1249560" cy="6866280"/>
+              <a:ext cx="1249200" cy="6865920"/>
             </a:xfrm>
             <a:custGeom>
               <a:avLst/>
@@ -4950,7 +4951,7 @@
               <a:noFill/>
             </a:ln>
             <a:effectLst>
-              <a:outerShdw blurRad="38100" dir="5400000" dist="25560" rotWithShape="0">
+              <a:outerShdw blurRad="38160" dir="5400000" dist="25560" rotWithShape="0">
                 <a:srgbClr val="000000">
                   <a:alpha val="35000"/>
                 </a:srgbClr>
@@ -4972,14 +4973,14 @@
         </p:sp>
         <p:sp>
           <p:nvSpPr>
-            <p:cNvPr id="72" name="CustomShape 10"/>
+            <p:cNvPr id="69" name="CustomShape 10"/>
             <p:cNvSpPr/>
             <p:nvPr/>
           </p:nvSpPr>
           <p:spPr>
             <a:xfrm>
               <a:off x="10371600" y="3589920"/>
-              <a:ext cx="1816920" cy="3267720"/>
+              <a:ext cx="1816560" cy="3267360"/>
             </a:xfrm>
             <a:prstGeom prst="triangle">
               <a:avLst>
@@ -4996,7 +4997,7 @@
               <a:noFill/>
             </a:ln>
             <a:effectLst>
-              <a:outerShdw blurRad="38100" dir="5400000" dist="25560" rotWithShape="0">
+              <a:outerShdw blurRad="38160" dir="5400000" dist="25560" rotWithShape="0">
                 <a:srgbClr val="000000">
                   <a:alpha val="35000"/>
                 </a:srgbClr>
@@ -5018,14 +5019,14 @@
         </p:sp>
         <p:sp>
           <p:nvSpPr>
-            <p:cNvPr id="73" name="CustomShape 11"/>
+            <p:cNvPr id="70" name="CustomShape 11"/>
             <p:cNvSpPr/>
             <p:nvPr/>
           </p:nvSpPr>
           <p:spPr>
             <a:xfrm>
               <a:off x="0" y="4013280"/>
-              <a:ext cx="448200" cy="2844360"/>
+              <a:ext cx="447840" cy="2844000"/>
             </a:xfrm>
             <a:prstGeom prst="triangle">
               <a:avLst>
@@ -5041,7 +5042,7 @@
               <a:noFill/>
             </a:ln>
             <a:effectLst>
-              <a:outerShdw blurRad="38100" dir="5400000" dist="25560" rotWithShape="0">
+              <a:outerShdw blurRad="38160" dir="5400000" dist="25560" rotWithShape="0">
                 <a:srgbClr val="000000">
                   <a:alpha val="35000"/>
                 </a:srgbClr>
@@ -5064,7 +5065,7 @@
       </p:grpSp>
       <p:sp>
         <p:nvSpPr>
-          <p:cNvPr id="74" name="PlaceHolder 12"/>
+          <p:cNvPr id="71" name="PlaceHolder 1"/>
           <p:cNvSpPr>
             <a:spLocks noGrp="1"/>
           </p:cNvSpPr>
@@ -5074,44 +5075,40 @@
         </p:nvSpPr>
         <p:spPr>
           <a:xfrm>
-            <a:off x="677160" y="609480"/>
-            <a:ext cx="8596440" cy="1320480"/>
-          </a:xfrm>
-          <a:prstGeom prst="rect">
-            <a:avLst/>
-          </a:prstGeom>
-        </p:spPr>
-        <p:txBody>
-          <a:bodyPr>
+            <a:off x="609480" y="273600"/>
+            <a:ext cx="10972440" cy="1144800"/>
+          </a:xfrm>
+          <a:prstGeom prst="rect">
+            <a:avLst/>
+          </a:prstGeom>
+          <a:noFill/>
+          <a:ln w="0">
+            <a:noFill/>
+          </a:ln>
+        </p:spPr>
+        <p:txBody>
+          <a:bodyPr lIns="0" rIns="0" tIns="0" bIns="0" anchor="ctr">
             <a:noAutofit/>
           </a:bodyPr>
           <a:p>
-            <a:pPr>
-              <a:lnSpc>
-                <a:spcPct val="100000"/>
-              </a:lnSpc>
+            <a:pPr algn="ctr">
+              <a:buNone/>
             </a:pPr>
             <a:r>
-              <a:rPr b="0" lang="ru-RU" sz="3600" spc="-1" strike="noStrike">
-                <a:solidFill>
-                  <a:srgbClr val="5fcbef"/>
-                </a:solidFill>
-                <a:latin typeface="Trebuchet MS"/>
+              <a:rPr b="0" lang="en-US" sz="4400" spc="-1" strike="noStrike">
+                <a:latin typeface="Arial"/>
               </a:rPr>
-              <a:t>Образец заголовка</a:t>
+              <a:t>Click to edit the title text format</a:t>
             </a:r>
-            <a:endParaRPr b="0" lang="ru-RU" sz="3600" spc="-1" strike="noStrike">
-              <a:solidFill>
-                <a:srgbClr val="000000"/>
-              </a:solidFill>
-              <a:latin typeface="Trebuchet MS"/>
-            </a:endParaRPr>
-          </a:p>
-        </p:txBody>
-      </p:sp>
-      <p:sp>
-        <p:nvSpPr>
-          <p:cNvPr id="75" name="PlaceHolder 13"/>
+            <a:endParaRPr b="0" lang="en-US" sz="4400" spc="-1" strike="noStrike">
+              <a:latin typeface="Arial"/>
+            </a:endParaRPr>
+          </a:p>
+        </p:txBody>
+      </p:sp>
+      <p:sp>
+        <p:nvSpPr>
+          <p:cNvPr id="72" name="PlaceHolder 2"/>
           <p:cNvSpPr>
             <a:spLocks noGrp="1"/>
           </p:cNvSpPr>
@@ -5121,288 +5118,185 @@
         </p:nvSpPr>
         <p:spPr>
           <a:xfrm>
-            <a:off x="677160" y="2160720"/>
-            <a:ext cx="8596440" cy="3880440"/>
-          </a:xfrm>
-          <a:prstGeom prst="rect">
-            <a:avLst/>
-          </a:prstGeom>
-        </p:spPr>
-        <p:txBody>
-          <a:bodyPr>
-            <a:noAutofit/>
-          </a:bodyPr>
-          <a:p>
-            <a:pPr marL="343080" indent="-342720">
-              <a:lnSpc>
-                <a:spcPct val="100000"/>
-              </a:lnSpc>
+            <a:off x="609480" y="1604520"/>
+            <a:ext cx="10972440" cy="3977280"/>
+          </a:xfrm>
+          <a:prstGeom prst="rect">
+            <a:avLst/>
+          </a:prstGeom>
+          <a:noFill/>
+          <a:ln w="0">
+            <a:noFill/>
+          </a:ln>
+        </p:spPr>
+        <p:txBody>
+          <a:bodyPr lIns="0" rIns="0" tIns="0" bIns="0" anchor="t">
+            <a:normAutofit/>
+          </a:bodyPr>
+          <a:p>
+            <a:pPr marL="432000" indent="-324000">
               <a:spcBef>
-                <a:spcPts val="1001"/>
+                <a:spcPts val="1417"/>
               </a:spcBef>
               <a:buClr>
-                <a:srgbClr val="5fcbef"/>
+                <a:srgbClr val="000000"/>
               </a:buClr>
-              <a:buSzPct val="80000"/>
-              <a:buFont typeface="Wingdings 3" charset="2"/>
-              <a:buChar char=""/>
+              <a:buSzPct val="45000"/>
+              <a:buFont typeface="Wingdings" charset="2"/>
+              <a:buChar char=""/>
             </a:pPr>
             <a:r>
-              <a:rPr b="0" lang="ru-RU" sz="1800" spc="-1" strike="noStrike">
-                <a:solidFill>
-                  <a:srgbClr val="404040"/>
-                </a:solidFill>
-                <a:latin typeface="Trebuchet MS"/>
+              <a:rPr b="0" lang="en-US" sz="3200" spc="-1" strike="noStrike">
+                <a:latin typeface="Arial"/>
               </a:rPr>
-              <a:t>Образец текста</a:t>
+              <a:t>Click to edit the outline </a:t>
             </a:r>
-            <a:endParaRPr b="0" lang="ru-RU" sz="1800" spc="-1" strike="noStrike">
-              <a:solidFill>
-                <a:srgbClr val="404040"/>
-              </a:solidFill>
-              <a:latin typeface="Trebuchet MS"/>
-            </a:endParaRPr>
-          </a:p>
-          <a:p>
-            <a:pPr lvl="1" marL="743040" indent="-285480">
-              <a:lnSpc>
-                <a:spcPct val="100000"/>
-              </a:lnSpc>
+            <a:r>
+              <a:rPr b="0" lang="en-US" sz="3200" spc="-1" strike="noStrike">
+                <a:latin typeface="Arial"/>
+              </a:rPr>
+              <a:t>text format</a:t>
+            </a:r>
+            <a:endParaRPr b="0" lang="en-US" sz="3200" spc="-1" strike="noStrike">
+              <a:latin typeface="Arial"/>
+            </a:endParaRPr>
+          </a:p>
+          <a:p>
+            <a:pPr lvl="1" marL="864000" indent="-324000">
               <a:spcBef>
-                <a:spcPts val="1001"/>
+                <a:spcPts val="1134"/>
               </a:spcBef>
               <a:buClr>
-                <a:srgbClr val="5fcbef"/>
+                <a:srgbClr val="000000"/>
               </a:buClr>
-              <a:buSzPct val="80000"/>
-              <a:buFont typeface="Wingdings 3" charset="2"/>
-              <a:buChar char=""/>
+              <a:buSzPct val="75000"/>
+              <a:buFont typeface="Symbol" charset="2"/>
+              <a:buChar char=""/>
             </a:pPr>
             <a:r>
-              <a:rPr b="0" lang="ru-RU" sz="1600" spc="-1" strike="noStrike">
-                <a:solidFill>
-                  <a:srgbClr val="404040"/>
-                </a:solidFill>
-                <a:latin typeface="Trebuchet MS"/>
+              <a:rPr b="0" lang="en-US" sz="2800" spc="-1" strike="noStrike">
+                <a:latin typeface="Arial"/>
               </a:rPr>
-              <a:t>Второй уровень</a:t>
+              <a:t>Second Outline Level</a:t>
             </a:r>
-            <a:endParaRPr b="0" lang="ru-RU" sz="1600" spc="-1" strike="noStrike">
-              <a:solidFill>
-                <a:srgbClr val="404040"/>
-              </a:solidFill>
-              <a:latin typeface="Trebuchet MS"/>
-            </a:endParaRPr>
-          </a:p>
-          <a:p>
-            <a:pPr lvl="2" marL="1143000" indent="-228240">
-              <a:lnSpc>
-                <a:spcPct val="100000"/>
-              </a:lnSpc>
+            <a:endParaRPr b="0" lang="en-US" sz="2800" spc="-1" strike="noStrike">
+              <a:latin typeface="Arial"/>
+            </a:endParaRPr>
+          </a:p>
+          <a:p>
+            <a:pPr lvl="2" marL="1296000" indent="-288000">
               <a:spcBef>
-                <a:spcPts val="1001"/>
+                <a:spcPts val="850"/>
               </a:spcBef>
               <a:buClr>
-                <a:srgbClr val="5fcbef"/>
+                <a:srgbClr val="000000"/>
               </a:buClr>
-              <a:buSzPct val="80000"/>
-              <a:buFont typeface="Wingdings 3" charset="2"/>
-              <a:buChar char=""/>
+              <a:buSzPct val="45000"/>
+              <a:buFont typeface="Wingdings" charset="2"/>
+              <a:buChar char=""/>
             </a:pPr>
             <a:r>
-              <a:rPr b="0" lang="ru-RU" sz="1400" spc="-1" strike="noStrike">
-                <a:solidFill>
-                  <a:srgbClr val="404040"/>
-                </a:solidFill>
-                <a:latin typeface="Trebuchet MS"/>
+              <a:rPr b="0" lang="en-US" sz="2400" spc="-1" strike="noStrike">
+                <a:latin typeface="Arial"/>
               </a:rPr>
-              <a:t>Третий уровень</a:t>
+              <a:t>Third Outline Level</a:t>
             </a:r>
-            <a:endParaRPr b="0" lang="ru-RU" sz="1400" spc="-1" strike="noStrike">
-              <a:solidFill>
-                <a:srgbClr val="404040"/>
-              </a:solidFill>
-              <a:latin typeface="Trebuchet MS"/>
-            </a:endParaRPr>
-          </a:p>
-          <a:p>
-            <a:pPr lvl="3" marL="1600200" indent="-228240">
-              <a:lnSpc>
-                <a:spcPct val="100000"/>
-              </a:lnSpc>
+            <a:endParaRPr b="0" lang="en-US" sz="2400" spc="-1" strike="noStrike">
+              <a:latin typeface="Arial"/>
+            </a:endParaRPr>
+          </a:p>
+          <a:p>
+            <a:pPr lvl="3" marL="1728000" indent="-216000">
               <a:spcBef>
-                <a:spcPts val="1001"/>
+                <a:spcPts val="567"/>
               </a:spcBef>
               <a:buClr>
-                <a:srgbClr val="5fcbef"/>
+                <a:srgbClr val="000000"/>
               </a:buClr>
-              <a:buSzPct val="80000"/>
-              <a:buFont typeface="Wingdings 3" charset="2"/>
-              <a:buChar char=""/>
+              <a:buSzPct val="75000"/>
+              <a:buFont typeface="Symbol" charset="2"/>
+              <a:buChar char=""/>
             </a:pPr>
             <a:r>
-              <a:rPr b="0" lang="ru-RU" sz="1200" spc="-1" strike="noStrike">
-                <a:solidFill>
-                  <a:srgbClr val="404040"/>
-                </a:solidFill>
-                <a:latin typeface="Trebuchet MS"/>
+              <a:rPr b="0" lang="en-US" sz="2000" spc="-1" strike="noStrike">
+                <a:latin typeface="Arial"/>
               </a:rPr>
-              <a:t>Четвертый уровень</a:t>
+              <a:t>Fourth Outline Level</a:t>
             </a:r>
-            <a:endParaRPr b="0" lang="ru-RU" sz="1200" spc="-1" strike="noStrike">
-              <a:solidFill>
-                <a:srgbClr val="404040"/>
-              </a:solidFill>
-              <a:latin typeface="Trebuchet MS"/>
-            </a:endParaRPr>
-          </a:p>
-          <a:p>
-            <a:pPr lvl="4" marL="2057400" indent="-228240">
-              <a:lnSpc>
-                <a:spcPct val="100000"/>
-              </a:lnSpc>
+            <a:endParaRPr b="0" lang="en-US" sz="2000" spc="-1" strike="noStrike">
+              <a:latin typeface="Arial"/>
+            </a:endParaRPr>
+          </a:p>
+          <a:p>
+            <a:pPr lvl="4" marL="2160000" indent="-216000">
               <a:spcBef>
-                <a:spcPts val="1001"/>
+                <a:spcPts val="283"/>
               </a:spcBef>
               <a:buClr>
-                <a:srgbClr val="5fcbef"/>
+                <a:srgbClr val="000000"/>
               </a:buClr>
-              <a:buSzPct val="80000"/>
-              <a:buFont typeface="Wingdings 3" charset="2"/>
-              <a:buChar char=""/>
+              <a:buSzPct val="45000"/>
+              <a:buFont typeface="Wingdings" charset="2"/>
+              <a:buChar char=""/>
             </a:pPr>
             <a:r>
-              <a:rPr b="0" lang="ru-RU" sz="1200" spc="-1" strike="noStrike">
-                <a:solidFill>
-                  <a:srgbClr val="404040"/>
-                </a:solidFill>
-                <a:latin typeface="Trebuchet MS"/>
+              <a:rPr b="0" lang="en-US" sz="2000" spc="-1" strike="noStrike">
+                <a:latin typeface="Arial"/>
               </a:rPr>
-              <a:t>Пятый уровень</a:t>
+              <a:t>Fifth Outline Level</a:t>
             </a:r>
-            <a:endParaRPr b="0" lang="ru-RU" sz="1200" spc="-1" strike="noStrike">
-              <a:solidFill>
-                <a:srgbClr val="404040"/>
-              </a:solidFill>
-              <a:latin typeface="Trebuchet MS"/>
-            </a:endParaRPr>
-          </a:p>
-        </p:txBody>
-      </p:sp>
-      <p:sp>
-        <p:nvSpPr>
-          <p:cNvPr id="76" name="PlaceHolder 14"/>
-          <p:cNvSpPr>
-            <a:spLocks noGrp="1"/>
-          </p:cNvSpPr>
-          <p:nvPr>
-            <p:ph type="dt"/>
-          </p:nvPr>
-        </p:nvSpPr>
-        <p:spPr>
-          <a:xfrm>
-            <a:off x="7205040" y="6041520"/>
-            <a:ext cx="911520" cy="364680"/>
-          </a:xfrm>
-          <a:prstGeom prst="rect">
-            <a:avLst/>
-          </a:prstGeom>
-        </p:spPr>
-        <p:txBody>
-          <a:bodyPr anchor="ctr">
-            <a:noAutofit/>
-          </a:bodyPr>
-          <a:p>
-            <a:pPr algn="r">
-              <a:lnSpc>
-                <a:spcPct val="100000"/>
-              </a:lnSpc>
-            </a:pPr>
-            <a:fld id="{4828748D-738C-4AFA-826D-A5F80882F524}" type="datetime">
-              <a:rPr b="0" lang="ru-RU" sz="900" spc="-1" strike="noStrike">
-                <a:solidFill>
-                  <a:srgbClr val="8b8b8b"/>
-                </a:solidFill>
-                <a:latin typeface="Trebuchet MS"/>
+            <a:endParaRPr b="0" lang="en-US" sz="2000" spc="-1" strike="noStrike">
+              <a:latin typeface="Arial"/>
+            </a:endParaRPr>
+          </a:p>
+          <a:p>
+            <a:pPr lvl="5" marL="2592000" indent="-216000">
+              <a:spcBef>
+                <a:spcPts val="283"/>
+              </a:spcBef>
+              <a:buClr>
+                <a:srgbClr val="000000"/>
+              </a:buClr>
+              <a:buSzPct val="45000"/>
+              <a:buFont typeface="Wingdings" charset="2"/>
+              <a:buChar char=""/>
+            </a:pPr>
+            <a:r>
+              <a:rPr b="0" lang="en-US" sz="2000" spc="-1" strike="noStrike">
+                <a:latin typeface="Arial"/>
               </a:rPr>
-              <a:t>4.6.21</a:t>
-            </a:fld>
-            <a:endParaRPr b="0" lang="en-US" sz="900" spc="-1" strike="noStrike">
-              <a:latin typeface="Times New Roman"/>
-            </a:endParaRPr>
-          </a:p>
-        </p:txBody>
-      </p:sp>
-      <p:sp>
-        <p:nvSpPr>
-          <p:cNvPr id="77" name="PlaceHolder 15"/>
-          <p:cNvSpPr>
-            <a:spLocks noGrp="1"/>
-          </p:cNvSpPr>
-          <p:nvPr>
-            <p:ph type="ftr"/>
-          </p:nvPr>
-        </p:nvSpPr>
-        <p:spPr>
-          <a:xfrm>
-            <a:off x="677160" y="6041520"/>
-            <a:ext cx="6297120" cy="364680"/>
-          </a:xfrm>
-          <a:prstGeom prst="rect">
-            <a:avLst/>
-          </a:prstGeom>
-        </p:spPr>
-        <p:txBody>
-          <a:bodyPr anchor="ctr">
-            <a:noAutofit/>
-          </a:bodyPr>
-          <a:p>
-            <a:endParaRPr b="0" lang="en-US" sz="2400" spc="-1" strike="noStrike">
-              <a:latin typeface="Times New Roman"/>
-            </a:endParaRPr>
-          </a:p>
-        </p:txBody>
-      </p:sp>
-      <p:sp>
-        <p:nvSpPr>
-          <p:cNvPr id="78" name="PlaceHolder 16"/>
-          <p:cNvSpPr>
-            <a:spLocks noGrp="1"/>
-          </p:cNvSpPr>
-          <p:nvPr>
-            <p:ph type="sldNum"/>
-          </p:nvPr>
-        </p:nvSpPr>
-        <p:spPr>
-          <a:xfrm>
-            <a:off x="8590680" y="6041520"/>
-            <a:ext cx="682920" cy="364680"/>
-          </a:xfrm>
-          <a:prstGeom prst="rect">
-            <a:avLst/>
-          </a:prstGeom>
-        </p:spPr>
-        <p:txBody>
-          <a:bodyPr anchor="ctr">
-            <a:noAutofit/>
-          </a:bodyPr>
-          <a:p>
-            <a:pPr algn="r">
-              <a:lnSpc>
-                <a:spcPct val="100000"/>
-              </a:lnSpc>
-            </a:pPr>
-            <a:fld id="{3CCB1E7C-976C-4699-961B-E8DEDDDC726E}" type="slidenum">
-              <a:rPr b="0" lang="ru-RU" sz="900" spc="-1" strike="noStrike">
-                <a:solidFill>
-                  <a:srgbClr val="5fcbef"/>
-                </a:solidFill>
-                <a:latin typeface="Trebuchet MS"/>
+              <a:t>Sixth Outline Level</a:t>
+            </a:r>
+            <a:endParaRPr b="0" lang="en-US" sz="2000" spc="-1" strike="noStrike">
+              <a:latin typeface="Arial"/>
+            </a:endParaRPr>
+          </a:p>
+          <a:p>
+            <a:pPr lvl="6" marL="3024000" indent="-216000">
+              <a:spcBef>
+                <a:spcPts val="283"/>
+              </a:spcBef>
+              <a:buClr>
+                <a:srgbClr val="000000"/>
+              </a:buClr>
+              <a:buSzPct val="45000"/>
+              <a:buFont typeface="Wingdings" charset="2"/>
+              <a:buChar char=""/>
+            </a:pPr>
+            <a:r>
+              <a:rPr b="0" lang="en-US" sz="2000" spc="-1" strike="noStrike">
+                <a:latin typeface="Arial"/>
               </a:rPr>
-              <a:t>&lt;number&gt;</a:t>
-            </a:fld>
-            <a:endParaRPr b="0" lang="en-US" sz="900" spc="-1" strike="noStrike">
-              <a:latin typeface="Times New Roman"/>
+              <a:t>Seventh Outline </a:t>
+            </a:r>
+            <a:r>
+              <a:rPr b="0" lang="en-US" sz="2000" spc="-1" strike="noStrike">
+                <a:latin typeface="Arial"/>
+              </a:rPr>
+              <a:t>Level</a:t>
+            </a:r>
+            <a:endParaRPr b="0" lang="en-US" sz="2000" spc="-1" strike="noStrike">
+              <a:latin typeface="Arial"/>
             </a:endParaRPr>
           </a:p>
         </p:txBody>
@@ -5446,32 +5340,36 @@
       </p:grpSpPr>
       <p:sp>
         <p:nvSpPr>
-          <p:cNvPr id="115" name="TextShape 1"/>
-          <p:cNvSpPr txBox="1"/>
+          <p:cNvPr id="109" name="TextShape 1"/>
+          <p:cNvSpPr/>
           <p:nvPr/>
         </p:nvSpPr>
         <p:spPr>
           <a:xfrm>
             <a:off x="417240" y="2135520"/>
-            <a:ext cx="8856360" cy="1914840"/>
-          </a:xfrm>
-          <a:prstGeom prst="rect">
-            <a:avLst/>
-          </a:prstGeom>
-          <a:noFill/>
-          <a:ln>
-            <a:noFill/>
-          </a:ln>
-        </p:spPr>
-        <p:txBody>
-          <a:bodyPr anchor="b">
+            <a:ext cx="8856000" cy="1914480"/>
+          </a:xfrm>
+          <a:prstGeom prst="rect">
+            <a:avLst/>
+          </a:prstGeom>
+          <a:noFill/>
+          <a:ln w="0">
+            <a:noFill/>
+          </a:ln>
+        </p:spPr>
+        <p:style>
+          <a:lnRef idx="0"/>
+          <a:fillRef idx="0"/>
+          <a:effectRef idx="0"/>
+          <a:fontRef idx="minor"/>
+        </p:style>
+        <p:txBody>
+          <a:bodyPr lIns="90000" rIns="90000" tIns="45000" bIns="45000" anchor="t">
             <a:noAutofit/>
           </a:bodyPr>
           <a:p>
             <a:pPr algn="r">
-              <a:lnSpc>
-                <a:spcPct val="100000"/>
-              </a:lnSpc>
+              <a:buNone/>
             </a:pPr>
             <a:r>
               <a:rPr b="0" lang="uk-UA" sz="4000" spc="-1" strike="noStrike">
@@ -5479,57 +5377,43 @@
                   <a:srgbClr val="5fcbef"/>
                 </a:solidFill>
                 <a:latin typeface="Trebuchet MS"/>
+                <a:ea typeface="Noto Sans CJK SC"/>
               </a:rPr>
-              <a:t>Розробка інформаційної </a:t>
+              <a:t>Розробка системи оцінки ефективності нейромереж у задачах обробки та аналізу метеоданих</a:t>
             </a:r>
-            <a:r>
-              <a:rPr b="0" lang="uk-UA" sz="4000" spc="-1" strike="noStrike">
-                <a:solidFill>
-                  <a:srgbClr val="5fcbef"/>
-                </a:solidFill>
-                <a:latin typeface="Trebuchet MS"/>
-              </a:rPr>
-              <a:t>системи для збору, обробки та </a:t>
-            </a:r>
-            <a:r>
-              <a:rPr b="0" lang="uk-UA" sz="4000" spc="-1" strike="noStrike">
-                <a:solidFill>
-                  <a:srgbClr val="5fcbef"/>
-                </a:solidFill>
-                <a:latin typeface="Trebuchet MS"/>
-              </a:rPr>
-              <a:t>аналізу метеоданих</a:t>
-            </a:r>
-            <a:endParaRPr b="0" lang="ru-RU" sz="4000" spc="-1" strike="noStrike">
-              <a:solidFill>
-                <a:srgbClr val="000000"/>
-              </a:solidFill>
-              <a:latin typeface="Trebuchet MS"/>
-            </a:endParaRPr>
-          </a:p>
-        </p:txBody>
-      </p:sp>
-      <p:sp>
-        <p:nvSpPr>
-          <p:cNvPr id="116" name="TextShape 2"/>
-          <p:cNvSpPr txBox="1"/>
+            <a:endParaRPr b="1" lang="uk-UA" sz="4000" spc="-1" strike="noStrike">
+              <a:latin typeface="Arial"/>
+            </a:endParaRPr>
+          </a:p>
+        </p:txBody>
+      </p:sp>
+      <p:sp>
+        <p:nvSpPr>
+          <p:cNvPr id="110" name="TextShape 2"/>
+          <p:cNvSpPr/>
           <p:nvPr/>
         </p:nvSpPr>
         <p:spPr>
           <a:xfrm>
             <a:off x="1460520" y="5325840"/>
-            <a:ext cx="7766640" cy="1096560"/>
-          </a:xfrm>
-          <a:prstGeom prst="rect">
-            <a:avLst/>
-          </a:prstGeom>
-          <a:noFill/>
-          <a:ln>
-            <a:noFill/>
-          </a:ln>
-        </p:spPr>
-        <p:txBody>
-          <a:bodyPr>
+            <a:ext cx="7766280" cy="1096200"/>
+          </a:xfrm>
+          <a:prstGeom prst="rect">
+            <a:avLst/>
+          </a:prstGeom>
+          <a:noFill/>
+          <a:ln w="0">
+            <a:noFill/>
+          </a:ln>
+        </p:spPr>
+        <p:style>
+          <a:lnRef idx="0"/>
+          <a:fillRef idx="0"/>
+          <a:effectRef idx="0"/>
+          <a:fontRef idx="minor"/>
+        </p:style>
+        <p:txBody>
+          <a:bodyPr lIns="90000" rIns="90000" tIns="45000" bIns="45000" anchor="t">
             <a:normAutofit/>
           </a:bodyPr>
           <a:p>
@@ -5540,6 +5424,7 @@
               <a:spcBef>
                 <a:spcPts val="1001"/>
               </a:spcBef>
+              <a:buNone/>
               <a:tabLst>
                 <a:tab algn="l" pos="0"/>
               </a:tabLst>
@@ -5574,6 +5459,7 @@
               <a:spcBef>
                 <a:spcPts val="1001"/>
               </a:spcBef>
+              <a:buNone/>
               <a:tabLst>
                 <a:tab algn="l" pos="0"/>
               </a:tabLst>
@@ -5595,18 +5481,21 @@
       </p:sp>
       <p:sp>
         <p:nvSpPr>
-          <p:cNvPr id="117" name="CustomShape 3"/>
+          <p:cNvPr id="111" name="CustomShape 3"/>
           <p:cNvSpPr/>
           <p:nvPr/>
         </p:nvSpPr>
         <p:spPr>
           <a:xfrm>
             <a:off x="1460520" y="1112400"/>
-            <a:ext cx="7813080" cy="1135080"/>
-          </a:xfrm>
-          <a:prstGeom prst="rect">
-            <a:avLst/>
-          </a:prstGeom>
+            <a:ext cx="7812720" cy="1134720"/>
+          </a:xfrm>
+          <a:prstGeom prst="rect">
+            <a:avLst/>
+          </a:prstGeom>
+          <a:solidFill>
+            <a:srgbClr val="ffffff"/>
+          </a:solidFill>
           <a:ln>
             <a:noFill/>
           </a:ln>
@@ -5632,6 +5521,7 @@
               <a:lnSpc>
                 <a:spcPct val="100000"/>
               </a:lnSpc>
+              <a:buNone/>
             </a:pPr>
             <a:r>
               <a:rPr b="0" lang="uk-UA" sz="2400" spc="-1" strike="noStrike">
@@ -5639,6 +5529,7 @@
                   <a:srgbClr val="757575"/>
                 </a:solidFill>
                 <a:latin typeface="Trebuchet MS"/>
+                <a:ea typeface="DejaVu Sans"/>
               </a:rPr>
               <a:t>Тема кваліфікаційної роботи</a:t>
             </a:r>
@@ -5648,6 +5539,7 @@
                   <a:srgbClr val="757575"/>
                 </a:solidFill>
                 <a:latin typeface="Trebuchet MS"/>
+                <a:ea typeface="DejaVu Sans"/>
               </a:rPr>
               <a:t>:</a:t>
             </a:r>
@@ -5689,25 +5581,31 @@
       </p:grpSpPr>
       <p:sp>
         <p:nvSpPr>
-          <p:cNvPr id="136" name="TextShape 1"/>
-          <p:cNvSpPr txBox="1"/>
+          <p:cNvPr id="136" name="TextShape 3"/>
+          <p:cNvSpPr/>
           <p:nvPr/>
         </p:nvSpPr>
         <p:spPr>
           <a:xfrm>
             <a:off x="677160" y="609480"/>
-            <a:ext cx="8596440" cy="1320480"/>
-          </a:xfrm>
-          <a:prstGeom prst="rect">
-            <a:avLst/>
-          </a:prstGeom>
-          <a:noFill/>
-          <a:ln>
-            <a:noFill/>
-          </a:ln>
-        </p:spPr>
-        <p:txBody>
-          <a:bodyPr>
+            <a:ext cx="8596080" cy="1320120"/>
+          </a:xfrm>
+          <a:prstGeom prst="rect">
+            <a:avLst/>
+          </a:prstGeom>
+          <a:noFill/>
+          <a:ln w="0">
+            <a:noFill/>
+          </a:ln>
+        </p:spPr>
+        <p:style>
+          <a:lnRef idx="0"/>
+          <a:fillRef idx="0"/>
+          <a:effectRef idx="0"/>
+          <a:fontRef idx="minor"/>
+        </p:style>
+        <p:txBody>
+          <a:bodyPr lIns="90000" rIns="90000" tIns="45000" bIns="45000" anchor="t">
             <a:noAutofit/>
           </a:bodyPr>
           <a:p>
@@ -5715,6 +5613,7 @@
               <a:lnSpc>
                 <a:spcPct val="100000"/>
               </a:lnSpc>
+              <a:buNone/>
             </a:pPr>
             <a:r>
               <a:rPr b="0" lang="uk-UA" sz="3600" spc="-1" strike="noStrike">
@@ -5723,44 +5622,56 @@
                 </a:solidFill>
                 <a:latin typeface="Trebuchet MS"/>
               </a:rPr>
-              <a:t>Висновок</a:t>
+              <a:t>Використані програмні засоби та бібліотеки</a:t>
             </a:r>
-            <a:endParaRPr b="0" lang="ru-RU" sz="3600" spc="-1" strike="noStrike">
-              <a:solidFill>
-                <a:srgbClr val="000000"/>
-              </a:solidFill>
-              <a:latin typeface="Trebuchet MS"/>
-            </a:endParaRPr>
-          </a:p>
-        </p:txBody>
-      </p:sp>
-      <p:sp>
-        <p:nvSpPr>
-          <p:cNvPr id="137" name="TextShape 2"/>
-          <p:cNvSpPr txBox="1"/>
+            <a:r>
+              <a:rPr b="0" lang="en-US" sz="3600" spc="-1" strike="noStrike">
+                <a:solidFill>
+                  <a:srgbClr val="5fcbef"/>
+                </a:solidFill>
+                <a:latin typeface="Trebuchet MS"/>
+              </a:rPr>
+              <a:t>:</a:t>
+            </a:r>
+            <a:endParaRPr b="0" lang="en-US" sz="3600" spc="-1" strike="noStrike">
+              <a:latin typeface="Arial"/>
+            </a:endParaRPr>
+          </a:p>
+        </p:txBody>
+      </p:sp>
+      <p:sp>
+        <p:nvSpPr>
+          <p:cNvPr id="137" name="TextShape 11"/>
+          <p:cNvSpPr/>
           <p:nvPr/>
         </p:nvSpPr>
         <p:spPr>
           <a:xfrm>
-            <a:off x="677160" y="2147760"/>
-            <a:ext cx="8596440" cy="4424400"/>
-          </a:xfrm>
-          <a:prstGeom prst="rect">
-            <a:avLst/>
-          </a:prstGeom>
-          <a:noFill/>
-          <a:ln>
-            <a:noFill/>
-          </a:ln>
-        </p:spPr>
-        <p:txBody>
-          <a:bodyPr>
-            <a:normAutofit fontScale="4000"/>
+            <a:off x="677160" y="2160720"/>
+            <a:ext cx="8596080" cy="2140560"/>
+          </a:xfrm>
+          <a:prstGeom prst="rect">
+            <a:avLst/>
+          </a:prstGeom>
+          <a:noFill/>
+          <a:ln w="0">
+            <a:noFill/>
+          </a:ln>
+        </p:spPr>
+        <p:style>
+          <a:lnRef idx="0"/>
+          <a:fillRef idx="0"/>
+          <a:effectRef idx="0"/>
+          <a:fontRef idx="minor"/>
+        </p:style>
+        <p:txBody>
+          <a:bodyPr lIns="90000" rIns="90000" tIns="45000" bIns="45000" anchor="t">
+            <a:noAutofit/>
           </a:bodyPr>
           <a:p>
             <a:pPr marL="343080" indent="-342720">
               <a:lnSpc>
-                <a:spcPct val="200000"/>
+                <a:spcPct val="100000"/>
               </a:lnSpc>
               <a:spcBef>
                 <a:spcPts val="1001"/>
@@ -5773,25 +5684,31 @@
               <a:buChar char=""/>
             </a:pPr>
             <a:r>
-              <a:rPr b="0" lang="uk-UA" sz="6000" spc="-1" strike="noStrike">
+              <a:rPr b="0" lang="uk-UA" sz="1800" spc="-1" strike="noStrike">
                 <a:solidFill>
                   <a:srgbClr val="404040"/>
                 </a:solidFill>
                 <a:latin typeface="Trebuchet MS"/>
               </a:rPr>
-              <a:t>Були отримані знання з розробки інформаційних систем для метеорології</a:t>
+              <a:t>Мова програмування</a:t>
             </a:r>
-            <a:endParaRPr b="0" lang="ru-RU" sz="6000" spc="-1" strike="noStrike">
-              <a:solidFill>
-                <a:srgbClr val="404040"/>
-              </a:solidFill>
-              <a:latin typeface="Trebuchet MS"/>
+            <a:r>
+              <a:rPr b="0" lang="en-US" sz="1800" spc="-1" strike="noStrike">
+                <a:solidFill>
+                  <a:srgbClr val="404040"/>
+                </a:solidFill>
+                <a:latin typeface="Trebuchet MS"/>
+              </a:rPr>
+              <a:t> Python3</a:t>
+            </a:r>
+            <a:endParaRPr b="0" lang="en-US" sz="1800" spc="-1" strike="noStrike">
+              <a:latin typeface="Arial"/>
             </a:endParaRPr>
           </a:p>
           <a:p>
             <a:pPr marL="343080" indent="-342720">
               <a:lnSpc>
-                <a:spcPct val="200000"/>
+                <a:spcPct val="100000"/>
               </a:lnSpc>
               <a:spcBef>
                 <a:spcPts val="1001"/>
@@ -5804,25 +5721,31 @@
               <a:buChar char=""/>
             </a:pPr>
             <a:r>
-              <a:rPr b="0" lang="uk-UA" sz="6000" spc="-1" strike="noStrike">
+              <a:rPr b="0" lang="uk-UA" sz="1800" spc="-1" strike="noStrike">
                 <a:solidFill>
                   <a:srgbClr val="404040"/>
                 </a:solidFill>
                 <a:latin typeface="Trebuchet MS"/>
               </a:rPr>
-              <a:t>Розроблена інформаційна система дозволяє збирати, обробляти та аналізувати метеодані</a:t>
+              <a:t>Середовище для розробки </a:t>
             </a:r>
-            <a:endParaRPr b="0" lang="ru-RU" sz="6000" spc="-1" strike="noStrike">
-              <a:solidFill>
-                <a:srgbClr val="404040"/>
-              </a:solidFill>
-              <a:latin typeface="Trebuchet MS"/>
+            <a:r>
+              <a:rPr b="0" lang="en-US" sz="1800" spc="-1" strike="noStrike">
+                <a:solidFill>
+                  <a:srgbClr val="404040"/>
+                </a:solidFill>
+                <a:latin typeface="Trebuchet MS"/>
+              </a:rPr>
+              <a:t>Anaconda</a:t>
+            </a:r>
+            <a:endParaRPr b="0" lang="en-US" sz="1800" spc="-1" strike="noStrike">
+              <a:latin typeface="Arial"/>
             </a:endParaRPr>
           </a:p>
           <a:p>
             <a:pPr marL="343080" indent="-342720">
               <a:lnSpc>
-                <a:spcPct val="200000"/>
+                <a:spcPct val="100000"/>
               </a:lnSpc>
               <a:spcBef>
                 <a:spcPts val="1001"/>
@@ -5835,19 +5758,99 @@
               <a:buChar char=""/>
             </a:pPr>
             <a:r>
-              <a:rPr b="0" lang="uk-UA" sz="6000" spc="-1" strike="noStrike">
+              <a:rPr b="0" lang="uk-UA" sz="1800" spc="-1" strike="noStrike">
                 <a:solidFill>
                   <a:srgbClr val="404040"/>
                 </a:solidFill>
                 <a:latin typeface="Trebuchet MS"/>
               </a:rPr>
-              <a:t>Цей програмний засіб дозволяє легко тестувати нейромережі для аналізу метеоданих</a:t>
+              <a:t>Веб-фреймворк </a:t>
             </a:r>
-            <a:endParaRPr b="0" lang="ru-RU" sz="6000" spc="-1" strike="noStrike">
-              <a:solidFill>
-                <a:srgbClr val="404040"/>
-              </a:solidFill>
-              <a:latin typeface="Trebuchet MS"/>
+            <a:r>
+              <a:rPr b="0" lang="en-US" sz="1800" spc="-1" strike="noStrike">
+                <a:solidFill>
+                  <a:srgbClr val="404040"/>
+                </a:solidFill>
+                <a:latin typeface="Trebuchet MS"/>
+              </a:rPr>
+              <a:t>Django3</a:t>
+            </a:r>
+            <a:endParaRPr b="0" lang="en-US" sz="1800" spc="-1" strike="noStrike">
+              <a:latin typeface="Arial"/>
+            </a:endParaRPr>
+          </a:p>
+          <a:p>
+            <a:pPr marL="343080" indent="-342720">
+              <a:lnSpc>
+                <a:spcPct val="100000"/>
+              </a:lnSpc>
+              <a:spcBef>
+                <a:spcPts val="1001"/>
+              </a:spcBef>
+              <a:buClr>
+                <a:srgbClr val="5fcbef"/>
+              </a:buClr>
+              <a:buSzPct val="80000"/>
+              <a:buFont typeface="Wingdings 3" charset="2"/>
+              <a:buChar char=""/>
+            </a:pPr>
+            <a:r>
+              <a:rPr b="0" lang="uk-UA" sz="1800" spc="-1" strike="noStrike">
+                <a:solidFill>
+                  <a:srgbClr val="404040"/>
+                </a:solidFill>
+                <a:latin typeface="Trebuchet MS"/>
+              </a:rPr>
+              <a:t>СУБД </a:t>
+            </a:r>
+            <a:r>
+              <a:rPr b="0" lang="en-US" sz="1800" spc="-1" strike="noStrike">
+                <a:solidFill>
+                  <a:srgbClr val="404040"/>
+                </a:solidFill>
+                <a:latin typeface="Trebuchet MS"/>
+              </a:rPr>
+              <a:t>SQLite3</a:t>
+            </a:r>
+            <a:endParaRPr b="0" lang="en-US" sz="1800" spc="-1" strike="noStrike">
+              <a:latin typeface="Arial"/>
+            </a:endParaRPr>
+          </a:p>
+          <a:p>
+            <a:pPr marL="343080" indent="-342720">
+              <a:lnSpc>
+                <a:spcPct val="100000"/>
+              </a:lnSpc>
+              <a:spcBef>
+                <a:spcPts val="1001"/>
+              </a:spcBef>
+              <a:buClr>
+                <a:srgbClr val="5fcbef"/>
+              </a:buClr>
+              <a:buSzPct val="80000"/>
+              <a:buFont typeface="Wingdings 3" charset="2"/>
+              <a:buChar char=""/>
+            </a:pPr>
+            <a:r>
+              <a:rPr b="0" lang="uk-UA" sz="1800" spc="-1" strike="noStrike">
+                <a:solidFill>
+                  <a:srgbClr val="404040"/>
+                </a:solidFill>
+                <a:latin typeface="Trebuchet MS"/>
+              </a:rPr>
+              <a:t>Бібліотека </a:t>
+            </a:r>
+            <a:r>
+              <a:rPr b="0" lang="en-US" sz="1800" spc="-1" strike="noStrike">
+                <a:solidFill>
+                  <a:srgbClr val="404040"/>
+                </a:solidFill>
+                <a:latin typeface="Trebuchet MS"/>
+              </a:rPr>
+              <a:t>Tensorflow2</a:t>
+            </a:r>
+            <a:endParaRPr b="0" lang="en-US" sz="1800" spc="-1" strike="noStrike">
+              <a:latin typeface="Arial"/>
             </a:endParaRPr>
           </a:p>
           <a:p>
@@ -5858,12 +5861,38 @@
               <a:spcBef>
                 <a:spcPts val="1001"/>
               </a:spcBef>
-            </a:pPr>
-            <a:endParaRPr b="0" lang="ru-RU" sz="6000" spc="-1" strike="noStrike">
-              <a:solidFill>
-                <a:srgbClr val="404040"/>
-              </a:solidFill>
-              <a:latin typeface="Trebuchet MS"/>
+              <a:buNone/>
+            </a:pPr>
+            <a:endParaRPr b="0" lang="en-US" sz="1800" spc="-1" strike="noStrike">
+              <a:latin typeface="Arial"/>
+            </a:endParaRPr>
+          </a:p>
+          <a:p>
+            <a:pPr>
+              <a:lnSpc>
+                <a:spcPct val="100000"/>
+              </a:lnSpc>
+              <a:spcBef>
+                <a:spcPts val="1001"/>
+              </a:spcBef>
+              <a:buNone/>
+            </a:pPr>
+            <a:endParaRPr b="0" lang="en-US" sz="1800" spc="-1" strike="noStrike">
+              <a:latin typeface="Arial"/>
+            </a:endParaRPr>
+          </a:p>
+          <a:p>
+            <a:pPr>
+              <a:lnSpc>
+                <a:spcPct val="100000"/>
+              </a:lnSpc>
+              <a:spcBef>
+                <a:spcPts val="1001"/>
+              </a:spcBef>
+              <a:buNone/>
+            </a:pPr>
+            <a:endParaRPr b="0" lang="en-US" sz="1800" spc="-1" strike="noStrike">
+              <a:latin typeface="Arial"/>
             </a:endParaRPr>
           </a:p>
         </p:txBody>
@@ -5900,25 +5929,31 @@
       </p:grpSpPr>
       <p:sp>
         <p:nvSpPr>
-          <p:cNvPr id="138" name="TextShape 1"/>
-          <p:cNvSpPr txBox="1"/>
+          <p:cNvPr id="138" name="TextShape 7"/>
+          <p:cNvSpPr/>
           <p:nvPr/>
         </p:nvSpPr>
         <p:spPr>
           <a:xfrm>
             <a:off x="677160" y="609480"/>
-            <a:ext cx="8596440" cy="1320480"/>
-          </a:xfrm>
-          <a:prstGeom prst="rect">
-            <a:avLst/>
-          </a:prstGeom>
-          <a:noFill/>
-          <a:ln>
-            <a:noFill/>
-          </a:ln>
-        </p:spPr>
-        <p:txBody>
-          <a:bodyPr>
+            <a:ext cx="8596080" cy="1320120"/>
+          </a:xfrm>
+          <a:prstGeom prst="rect">
+            <a:avLst/>
+          </a:prstGeom>
+          <a:noFill/>
+          <a:ln w="0">
+            <a:noFill/>
+          </a:ln>
+        </p:spPr>
+        <p:style>
+          <a:lnRef idx="0"/>
+          <a:fillRef idx="0"/>
+          <a:effectRef idx="0"/>
+          <a:fontRef idx="minor"/>
+        </p:style>
+        <p:txBody>
+          <a:bodyPr lIns="90000" rIns="90000" tIns="45000" bIns="45000" anchor="t">
             <a:noAutofit/>
           </a:bodyPr>
           <a:p>
@@ -5926,6 +5961,7 @@
               <a:lnSpc>
                 <a:spcPct val="100000"/>
               </a:lnSpc>
+              <a:buNone/>
             </a:pPr>
             <a:r>
               <a:rPr b="0" lang="uk-UA" sz="3600" spc="-1" strike="noStrike">
@@ -5945,36 +5981,39 @@
               </a:rPr>
               <a:t>:</a:t>
             </a:r>
-            <a:endParaRPr b="0" lang="ru-RU" sz="3600" spc="-1" strike="noStrike">
-              <a:solidFill>
-                <a:srgbClr val="000000"/>
-              </a:solidFill>
-              <a:latin typeface="Trebuchet MS"/>
-            </a:endParaRPr>
-          </a:p>
-        </p:txBody>
-      </p:sp>
-      <p:sp>
-        <p:nvSpPr>
-          <p:cNvPr id="139" name="TextShape 2"/>
-          <p:cNvSpPr txBox="1"/>
+            <a:endParaRPr b="0" lang="en-US" sz="3600" spc="-1" strike="noStrike">
+              <a:latin typeface="Arial"/>
+            </a:endParaRPr>
+          </a:p>
+        </p:txBody>
+      </p:sp>
+      <p:sp>
+        <p:nvSpPr>
+          <p:cNvPr id="139" name="TextShape 12"/>
+          <p:cNvSpPr/>
           <p:nvPr/>
         </p:nvSpPr>
         <p:spPr>
           <a:xfrm>
             <a:off x="677160" y="2160720"/>
-            <a:ext cx="8596440" cy="3880440"/>
-          </a:xfrm>
-          <a:prstGeom prst="rect">
-            <a:avLst/>
-          </a:prstGeom>
-          <a:noFill/>
-          <a:ln>
-            <a:noFill/>
-          </a:ln>
-        </p:spPr>
-        <p:txBody>
-          <a:bodyPr>
+            <a:ext cx="8596080" cy="3880080"/>
+          </a:xfrm>
+          <a:prstGeom prst="rect">
+            <a:avLst/>
+          </a:prstGeom>
+          <a:noFill/>
+          <a:ln w="0">
+            <a:noFill/>
+          </a:ln>
+        </p:spPr>
+        <p:style>
+          <a:lnRef idx="0"/>
+          <a:fillRef idx="0"/>
+          <a:effectRef idx="0"/>
+          <a:fontRef idx="minor"/>
+        </p:style>
+        <p:txBody>
+          <a:bodyPr lIns="90000" rIns="90000" tIns="45000" bIns="45000" anchor="t">
             <a:noAutofit/>
           </a:bodyPr>
           <a:p>
@@ -6001,11 +6040,8 @@
               </a:rPr>
               <a:t>Аналіз літературних джерел</a:t>
             </a:r>
-            <a:endParaRPr b="0" lang="ru-RU" sz="1800" spc="-1" strike="noStrike">
-              <a:solidFill>
-                <a:srgbClr val="404040"/>
-              </a:solidFill>
-              <a:latin typeface="Trebuchet MS"/>
+            <a:endParaRPr b="0" lang="en-US" sz="1800" spc="-1" strike="noStrike">
+              <a:latin typeface="Arial"/>
             </a:endParaRPr>
           </a:p>
           <a:p>
@@ -6032,11 +6068,8 @@
               </a:rPr>
               <a:t>Аналіз предметної області</a:t>
             </a:r>
-            <a:endParaRPr b="0" lang="ru-RU" sz="1800" spc="-1" strike="noStrike">
-              <a:solidFill>
-                <a:srgbClr val="404040"/>
-              </a:solidFill>
-              <a:latin typeface="Trebuchet MS"/>
+            <a:endParaRPr b="0" lang="en-US" sz="1800" spc="-1" strike="noStrike">
+              <a:latin typeface="Arial"/>
             </a:endParaRPr>
           </a:p>
           <a:p>
@@ -6063,11 +6096,8 @@
               </a:rPr>
               <a:t>Аналіз впливу інформаційних технологій на робочі процеси метеорологів</a:t>
             </a:r>
-            <a:endParaRPr b="0" lang="ru-RU" sz="1800" spc="-1" strike="noStrike">
-              <a:solidFill>
-                <a:srgbClr val="404040"/>
-              </a:solidFill>
-              <a:latin typeface="Trebuchet MS"/>
+            <a:endParaRPr b="0" lang="en-US" sz="1800" spc="-1" strike="noStrike">
+              <a:latin typeface="Arial"/>
             </a:endParaRPr>
           </a:p>
           <a:p>
@@ -6094,11 +6124,8 @@
               </a:rPr>
               <a:t>Обґрунтовано впровадження інформаційних систем в сферу метеорології</a:t>
             </a:r>
-            <a:endParaRPr b="0" lang="ru-RU" sz="1800" spc="-1" strike="noStrike">
-              <a:solidFill>
-                <a:srgbClr val="404040"/>
-              </a:solidFill>
-              <a:latin typeface="Trebuchet MS"/>
+            <a:endParaRPr b="0" lang="en-US" sz="1800" spc="-1" strike="noStrike">
+              <a:latin typeface="Arial"/>
             </a:endParaRPr>
           </a:p>
           <a:p>
@@ -6125,11 +6152,8 @@
               </a:rPr>
               <a:t>Порівняльний аналіз схожих програмних систем</a:t>
             </a:r>
-            <a:endParaRPr b="0" lang="ru-RU" sz="1800" spc="-1" strike="noStrike">
-              <a:solidFill>
-                <a:srgbClr val="404040"/>
-              </a:solidFill>
-              <a:latin typeface="Trebuchet MS"/>
+            <a:endParaRPr b="0" lang="en-US" sz="1800" spc="-1" strike="noStrike">
+              <a:latin typeface="Arial"/>
             </a:endParaRPr>
           </a:p>
           <a:p>
@@ -6156,11 +6180,8 @@
               </a:rPr>
               <a:t>Визначені програмні засоби реалізації інформаційної системи</a:t>
             </a:r>
-            <a:endParaRPr b="0" lang="ru-RU" sz="1800" spc="-1" strike="noStrike">
-              <a:solidFill>
-                <a:srgbClr val="404040"/>
-              </a:solidFill>
-              <a:latin typeface="Trebuchet MS"/>
+            <a:endParaRPr b="0" lang="en-US" sz="1800" spc="-1" strike="noStrike">
+              <a:latin typeface="Arial"/>
             </a:endParaRPr>
           </a:p>
           <a:p>
@@ -6187,11 +6208,8 @@
               </a:rPr>
               <a:t>Проектування інформаційної системи</a:t>
             </a:r>
-            <a:endParaRPr b="0" lang="ru-RU" sz="1800" spc="-1" strike="noStrike">
-              <a:solidFill>
-                <a:srgbClr val="404040"/>
-              </a:solidFill>
-              <a:latin typeface="Trebuchet MS"/>
+            <a:endParaRPr b="0" lang="en-US" sz="1800" spc="-1" strike="noStrike">
+              <a:latin typeface="Arial"/>
             </a:endParaRPr>
           </a:p>
           <a:p>
@@ -6218,11 +6236,8 @@
               </a:rPr>
               <a:t>Розробка інформаційної системи для збору, обробки та аналізу метеоданих</a:t>
             </a:r>
-            <a:endParaRPr b="0" lang="ru-RU" sz="1800" spc="-1" strike="noStrike">
-              <a:solidFill>
-                <a:srgbClr val="404040"/>
-              </a:solidFill>
-              <a:latin typeface="Trebuchet MS"/>
+            <a:endParaRPr b="0" lang="en-US" sz="1800" spc="-1" strike="noStrike">
+              <a:latin typeface="Arial"/>
             </a:endParaRPr>
           </a:p>
         </p:txBody>
@@ -6259,78 +6274,63 @@
       </p:grpSpPr>
       <p:sp>
         <p:nvSpPr>
-          <p:cNvPr id="118" name="TextShape 1"/>
-          <p:cNvSpPr txBox="1"/>
+          <p:cNvPr id="112" name="TextShape 8"/>
+          <p:cNvSpPr/>
           <p:nvPr/>
         </p:nvSpPr>
         <p:spPr>
           <a:xfrm>
-            <a:off x="677160" y="609480"/>
-            <a:ext cx="8596440" cy="1320480"/>
-          </a:xfrm>
-          <a:prstGeom prst="rect">
-            <a:avLst/>
-          </a:prstGeom>
-          <a:noFill/>
-          <a:ln>
-            <a:noFill/>
-          </a:ln>
-        </p:spPr>
-        <p:txBody>
-          <a:bodyPr>
+            <a:off x="677160" y="3162600"/>
+            <a:ext cx="8596080" cy="1320120"/>
+          </a:xfrm>
+          <a:prstGeom prst="rect">
+            <a:avLst/>
+          </a:prstGeom>
+          <a:noFill/>
+          <a:ln w="0">
+            <a:noFill/>
+          </a:ln>
+        </p:spPr>
+        <p:style>
+          <a:lnRef idx="0"/>
+          <a:fillRef idx="0"/>
+          <a:effectRef idx="0"/>
+          <a:fontRef idx="minor"/>
+        </p:style>
+      </p:sp>
+      <p:sp>
+        <p:nvSpPr>
+          <p:cNvPr id="113" name="TextShape 10"/>
+          <p:cNvSpPr/>
+          <p:nvPr/>
+        </p:nvSpPr>
+        <p:spPr>
+          <a:xfrm>
+            <a:off x="677160" y="4590720"/>
+            <a:ext cx="8596080" cy="876600"/>
+          </a:xfrm>
+          <a:prstGeom prst="rect">
+            <a:avLst/>
+          </a:prstGeom>
+          <a:noFill/>
+          <a:ln w="0">
+            <a:noFill/>
+          </a:ln>
+        </p:spPr>
+        <p:style>
+          <a:lnRef idx="0"/>
+          <a:fillRef idx="0"/>
+          <a:effectRef idx="0"/>
+          <a:fontRef idx="minor"/>
+        </p:style>
+        <p:txBody>
+          <a:bodyPr lIns="90000" rIns="90000" tIns="45000" bIns="45000" anchor="t">
             <a:noAutofit/>
           </a:bodyPr>
           <a:p>
-            <a:pPr>
+            <a:pPr marL="343080" indent="-342720">
               <a:lnSpc>
                 <a:spcPct val="100000"/>
-              </a:lnSpc>
-            </a:pPr>
-            <a:r>
-              <a:rPr b="0" lang="uk-UA" sz="3600" spc="-1" strike="noStrike">
-                <a:solidFill>
-                  <a:srgbClr val="5fcbef"/>
-                </a:solidFill>
-                <a:latin typeface="Trebuchet MS"/>
-              </a:rPr>
-              <a:t>Новітня метеорологія</a:t>
-            </a:r>
-            <a:endParaRPr b="0" lang="ru-RU" sz="3600" spc="-1" strike="noStrike">
-              <a:solidFill>
-                <a:srgbClr val="000000"/>
-              </a:solidFill>
-              <a:latin typeface="Trebuchet MS"/>
-            </a:endParaRPr>
-          </a:p>
-        </p:txBody>
-      </p:sp>
-      <p:sp>
-        <p:nvSpPr>
-          <p:cNvPr id="119" name="TextShape 2"/>
-          <p:cNvSpPr txBox="1"/>
-          <p:nvPr/>
-        </p:nvSpPr>
-        <p:spPr>
-          <a:xfrm>
-            <a:off x="677160" y="2160720"/>
-            <a:ext cx="8596440" cy="3880440"/>
-          </a:xfrm>
-          <a:prstGeom prst="rect">
-            <a:avLst/>
-          </a:prstGeom>
-          <a:noFill/>
-          <a:ln>
-            <a:noFill/>
-          </a:ln>
-        </p:spPr>
-        <p:txBody>
-          <a:bodyPr>
-            <a:noAutofit/>
-          </a:bodyPr>
-          <a:p>
-            <a:pPr marL="343080" indent="-342720">
-              <a:lnSpc>
-                <a:spcPct val="200000"/>
               </a:lnSpc>
               <a:spcBef>
                 <a:spcPts val="1001"/>
@@ -6342,82 +6342,8 @@
               <a:buFont typeface="Wingdings 3" charset="2"/>
               <a:buChar char=""/>
             </a:pPr>
-            <a:r>
-              <a:rPr b="0" lang="uk-UA" sz="2400" spc="-1" strike="noStrike">
-                <a:solidFill>
-                  <a:srgbClr val="404040"/>
-                </a:solidFill>
-                <a:latin typeface="Trebuchet MS"/>
-              </a:rPr>
-              <a:t>Прогнозування погоди з великою точністю.</a:t>
-            </a:r>
-            <a:endParaRPr b="0" lang="ru-RU" sz="2400" spc="-1" strike="noStrike">
-              <a:solidFill>
-                <a:srgbClr val="404040"/>
-              </a:solidFill>
-              <a:latin typeface="Trebuchet MS"/>
-            </a:endParaRPr>
-          </a:p>
-          <a:p>
-            <a:pPr marL="343080" indent="-342720">
-              <a:lnSpc>
-                <a:spcPct val="200000"/>
-              </a:lnSpc>
-              <a:spcBef>
-                <a:spcPts val="1001"/>
-              </a:spcBef>
-              <a:buClr>
-                <a:srgbClr val="5fcbef"/>
-              </a:buClr>
-              <a:buSzPct val="80000"/>
-              <a:buFont typeface="Wingdings 3" charset="2"/>
-              <a:buChar char=""/>
-            </a:pPr>
-            <a:r>
-              <a:rPr b="0" lang="uk-UA" sz="2400" spc="-1" strike="noStrike">
-                <a:solidFill>
-                  <a:srgbClr val="404040"/>
-                </a:solidFill>
-                <a:latin typeface="Trebuchet MS"/>
-              </a:rPr>
-              <a:t>Дослідження та аналіз метеорологічного стану регіонів</a:t>
-            </a:r>
-            <a:endParaRPr b="0" lang="ru-RU" sz="2400" spc="-1" strike="noStrike">
-              <a:solidFill>
-                <a:srgbClr val="404040"/>
-              </a:solidFill>
-              <a:latin typeface="Trebuchet MS"/>
-            </a:endParaRPr>
-          </a:p>
-          <a:p>
-            <a:pPr marL="343080" indent="-342720">
-              <a:lnSpc>
-                <a:spcPct val="200000"/>
-              </a:lnSpc>
-              <a:spcBef>
-                <a:spcPts val="1001"/>
-              </a:spcBef>
-              <a:buClr>
-                <a:srgbClr val="5fcbef"/>
-              </a:buClr>
-              <a:buSzPct val="80000"/>
-              <a:buFont typeface="Wingdings 3" charset="2"/>
-              <a:buChar char=""/>
-            </a:pPr>
-            <a:r>
-              <a:rPr b="0" lang="uk-UA" sz="2400" spc="-1" strike="noStrike">
-                <a:solidFill>
-                  <a:srgbClr val="404040"/>
-                </a:solidFill>
-                <a:latin typeface="Trebuchet MS"/>
-              </a:rPr>
-              <a:t>Пошук та аналіз погодних аномалій</a:t>
-            </a:r>
-            <a:endParaRPr b="0" lang="ru-RU" sz="2400" spc="-1" strike="noStrike">
-              <a:solidFill>
-                <a:srgbClr val="404040"/>
-              </a:solidFill>
-              <a:latin typeface="Trebuchet MS"/>
+            <a:endParaRPr b="0" lang="en-US" sz="1800" spc="-1" strike="noStrike">
+              <a:latin typeface="Arial"/>
             </a:endParaRPr>
           </a:p>
           <a:p>
@@ -6428,12 +6354,218 @@
               <a:spcBef>
                 <a:spcPts val="1001"/>
               </a:spcBef>
-            </a:pPr>
-            <a:endParaRPr b="0" lang="ru-RU" sz="2400" spc="-1" strike="noStrike">
-              <a:solidFill>
-                <a:srgbClr val="404040"/>
-              </a:solidFill>
-              <a:latin typeface="Trebuchet MS"/>
+              <a:buNone/>
+            </a:pPr>
+            <a:endParaRPr b="0" lang="en-US" sz="1800" spc="-1" strike="noStrike">
+              <a:latin typeface="Arial"/>
+            </a:endParaRPr>
+          </a:p>
+        </p:txBody>
+      </p:sp>
+      <p:sp>
+        <p:nvSpPr>
+          <p:cNvPr id="114" name="CustomShape 1"/>
+          <p:cNvSpPr/>
+          <p:nvPr/>
+        </p:nvSpPr>
+        <p:spPr>
+          <a:xfrm>
+            <a:off x="677160" y="818280"/>
+            <a:ext cx="8596080" cy="1320120"/>
+          </a:xfrm>
+          <a:prstGeom prst="rect">
+            <a:avLst/>
+          </a:prstGeom>
+          <a:noFill/>
+          <a:ln w="0">
+            <a:noFill/>
+          </a:ln>
+        </p:spPr>
+        <p:style>
+          <a:lnRef idx="0"/>
+          <a:fillRef idx="0"/>
+          <a:effectRef idx="0"/>
+          <a:fontRef idx="minor"/>
+        </p:style>
+      </p:sp>
+      <p:sp>
+        <p:nvSpPr>
+          <p:cNvPr id="115" name="CustomShape 2"/>
+          <p:cNvSpPr/>
+          <p:nvPr/>
+        </p:nvSpPr>
+        <p:spPr>
+          <a:xfrm>
+            <a:off x="677160" y="1979640"/>
+            <a:ext cx="8596080" cy="1128960"/>
+          </a:xfrm>
+          <a:prstGeom prst="rect">
+            <a:avLst/>
+          </a:prstGeom>
+          <a:noFill/>
+          <a:ln w="0">
+            <a:noFill/>
+          </a:ln>
+        </p:spPr>
+        <p:style>
+          <a:lnRef idx="0"/>
+          <a:fillRef idx="0"/>
+          <a:effectRef idx="0"/>
+          <a:fontRef idx="minor"/>
+        </p:style>
+      </p:sp>
+      <p:sp>
+        <p:nvSpPr>
+          <p:cNvPr id="116" name="PlaceHolder 1"/>
+          <p:cNvSpPr>
+            <a:spLocks noGrp="1"/>
+          </p:cNvSpPr>
+          <p:nvPr>
+            <p:ph type="title"/>
+          </p:nvPr>
+        </p:nvSpPr>
+        <p:spPr>
+          <a:xfrm>
+            <a:off x="609480" y="273600"/>
+            <a:ext cx="10972440" cy="1144800"/>
+          </a:xfrm>
+          <a:prstGeom prst="rect">
+            <a:avLst/>
+          </a:prstGeom>
+          <a:noFill/>
+          <a:ln w="0">
+            <a:noFill/>
+          </a:ln>
+        </p:spPr>
+        <p:txBody>
+          <a:bodyPr lIns="0" rIns="0" tIns="0" bIns="0" anchor="ctr">
+            <a:noAutofit/>
+          </a:bodyPr>
+          <a:p>
+            <a:pPr>
+              <a:lnSpc>
+                <a:spcPct val="100000"/>
+              </a:lnSpc>
+              <a:buNone/>
+            </a:pPr>
+            <a:r>
+              <a:rPr b="0" lang="uk-UA" sz="3600" spc="-1" strike="noStrike">
+                <a:solidFill>
+                  <a:srgbClr val="5fcbef"/>
+                </a:solidFill>
+                <a:latin typeface="Trebuchet MS"/>
+                <a:ea typeface="DejaVu Sans"/>
+              </a:rPr>
+              <a:t>Мета розробки інформаційної системи</a:t>
+            </a:r>
+            <a:endParaRPr b="0" lang="en-US" sz="3600" spc="-1" strike="noStrike">
+              <a:latin typeface="Arial"/>
+            </a:endParaRPr>
+          </a:p>
+        </p:txBody>
+      </p:sp>
+      <p:sp>
+        <p:nvSpPr>
+          <p:cNvPr id="117" name="PlaceHolder 2"/>
+          <p:cNvSpPr>
+            <a:spLocks noGrp="1"/>
+          </p:cNvSpPr>
+          <p:nvPr>
+            <p:ph type="subTitle"/>
+          </p:nvPr>
+        </p:nvSpPr>
+        <p:spPr>
+          <a:xfrm>
+            <a:off x="457560" y="1828800"/>
+            <a:ext cx="10972440" cy="4572000"/>
+          </a:xfrm>
+          <a:prstGeom prst="rect">
+            <a:avLst/>
+          </a:prstGeom>
+          <a:noFill/>
+          <a:ln w="0">
+            <a:noFill/>
+          </a:ln>
+        </p:spPr>
+        <p:txBody>
+          <a:bodyPr lIns="0" rIns="0" tIns="0" bIns="0" anchor="t">
+            <a:noAutofit/>
+          </a:bodyPr>
+          <a:p>
+            <a:pPr marL="216000" indent="-216000" algn="just">
+              <a:lnSpc>
+                <a:spcPct val="100000"/>
+              </a:lnSpc>
+              <a:spcBef>
+                <a:spcPts val="1001"/>
+              </a:spcBef>
+              <a:buClr>
+                <a:srgbClr val="000000"/>
+              </a:buClr>
+              <a:buSzPct val="45000"/>
+              <a:buFont typeface="Wingdings" charset="2"/>
+              <a:buChar char=""/>
+            </a:pPr>
+            <a:r>
+              <a:rPr b="0" lang="uk-UA" sz="1800" spc="-1" strike="noStrike">
+                <a:solidFill>
+                  <a:srgbClr val="404040"/>
+                </a:solidFill>
+                <a:latin typeface="Trebuchet MS"/>
+                <a:ea typeface="DejaVu Sans"/>
+              </a:rPr>
+              <a:t>Оцінка ефективности вирішення метеорологічних задач алгоритмами машинного навчання та оцінка їми впливовості гіперпараметрів на результат вирішення задачі</a:t>
+            </a:r>
+            <a:endParaRPr b="0" lang="en-US" sz="1800" spc="-1" strike="noStrike">
+              <a:latin typeface="Arial"/>
+            </a:endParaRPr>
+          </a:p>
+          <a:p>
+            <a:pPr marL="216000" indent="-216000" algn="just">
+              <a:lnSpc>
+                <a:spcPct val="100000"/>
+              </a:lnSpc>
+              <a:spcBef>
+                <a:spcPts val="1001"/>
+              </a:spcBef>
+              <a:buClr>
+                <a:srgbClr val="000000"/>
+              </a:buClr>
+              <a:buSzPct val="45000"/>
+              <a:buFont typeface="Wingdings" charset="2"/>
+              <a:buChar char=""/>
+            </a:pPr>
+            <a:r>
+              <a:rPr b="0" lang="uk-UA" sz="1800" spc="-1" strike="noStrike">
+                <a:solidFill>
+                  <a:srgbClr val="404040"/>
+                </a:solidFill>
+                <a:latin typeface="Trebuchet MS"/>
+                <a:ea typeface="DejaVu Sans"/>
+              </a:rPr>
+              <a:t>Розробка системи оцінки ефективності алгоритмів машинного навчання</a:t>
+            </a:r>
+            <a:endParaRPr b="0" lang="en-US" sz="1800" spc="-1" strike="noStrike">
+              <a:latin typeface="Arial"/>
+            </a:endParaRPr>
+          </a:p>
+          <a:p>
+            <a:pPr marL="216000" indent="-216000" algn="just">
+              <a:lnSpc>
+                <a:spcPct val="100000"/>
+              </a:lnSpc>
+              <a:spcBef>
+                <a:spcPts val="1001"/>
+              </a:spcBef>
+              <a:buClr>
+                <a:srgbClr val="000000"/>
+              </a:buClr>
+              <a:buSzPct val="45000"/>
+              <a:buFont typeface="Wingdings" charset="2"/>
+              <a:buChar char=""/>
+            </a:pPr>
+            <a:endParaRPr b="0" lang="en-US" sz="1800" spc="-1" strike="noStrike">
+              <a:latin typeface="Arial"/>
             </a:endParaRPr>
           </a:p>
         </p:txBody>
@@ -6470,253 +6602,331 @@
       </p:grpSpPr>
       <p:sp>
         <p:nvSpPr>
-          <p:cNvPr id="120" name="TextShape 1"/>
-          <p:cNvSpPr txBox="1"/>
+          <p:cNvPr id="118" name="TextShape 4"/>
+          <p:cNvSpPr/>
           <p:nvPr/>
         </p:nvSpPr>
         <p:spPr>
           <a:xfrm>
             <a:off x="677160" y="609480"/>
-            <a:ext cx="8596440" cy="1320480"/>
-          </a:xfrm>
-          <a:prstGeom prst="rect">
-            <a:avLst/>
-          </a:prstGeom>
-          <a:noFill/>
-          <a:ln>
-            <a:noFill/>
-          </a:ln>
-        </p:spPr>
-        <p:txBody>
-          <a:bodyPr>
+            <a:ext cx="8596080" cy="1320120"/>
+          </a:xfrm>
+          <a:prstGeom prst="rect">
+            <a:avLst/>
+          </a:prstGeom>
+          <a:noFill/>
+          <a:ln w="0">
+            <a:noFill/>
+          </a:ln>
+        </p:spPr>
+        <p:style>
+          <a:lnRef idx="0"/>
+          <a:fillRef idx="0"/>
+          <a:effectRef idx="0"/>
+          <a:fontRef idx="minor"/>
+        </p:style>
+        <p:txBody>
+          <a:bodyPr lIns="90000" rIns="90000" tIns="45000" bIns="45000" anchor="t">
             <a:noAutofit/>
           </a:bodyPr>
           <a:p>
-            <a:pPr>
-              <a:lnSpc>
-                <a:spcPct val="100000"/>
-              </a:lnSpc>
-            </a:pPr>
             <a:r>
               <a:rPr b="0" lang="uk-UA" sz="3600" spc="-1" strike="noStrike">
                 <a:solidFill>
                   <a:srgbClr val="5fcbef"/>
                 </a:solidFill>
                 <a:latin typeface="Trebuchet MS"/>
+                <a:ea typeface="Noto Sans CJK SC"/>
               </a:rPr>
-              <a:t>Проблеми новітньої метеорології</a:t>
+              <a:t>Розробка інформаційної системи</a:t>
             </a:r>
-            <a:endParaRPr b="0" lang="ru-RU" sz="3600" spc="-1" strike="noStrike">
-              <a:solidFill>
-                <a:srgbClr val="000000"/>
-              </a:solidFill>
-              <a:latin typeface="Trebuchet MS"/>
-            </a:endParaRPr>
-          </a:p>
-        </p:txBody>
-      </p:sp>
-      <p:sp>
-        <p:nvSpPr>
-          <p:cNvPr id="121" name="TextShape 2"/>
-          <p:cNvSpPr txBox="1"/>
+            <a:endParaRPr b="1" lang="uk-UA" sz="3600" spc="-1" strike="noStrike">
+              <a:latin typeface="Arial"/>
+            </a:endParaRPr>
+          </a:p>
+        </p:txBody>
+      </p:sp>
+      <p:sp>
+        <p:nvSpPr>
+          <p:cNvPr id="119" name="TextShape 9"/>
+          <p:cNvSpPr/>
           <p:nvPr/>
         </p:nvSpPr>
         <p:spPr>
           <a:xfrm>
             <a:off x="677160" y="2160720"/>
-            <a:ext cx="8596440" cy="3880440"/>
-          </a:xfrm>
-          <a:prstGeom prst="rect">
-            <a:avLst/>
-          </a:prstGeom>
-          <a:noFill/>
-          <a:ln>
-            <a:noFill/>
-          </a:ln>
-        </p:spPr>
-        <p:txBody>
-          <a:bodyPr>
+            <a:ext cx="8596080" cy="3880080"/>
+          </a:xfrm>
+          <a:prstGeom prst="rect">
+            <a:avLst/>
+          </a:prstGeom>
+          <a:noFill/>
+          <a:ln w="0">
+            <a:noFill/>
+          </a:ln>
+        </p:spPr>
+        <p:style>
+          <a:lnRef idx="0"/>
+          <a:fillRef idx="0"/>
+          <a:effectRef idx="0"/>
+          <a:fontRef idx="minor"/>
+        </p:style>
+      </p:sp>
+      <p:sp>
+        <p:nvSpPr>
+          <p:cNvPr id="120" name="PlaceHolder 1"/>
+          <p:cNvSpPr>
+            <a:spLocks noGrp="1"/>
+          </p:cNvSpPr>
+          <p:nvPr>
+            <p:ph type="title"/>
+          </p:nvPr>
+        </p:nvSpPr>
+        <p:spPr>
+          <a:xfrm>
+            <a:off x="609480" y="273600"/>
+            <a:ext cx="10972440" cy="1144800"/>
+          </a:xfrm>
+          <a:prstGeom prst="rect">
+            <a:avLst/>
+          </a:prstGeom>
+          <a:noFill/>
+          <a:ln w="0">
+            <a:noFill/>
+          </a:ln>
+        </p:spPr>
+        <p:txBody>
+          <a:bodyPr lIns="0" rIns="0" tIns="0" bIns="0" anchor="ctr">
+            <a:noAutofit/>
+          </a:bodyPr>
+          <a:p>
+            <a:pPr algn="ctr">
+              <a:lnSpc>
+                <a:spcPct val="100000"/>
+              </a:lnSpc>
+              <a:buNone/>
+            </a:pPr>
+            <a:r>
+              <a:rPr b="0" lang="uk-UA" sz="3600" spc="-1" strike="noStrike">
+                <a:solidFill>
+                  <a:srgbClr val="5fcbef"/>
+                </a:solidFill>
+                <a:latin typeface="Trebuchet MS"/>
+                <a:ea typeface="Noto Sans CJK SC"/>
+              </a:rPr>
+              <a:t>Розробка інформаційної системи</a:t>
+            </a:r>
+            <a:endParaRPr b="0" lang="en-US" sz="3600" spc="-1" strike="noStrike">
+              <a:latin typeface="Arial"/>
+            </a:endParaRPr>
+          </a:p>
+        </p:txBody>
+      </p:sp>
+      <p:sp>
+        <p:nvSpPr>
+          <p:cNvPr id="121" name="PlaceHolder 2"/>
+          <p:cNvSpPr>
+            <a:spLocks noGrp="1"/>
+          </p:cNvSpPr>
+          <p:nvPr>
+            <p:ph/>
+          </p:nvPr>
+        </p:nvSpPr>
+        <p:spPr>
+          <a:xfrm>
+            <a:off x="609480" y="1604520"/>
+            <a:ext cx="5354280" cy="3977280"/>
+          </a:xfrm>
+          <a:prstGeom prst="rect">
+            <a:avLst/>
+          </a:prstGeom>
+          <a:noFill/>
+          <a:ln w="0">
+            <a:noFill/>
+          </a:ln>
+        </p:spPr>
+        <p:txBody>
+          <a:bodyPr lIns="0" rIns="0" tIns="0" bIns="0" anchor="t">
             <a:normAutofit/>
           </a:bodyPr>
           <a:p>
-            <a:pPr marL="343080" indent="-342720">
-              <a:lnSpc>
-                <a:spcPct val="200000"/>
-              </a:lnSpc>
+            <a:pPr marL="432000" indent="-324000">
               <a:spcBef>
-                <a:spcPts val="1001"/>
+                <a:spcPts val="1417"/>
               </a:spcBef>
               <a:buClr>
-                <a:srgbClr val="5fcbef"/>
+                <a:srgbClr val="000000"/>
               </a:buClr>
-              <a:buSzPct val="80000"/>
-              <a:buFont typeface="Wingdings 3" charset="2"/>
-              <a:buChar char=""/>
+              <a:buSzPct val="45000"/>
+              <a:buFont typeface="Wingdings" charset="2"/>
+              <a:buChar char=""/>
             </a:pPr>
             <a:r>
-              <a:rPr b="0" lang="uk-UA" sz="2400" spc="-1" strike="noStrike">
-                <a:solidFill>
-                  <a:srgbClr val="404040"/>
-                </a:solidFill>
-                <a:latin typeface="Trebuchet MS"/>
+              <a:rPr b="0" lang="en-US" sz="3200" spc="-1" strike="noStrike">
+                <a:latin typeface="Arial"/>
               </a:rPr>
-              <a:t>Новітні програмні комплекси</a:t>
+              <a:t>Оновлення метеоданих</a:t>
             </a:r>
-            <a:endParaRPr b="0" lang="ru-RU" sz="2400" spc="-1" strike="noStrike">
-              <a:solidFill>
-                <a:srgbClr val="404040"/>
-              </a:solidFill>
-              <a:latin typeface="Trebuchet MS"/>
-            </a:endParaRPr>
-          </a:p>
-          <a:p>
-            <a:pPr marL="343080" indent="-342720">
-              <a:lnSpc>
-                <a:spcPct val="200000"/>
-              </a:lnSpc>
+            <a:endParaRPr b="0" lang="en-US" sz="3200" spc="-1" strike="noStrike">
+              <a:latin typeface="Arial"/>
+            </a:endParaRPr>
+          </a:p>
+          <a:p>
+            <a:pPr marL="432000" indent="-324000">
               <a:spcBef>
-                <a:spcPts val="1001"/>
+                <a:spcPts val="1417"/>
               </a:spcBef>
               <a:buClr>
-                <a:srgbClr val="5fcbef"/>
+                <a:srgbClr val="000000"/>
               </a:buClr>
-              <a:buSzPct val="80000"/>
-              <a:buFont typeface="Wingdings 3" charset="2"/>
-              <a:buChar char=""/>
+              <a:buSzPct val="45000"/>
+              <a:buFont typeface="Wingdings" charset="2"/>
+              <a:buChar char=""/>
             </a:pPr>
             <a:r>
-              <a:rPr b="0" lang="uk-UA" sz="2400" spc="-1" strike="noStrike">
-                <a:solidFill>
-                  <a:srgbClr val="404040"/>
-                </a:solidFill>
-                <a:latin typeface="Trebuchet MS"/>
+              <a:rPr b="0" lang="en-US" sz="3200" spc="-1" strike="noStrike">
+                <a:latin typeface="Arial"/>
               </a:rPr>
-              <a:t>Новітні алгоритми пошуку аномалій та аналізу</a:t>
+              <a:t>Відображення даних</a:t>
             </a:r>
-            <a:endParaRPr b="0" lang="ru-RU" sz="2400" spc="-1" strike="noStrike">
-              <a:solidFill>
-                <a:srgbClr val="404040"/>
-              </a:solidFill>
-              <a:latin typeface="Trebuchet MS"/>
-            </a:endParaRPr>
-          </a:p>
-          <a:p>
-            <a:pPr marL="343080" indent="-342720">
-              <a:lnSpc>
-                <a:spcPct val="200000"/>
-              </a:lnSpc>
+            <a:endParaRPr b="0" lang="en-US" sz="3200" spc="-1" strike="noStrike">
+              <a:latin typeface="Arial"/>
+            </a:endParaRPr>
+          </a:p>
+          <a:p>
+            <a:pPr marL="432000" indent="-324000">
               <a:spcBef>
-                <a:spcPts val="1001"/>
+                <a:spcPts val="1417"/>
               </a:spcBef>
               <a:buClr>
-                <a:srgbClr val="5fcbef"/>
+                <a:srgbClr val="000000"/>
               </a:buClr>
-              <a:buSzPct val="80000"/>
-              <a:buFont typeface="Wingdings 3" charset="2"/>
-              <a:buChar char=""/>
+              <a:buSzPct val="45000"/>
+              <a:buFont typeface="Wingdings" charset="2"/>
+              <a:buChar char=""/>
             </a:pPr>
             <a:r>
-              <a:rPr b="0" lang="uk-UA" sz="2400" spc="-1" strike="noStrike">
-                <a:solidFill>
-                  <a:srgbClr val="404040"/>
-                </a:solidFill>
-                <a:latin typeface="Trebuchet MS"/>
+              <a:rPr b="0" lang="en-US" sz="3200" spc="-1" strike="noStrike">
+                <a:latin typeface="Arial"/>
               </a:rPr>
-              <a:t>Збір даних</a:t>
+              <a:t>Завантаження нейромереж</a:t>
             </a:r>
-            <a:endParaRPr b="0" lang="ru-RU" sz="2400" spc="-1" strike="noStrike">
-              <a:solidFill>
-                <a:srgbClr val="404040"/>
-              </a:solidFill>
-              <a:latin typeface="Trebuchet MS"/>
-            </a:endParaRPr>
-          </a:p>
-          <a:p>
-            <a:pPr marL="343080" indent="-342720">
-              <a:lnSpc>
-                <a:spcPct val="200000"/>
-              </a:lnSpc>
+            <a:endParaRPr b="0" lang="en-US" sz="3200" spc="-1" strike="noStrike">
+              <a:latin typeface="Arial"/>
+            </a:endParaRPr>
+          </a:p>
+        </p:txBody>
+      </p:sp>
+      <p:sp>
+        <p:nvSpPr>
+          <p:cNvPr id="122" name="PlaceHolder 3"/>
+          <p:cNvSpPr>
+            <a:spLocks noGrp="1"/>
+          </p:cNvSpPr>
+          <p:nvPr>
+            <p:ph/>
+          </p:nvPr>
+        </p:nvSpPr>
+        <p:spPr>
+          <a:xfrm>
+            <a:off x="6231960" y="1604520"/>
+            <a:ext cx="5354280" cy="1896840"/>
+          </a:xfrm>
+          <a:prstGeom prst="rect">
+            <a:avLst/>
+          </a:prstGeom>
+          <a:noFill/>
+          <a:ln w="0">
+            <a:noFill/>
+          </a:ln>
+        </p:spPr>
+        <p:txBody>
+          <a:bodyPr lIns="0" rIns="0" tIns="0" bIns="0" anchor="t">
+            <a:normAutofit/>
+          </a:bodyPr>
+          <a:p>
+            <a:pPr marL="432000" indent="-324000">
               <a:spcBef>
-                <a:spcPts val="1001"/>
+                <a:spcPts val="1417"/>
               </a:spcBef>
               <a:buClr>
-                <a:srgbClr val="5fcbef"/>
+                <a:srgbClr val="000000"/>
               </a:buClr>
-              <a:buSzPct val="80000"/>
-              <a:buFont typeface="Wingdings 3" charset="2"/>
-              <a:buChar char=""/>
+              <a:buSzPct val="45000"/>
+              <a:buFont typeface="Wingdings" charset="2"/>
+              <a:buChar char=""/>
             </a:pPr>
             <a:r>
-              <a:rPr b="0" lang="uk-UA" sz="2400" spc="-1" strike="noStrike">
-                <a:solidFill>
-                  <a:srgbClr val="404040"/>
-                </a:solidFill>
-                <a:latin typeface="Trebuchet MS"/>
+              <a:rPr b="0" lang="en-US" sz="3200" spc="-1" strike="noStrike">
+                <a:latin typeface="Arial"/>
               </a:rPr>
-              <a:t>Популярність</a:t>
+              <a:t>Класичний алгоритм </a:t>
             </a:r>
-            <a:endParaRPr b="0" lang="ru-RU" sz="2400" spc="-1" strike="noStrike">
-              <a:solidFill>
-                <a:srgbClr val="404040"/>
-              </a:solidFill>
-              <a:latin typeface="Trebuchet MS"/>
-            </a:endParaRPr>
-          </a:p>
-          <a:p>
-            <a:pPr>
-              <a:lnSpc>
-                <a:spcPct val="200000"/>
-              </a:lnSpc>
+            <a:r>
+              <a:rPr b="0" lang="en-US" sz="3200" spc="-1" strike="noStrike">
+                <a:latin typeface="Arial"/>
+              </a:rPr>
+              <a:t>оцінки нейромереж </a:t>
+            </a:r>
+            <a:r>
+              <a:rPr b="0" lang="en-US" sz="3200" spc="-1" strike="noStrike">
+                <a:latin typeface="Arial"/>
+              </a:rPr>
+              <a:t>завдяки метрикам</a:t>
+            </a:r>
+            <a:endParaRPr b="0" lang="en-US" sz="3200" spc="-1" strike="noStrike">
+              <a:latin typeface="Arial"/>
+            </a:endParaRPr>
+          </a:p>
+        </p:txBody>
+      </p:sp>
+      <p:sp>
+        <p:nvSpPr>
+          <p:cNvPr id="123" name="PlaceHolder 4"/>
+          <p:cNvSpPr>
+            <a:spLocks noGrp="1"/>
+          </p:cNvSpPr>
+          <p:nvPr>
+            <p:ph/>
+          </p:nvPr>
+        </p:nvSpPr>
+        <p:spPr>
+          <a:xfrm>
+            <a:off x="6231960" y="3682080"/>
+            <a:ext cx="5354280" cy="1896840"/>
+          </a:xfrm>
+          <a:prstGeom prst="rect">
+            <a:avLst/>
+          </a:prstGeom>
+          <a:noFill/>
+          <a:ln w="0">
+            <a:noFill/>
+          </a:ln>
+        </p:spPr>
+        <p:txBody>
+          <a:bodyPr lIns="0" rIns="0" tIns="0" bIns="0" anchor="t">
+            <a:normAutofit/>
+          </a:bodyPr>
+          <a:p>
+            <a:pPr marL="432000" indent="-324000">
               <a:spcBef>
-                <a:spcPts val="1001"/>
+                <a:spcPts val="1417"/>
               </a:spcBef>
-              <a:tabLst>
-                <a:tab algn="l" pos="0"/>
-              </a:tabLst>
-            </a:pPr>
-            <a:endParaRPr b="0" lang="ru-RU" sz="2400" spc="-1" strike="noStrike">
-              <a:solidFill>
-                <a:srgbClr val="404040"/>
-              </a:solidFill>
-              <a:latin typeface="Trebuchet MS"/>
-            </a:endParaRPr>
-          </a:p>
-          <a:p>
-            <a:pPr>
-              <a:lnSpc>
-                <a:spcPct val="200000"/>
-              </a:lnSpc>
-              <a:spcBef>
-                <a:spcPts val="1001"/>
-              </a:spcBef>
-              <a:tabLst>
-                <a:tab algn="l" pos="0"/>
-              </a:tabLst>
-            </a:pPr>
-            <a:endParaRPr b="0" lang="ru-RU" sz="2400" spc="-1" strike="noStrike">
-              <a:solidFill>
-                <a:srgbClr val="404040"/>
-              </a:solidFill>
-              <a:latin typeface="Trebuchet MS"/>
-            </a:endParaRPr>
-          </a:p>
-          <a:p>
-            <a:pPr>
-              <a:lnSpc>
-                <a:spcPct val="200000"/>
-              </a:lnSpc>
-              <a:spcBef>
-                <a:spcPts val="1001"/>
-              </a:spcBef>
-              <a:tabLst>
-                <a:tab algn="l" pos="0"/>
-              </a:tabLst>
-            </a:pPr>
-            <a:endParaRPr b="0" lang="ru-RU" sz="2400" spc="-1" strike="noStrike">
-              <a:solidFill>
-                <a:srgbClr val="404040"/>
-              </a:solidFill>
-              <a:latin typeface="Trebuchet MS"/>
+              <a:buClr>
+                <a:srgbClr val="000000"/>
+              </a:buClr>
+              <a:buSzPct val="45000"/>
+              <a:buFont typeface="Wingdings" charset="2"/>
+              <a:buChar char=""/>
+            </a:pPr>
+            <a:r>
+              <a:rPr b="0" lang="en-US" sz="3200" spc="-1" strike="noStrike">
+                <a:latin typeface="Arial"/>
+              </a:rPr>
+              <a:t>Алгоритм факторного аналізу нейромережі для оцінки впливовості гіперпараметрів</a:t>
+            </a:r>
+            <a:endParaRPr b="0" lang="en-US" sz="3200" spc="-1" strike="noStrike">
+              <a:latin typeface="Arial"/>
             </a:endParaRPr>
           </a:p>
         </p:txBody>
@@ -6753,25 +6963,31 @@
       </p:grpSpPr>
       <p:sp>
         <p:nvSpPr>
-          <p:cNvPr id="122" name="TextShape 1"/>
-          <p:cNvSpPr txBox="1"/>
+          <p:cNvPr id="124" name="TextShape 1"/>
+          <p:cNvSpPr/>
           <p:nvPr/>
         </p:nvSpPr>
         <p:spPr>
           <a:xfrm>
             <a:off x="677160" y="609480"/>
-            <a:ext cx="8596440" cy="1320480"/>
-          </a:xfrm>
-          <a:prstGeom prst="rect">
-            <a:avLst/>
-          </a:prstGeom>
-          <a:noFill/>
-          <a:ln>
-            <a:noFill/>
-          </a:ln>
-        </p:spPr>
-        <p:txBody>
-          <a:bodyPr>
+            <a:ext cx="3629880" cy="1320120"/>
+          </a:xfrm>
+          <a:prstGeom prst="rect">
+            <a:avLst/>
+          </a:prstGeom>
+          <a:noFill/>
+          <a:ln w="0">
+            <a:noFill/>
+          </a:ln>
+        </p:spPr>
+        <p:style>
+          <a:lnRef idx="0"/>
+          <a:fillRef idx="0"/>
+          <a:effectRef idx="0"/>
+          <a:fontRef idx="minor"/>
+        </p:style>
+        <p:txBody>
+          <a:bodyPr lIns="90000" rIns="90000" tIns="45000" bIns="45000" anchor="t">
             <a:noAutofit/>
           </a:bodyPr>
           <a:p>
@@ -6779,6 +6995,7 @@
               <a:lnSpc>
                 <a:spcPct val="100000"/>
               </a:lnSpc>
+              <a:buNone/>
             </a:pPr>
             <a:r>
               <a:rPr b="0" lang="uk-UA" sz="3600" spc="-1" strike="noStrike">
@@ -6787,223 +7004,37 @@
                 </a:solidFill>
                 <a:latin typeface="Trebuchet MS"/>
               </a:rPr>
-              <a:t>Розроблена</a:t>
+              <a:t>Діаграма класів</a:t>
             </a:r>
-            <a:r>
-              <a:rPr b="0" lang="ru-RU" sz="3600" spc="-1" strike="noStrike">
-                <a:solidFill>
-                  <a:srgbClr val="5fcbef"/>
-                </a:solidFill>
-                <a:latin typeface="Trebuchet MS"/>
-              </a:rPr>
-              <a:t> </a:t>
-            </a:r>
-            <a:r>
-              <a:rPr b="0" lang="uk-UA" sz="3600" spc="-1" strike="noStrike">
-                <a:solidFill>
-                  <a:srgbClr val="5fcbef"/>
-                </a:solidFill>
-                <a:latin typeface="Trebuchet MS"/>
-              </a:rPr>
-              <a:t>інформаційна</a:t>
-            </a:r>
-            <a:r>
-              <a:rPr b="0" lang="ru-RU" sz="3600" spc="-1" strike="noStrike">
-                <a:solidFill>
-                  <a:srgbClr val="5fcbef"/>
-                </a:solidFill>
-                <a:latin typeface="Trebuchet MS"/>
-              </a:rPr>
-              <a:t> система </a:t>
-            </a:r>
-            <a:r>
-              <a:rPr b="0" lang="uk-UA" sz="3600" spc="-1" strike="noStrike">
-                <a:solidFill>
-                  <a:srgbClr val="5fcbef"/>
-                </a:solidFill>
-                <a:latin typeface="Trebuchet MS"/>
-              </a:rPr>
-              <a:t>збору</a:t>
-            </a:r>
-            <a:r>
-              <a:rPr b="0" lang="ru-RU" sz="3600" spc="-1" strike="noStrike">
-                <a:solidFill>
-                  <a:srgbClr val="5fcbef"/>
-                </a:solidFill>
-                <a:latin typeface="Trebuchet MS"/>
-              </a:rPr>
-              <a:t>, обробки та </a:t>
-            </a:r>
-            <a:r>
-              <a:rPr b="0" lang="uk-UA" sz="3600" spc="-1" strike="noStrike">
-                <a:solidFill>
-                  <a:srgbClr val="5fcbef"/>
-                </a:solidFill>
-                <a:latin typeface="Trebuchet MS"/>
-              </a:rPr>
-              <a:t>аналізу</a:t>
-            </a:r>
-            <a:r>
-              <a:rPr b="0" lang="ru-RU" sz="3600" spc="-1" strike="noStrike">
-                <a:solidFill>
-                  <a:srgbClr val="5fcbef"/>
-                </a:solidFill>
-                <a:latin typeface="Trebuchet MS"/>
-              </a:rPr>
-              <a:t> </a:t>
-            </a:r>
-            <a:r>
-              <a:rPr b="0" lang="uk-UA" sz="3600" spc="-1" strike="noStrike">
-                <a:solidFill>
-                  <a:srgbClr val="5fcbef"/>
-                </a:solidFill>
-                <a:latin typeface="Trebuchet MS"/>
-              </a:rPr>
-              <a:t>метеоданих</a:t>
-            </a:r>
-            <a:endParaRPr b="0" lang="ru-RU" sz="3600" spc="-1" strike="noStrike">
-              <a:solidFill>
-                <a:srgbClr val="000000"/>
-              </a:solidFill>
-              <a:latin typeface="Trebuchet MS"/>
-            </a:endParaRPr>
-          </a:p>
-        </p:txBody>
-      </p:sp>
-      <p:sp>
-        <p:nvSpPr>
-          <p:cNvPr id="123" name="TextShape 2"/>
-          <p:cNvSpPr txBox="1"/>
+            <a:endParaRPr b="0" lang="en-US" sz="3600" spc="-1" strike="noStrike">
+              <a:latin typeface="Arial"/>
+            </a:endParaRPr>
+          </a:p>
+        </p:txBody>
+      </p:sp>
+      <p:pic>
+        <p:nvPicPr>
+          <p:cNvPr id="125" name="" descr=""/>
+          <p:cNvPicPr/>
           <p:nvPr/>
-        </p:nvSpPr>
-        <p:spPr>
-          <a:xfrm>
-            <a:off x="677160" y="2160720"/>
-            <a:ext cx="8596440" cy="3880440"/>
-          </a:xfrm>
-          <a:prstGeom prst="rect">
-            <a:avLst/>
-          </a:prstGeom>
-          <a:noFill/>
-          <a:ln>
-            <a:noFill/>
-          </a:ln>
-        </p:spPr>
-        <p:txBody>
-          <a:bodyPr>
-            <a:normAutofit/>
-          </a:bodyPr>
-          <a:p>
-            <a:pPr marL="343080" indent="-342720">
-              <a:lnSpc>
-                <a:spcPct val="200000"/>
-              </a:lnSpc>
-              <a:spcBef>
-                <a:spcPts val="1001"/>
-              </a:spcBef>
-              <a:buClr>
-                <a:srgbClr val="5fcbef"/>
-              </a:buClr>
-              <a:buSzPct val="80000"/>
-              <a:buFont typeface="Wingdings 3" charset="2"/>
-              <a:buChar char=""/>
-            </a:pPr>
-            <a:r>
-              <a:rPr b="0" lang="uk-UA" sz="2400" spc="-1" strike="noStrike">
-                <a:solidFill>
-                  <a:srgbClr val="404040"/>
-                </a:solidFill>
-                <a:latin typeface="Trebuchet MS"/>
-              </a:rPr>
-              <a:t>Тестування ефективності алгоритмів</a:t>
-            </a:r>
-            <a:endParaRPr b="0" lang="ru-RU" sz="2400" spc="-1" strike="noStrike">
-              <a:solidFill>
-                <a:srgbClr val="404040"/>
-              </a:solidFill>
-              <a:latin typeface="Trebuchet MS"/>
-            </a:endParaRPr>
-          </a:p>
-          <a:p>
-            <a:pPr marL="343080" indent="-342720">
-              <a:lnSpc>
-                <a:spcPct val="200000"/>
-              </a:lnSpc>
-              <a:spcBef>
-                <a:spcPts val="1001"/>
-              </a:spcBef>
-              <a:buClr>
-                <a:srgbClr val="5fcbef"/>
-              </a:buClr>
-              <a:buSzPct val="80000"/>
-              <a:buFont typeface="Wingdings 3" charset="2"/>
-              <a:buChar char=""/>
-            </a:pPr>
-            <a:r>
-              <a:rPr b="0" lang="uk-UA" sz="2400" spc="-1" strike="noStrike">
-                <a:solidFill>
-                  <a:srgbClr val="404040"/>
-                </a:solidFill>
-                <a:latin typeface="Trebuchet MS"/>
-              </a:rPr>
-              <a:t>Легкість використання</a:t>
-            </a:r>
-            <a:endParaRPr b="0" lang="ru-RU" sz="2400" spc="-1" strike="noStrike">
-              <a:solidFill>
-                <a:srgbClr val="404040"/>
-              </a:solidFill>
-              <a:latin typeface="Trebuchet MS"/>
-            </a:endParaRPr>
-          </a:p>
-          <a:p>
-            <a:pPr marL="343080" indent="-342720">
-              <a:lnSpc>
-                <a:spcPct val="200000"/>
-              </a:lnSpc>
-              <a:spcBef>
-                <a:spcPts val="1001"/>
-              </a:spcBef>
-              <a:buClr>
-                <a:srgbClr val="5fcbef"/>
-              </a:buClr>
-              <a:buSzPct val="80000"/>
-              <a:buFont typeface="Wingdings 3" charset="2"/>
-              <a:buChar char=""/>
-            </a:pPr>
-            <a:r>
-              <a:rPr b="0" lang="uk-UA" sz="2400" spc="-1" strike="noStrike">
-                <a:solidFill>
-                  <a:srgbClr val="404040"/>
-                </a:solidFill>
-                <a:latin typeface="Trebuchet MS"/>
-              </a:rPr>
-              <a:t>Зрозумілий інтерфейс</a:t>
-            </a:r>
-            <a:endParaRPr b="0" lang="ru-RU" sz="2400" spc="-1" strike="noStrike">
-              <a:solidFill>
-                <a:srgbClr val="404040"/>
-              </a:solidFill>
-              <a:latin typeface="Trebuchet MS"/>
-            </a:endParaRPr>
-          </a:p>
-          <a:p>
-            <a:pPr>
-              <a:lnSpc>
-                <a:spcPct val="200000"/>
-              </a:lnSpc>
-              <a:spcBef>
-                <a:spcPts val="1001"/>
-              </a:spcBef>
-            </a:pPr>
-            <a:endParaRPr b="0" lang="ru-RU" sz="2400" spc="-1" strike="noStrike">
-              <a:solidFill>
-                <a:srgbClr val="404040"/>
-              </a:solidFill>
-              <a:latin typeface="Trebuchet MS"/>
-            </a:endParaRPr>
-          </a:p>
-        </p:txBody>
-      </p:sp>
+        </p:nvPicPr>
+        <p:blipFill>
+          <a:blip r:embed="rId1"/>
+          <a:stretch/>
+        </p:blipFill>
+        <p:spPr>
+          <a:xfrm>
+            <a:off x="3200400" y="0"/>
+            <a:ext cx="8991720" cy="6857640"/>
+          </a:xfrm>
+          <a:prstGeom prst="rect">
+            <a:avLst/>
+          </a:prstGeom>
+          <a:ln w="0">
+            <a:noFill/>
+          </a:ln>
+        </p:spPr>
+      </p:pic>
     </p:spTree>
   </p:cSld>
   <mc:AlternateContent>
@@ -7036,25 +7067,31 @@
       </p:grpSpPr>
       <p:sp>
         <p:nvSpPr>
-          <p:cNvPr id="124" name="TextShape 1"/>
-          <p:cNvSpPr txBox="1"/>
+          <p:cNvPr id="126" name="TextShape 1"/>
+          <p:cNvSpPr/>
           <p:nvPr/>
         </p:nvSpPr>
         <p:spPr>
           <a:xfrm>
-            <a:off x="677160" y="3162600"/>
-            <a:ext cx="8596440" cy="1320480"/>
-          </a:xfrm>
-          <a:prstGeom prst="rect">
-            <a:avLst/>
-          </a:prstGeom>
-          <a:noFill/>
-          <a:ln>
-            <a:noFill/>
-          </a:ln>
-        </p:spPr>
-        <p:txBody>
-          <a:bodyPr>
+            <a:off x="677160" y="609480"/>
+            <a:ext cx="8596080" cy="1320120"/>
+          </a:xfrm>
+          <a:prstGeom prst="rect">
+            <a:avLst/>
+          </a:prstGeom>
+          <a:noFill/>
+          <a:ln w="0">
+            <a:noFill/>
+          </a:ln>
+        </p:spPr>
+        <p:style>
+          <a:lnRef idx="0"/>
+          <a:fillRef idx="0"/>
+          <a:effectRef idx="0"/>
+          <a:fontRef idx="minor"/>
+        </p:style>
+        <p:txBody>
+          <a:bodyPr lIns="90000" rIns="90000" tIns="45000" bIns="45000" anchor="t">
             <a:noAutofit/>
           </a:bodyPr>
           <a:p>
@@ -7062,6 +7099,7 @@
               <a:lnSpc>
                 <a:spcPct val="100000"/>
               </a:lnSpc>
+              <a:buNone/>
             </a:pPr>
             <a:r>
               <a:rPr b="0" lang="uk-UA" sz="3600" spc="-1" strike="noStrike">
@@ -7070,47 +7108,50 @@
                 </a:solidFill>
                 <a:latin typeface="Trebuchet MS"/>
               </a:rPr>
-              <a:t>Розроблені для інформаційної </a:t>
+              <a:t>Використані архітектури алгоритмів машинного навчання</a:t>
             </a:r>
             <a:r>
-              <a:rPr b="0" lang="uk-UA" sz="3600" spc="-1" strike="noStrike">
+              <a:rPr b="0" lang="en-US" sz="3600" spc="-1" strike="noStrike">
                 <a:solidFill>
                   <a:srgbClr val="5fcbef"/>
                 </a:solidFill>
                 <a:latin typeface="Trebuchet MS"/>
               </a:rPr>
-              <a:t>системи діаграми</a:t>
+              <a:t>:</a:t>
             </a:r>
-            <a:endParaRPr b="0" lang="ru-RU" sz="3600" spc="-1" strike="noStrike">
-              <a:solidFill>
-                <a:srgbClr val="000000"/>
-              </a:solidFill>
-              <a:latin typeface="Trebuchet MS"/>
-            </a:endParaRPr>
-          </a:p>
-        </p:txBody>
-      </p:sp>
-      <p:sp>
-        <p:nvSpPr>
-          <p:cNvPr id="125" name="TextShape 2"/>
-          <p:cNvSpPr txBox="1"/>
+            <a:endParaRPr b="0" lang="en-US" sz="3600" spc="-1" strike="noStrike">
+              <a:latin typeface="Arial"/>
+            </a:endParaRPr>
+          </a:p>
+        </p:txBody>
+      </p:sp>
+      <p:sp>
+        <p:nvSpPr>
+          <p:cNvPr id="127" name="TextShape 2"/>
+          <p:cNvSpPr/>
           <p:nvPr/>
         </p:nvSpPr>
         <p:spPr>
           <a:xfrm>
-            <a:off x="677160" y="4590720"/>
-            <a:ext cx="8596440" cy="876960"/>
-          </a:xfrm>
-          <a:prstGeom prst="rect">
-            <a:avLst/>
-          </a:prstGeom>
-          <a:noFill/>
-          <a:ln>
-            <a:noFill/>
-          </a:ln>
-        </p:spPr>
-        <p:txBody>
-          <a:bodyPr>
+            <a:off x="677160" y="2160720"/>
+            <a:ext cx="8596080" cy="2140560"/>
+          </a:xfrm>
+          <a:prstGeom prst="rect">
+            <a:avLst/>
+          </a:prstGeom>
+          <a:noFill/>
+          <a:ln w="0">
+            <a:noFill/>
+          </a:ln>
+        </p:spPr>
+        <p:style>
+          <a:lnRef idx="0"/>
+          <a:fillRef idx="0"/>
+          <a:effectRef idx="0"/>
+          <a:fontRef idx="minor"/>
+        </p:style>
+        <p:txBody>
+          <a:bodyPr lIns="90000" rIns="90000" tIns="45000" bIns="45000" anchor="t">
             <a:noAutofit/>
           </a:bodyPr>
           <a:p>
@@ -7129,19 +7170,16 @@
               <a:buChar char=""/>
             </a:pPr>
             <a:r>
-              <a:rPr b="0" lang="uk-UA" sz="1800" spc="-1" strike="noStrike">
+              <a:rPr b="0" lang="uk-UA" sz="2100" spc="-1" strike="noStrike">
                 <a:solidFill>
                   <a:srgbClr val="404040"/>
                 </a:solidFill>
                 <a:latin typeface="Trebuchet MS"/>
               </a:rPr>
-              <a:t>Варіантів використання</a:t>
+              <a:t>Перцептрон</a:t>
             </a:r>
-            <a:endParaRPr b="0" lang="ru-RU" sz="1800" spc="-1" strike="noStrike">
-              <a:solidFill>
-                <a:srgbClr val="404040"/>
-              </a:solidFill>
-              <a:latin typeface="Trebuchet MS"/>
+            <a:endParaRPr b="0" lang="en-US" sz="2100" spc="-1" strike="noStrike">
+              <a:latin typeface="Arial"/>
             </a:endParaRPr>
           </a:p>
           <a:p>
@@ -7160,118 +7198,18 @@
               <a:buChar char=""/>
             </a:pPr>
             <a:r>
-              <a:rPr b="0" lang="uk-UA" sz="1800" spc="-1" strike="noStrike">
+              <a:rPr b="0" lang="en-US" sz="2100" spc="-1" strike="noStrike">
                 <a:solidFill>
                   <a:srgbClr val="404040"/>
                 </a:solidFill>
                 <a:latin typeface="Trebuchet MS"/>
               </a:rPr>
-              <a:t>Класів</a:t>
+              <a:t>Рекурентна</a:t>
             </a:r>
-            <a:endParaRPr b="0" lang="ru-RU" sz="1800" spc="-1" strike="noStrike">
-              <a:solidFill>
-                <a:srgbClr val="404040"/>
-              </a:solidFill>
-              <a:latin typeface="Trebuchet MS"/>
-            </a:endParaRPr>
-          </a:p>
-          <a:p>
-            <a:pPr>
-              <a:lnSpc>
-                <a:spcPct val="100000"/>
-              </a:lnSpc>
-              <a:spcBef>
-                <a:spcPts val="1001"/>
-              </a:spcBef>
-            </a:pPr>
-            <a:endParaRPr b="0" lang="ru-RU" sz="1800" spc="-1" strike="noStrike">
-              <a:solidFill>
-                <a:srgbClr val="404040"/>
-              </a:solidFill>
-              <a:latin typeface="Trebuchet MS"/>
-            </a:endParaRPr>
-          </a:p>
-        </p:txBody>
-      </p:sp>
-      <p:sp>
-        <p:nvSpPr>
-          <p:cNvPr id="126" name="CustomShape 3"/>
-          <p:cNvSpPr/>
-          <p:nvPr/>
-        </p:nvSpPr>
-        <p:spPr>
-          <a:xfrm>
-            <a:off x="677160" y="818280"/>
-            <a:ext cx="8596440" cy="1320480"/>
-          </a:xfrm>
-          <a:prstGeom prst="rect">
-            <a:avLst/>
-          </a:prstGeom>
-          <a:noFill/>
-          <a:ln>
-            <a:noFill/>
-          </a:ln>
-        </p:spPr>
-        <p:style>
-          <a:lnRef idx="0"/>
-          <a:fillRef idx="0"/>
-          <a:effectRef idx="0"/>
-          <a:fontRef idx="minor"/>
-        </p:style>
-        <p:txBody>
-          <a:bodyPr>
-            <a:normAutofit/>
-          </a:bodyPr>
-          <a:p>
-            <a:pPr>
-              <a:lnSpc>
-                <a:spcPct val="100000"/>
-              </a:lnSpc>
-            </a:pPr>
-            <a:r>
-              <a:rPr b="0" lang="uk-UA" sz="3600" spc="-1" strike="noStrike">
-                <a:solidFill>
-                  <a:srgbClr val="5fcbef"/>
-                </a:solidFill>
-                <a:latin typeface="Trebuchet MS"/>
-              </a:rPr>
-              <a:t>Мета розробки інформаційної системи</a:t>
-            </a:r>
-            <a:endParaRPr b="0" lang="en-US" sz="3600" spc="-1" strike="noStrike">
-              <a:latin typeface="Arial"/>
-            </a:endParaRPr>
-          </a:p>
-        </p:txBody>
-      </p:sp>
-      <p:sp>
-        <p:nvSpPr>
-          <p:cNvPr id="127" name="CustomShape 4"/>
-          <p:cNvSpPr/>
-          <p:nvPr/>
-        </p:nvSpPr>
-        <p:spPr>
-          <a:xfrm>
-            <a:off x="677160" y="1979640"/>
-            <a:ext cx="8596440" cy="1129320"/>
-          </a:xfrm>
-          <a:prstGeom prst="rect">
-            <a:avLst/>
-          </a:prstGeom>
-          <a:noFill/>
-          <a:ln>
-            <a:noFill/>
-          </a:ln>
-        </p:spPr>
-        <p:style>
-          <a:lnRef idx="0"/>
-          <a:fillRef idx="0"/>
-          <a:effectRef idx="0"/>
-          <a:fontRef idx="minor"/>
-        </p:style>
-        <p:txBody>
-          <a:bodyPr>
-            <a:normAutofit/>
-          </a:bodyPr>
+            <a:endParaRPr b="0" lang="en-US" sz="2100" spc="-1" strike="noStrike">
+              <a:latin typeface="Arial"/>
+            </a:endParaRPr>
+          </a:p>
           <a:p>
             <a:pPr marL="343080" indent="-342720">
               <a:lnSpc>
@@ -7288,15 +7226,15 @@
               <a:buChar char=""/>
             </a:pPr>
             <a:r>
-              <a:rPr b="0" lang="uk-UA" sz="1800" spc="-1" strike="noStrike">
+              <a:rPr b="0" lang="uk-UA" sz="2100" spc="-1" strike="noStrike">
                 <a:solidFill>
                   <a:srgbClr val="404040"/>
                 </a:solidFill>
                 <a:latin typeface="Trebuchet MS"/>
               </a:rPr>
-              <a:t>Надання можливості зручного тестування алгоритмів аналізу метеоданих і пошуку аномалій в них</a:t>
+              <a:t>Автоенкодер</a:t>
             </a:r>
-            <a:endParaRPr b="0" lang="en-US" sz="1800" spc="-1" strike="noStrike">
+            <a:endParaRPr b="0" lang="en-US" sz="2100" spc="-1" strike="noStrike">
               <a:latin typeface="Arial"/>
             </a:endParaRPr>
           </a:p>
@@ -7315,16 +7253,7 @@
               <a:buFont typeface="Wingdings 3" charset="2"/>
               <a:buChar char=""/>
             </a:pPr>
-            <a:r>
-              <a:rPr b="0" lang="uk-UA" sz="1800" spc="-1" strike="noStrike">
-                <a:solidFill>
-                  <a:srgbClr val="404040"/>
-                </a:solidFill>
-                <a:latin typeface="Trebuchet MS"/>
-              </a:rPr>
-              <a:t>Відображення результатів тестування алгоритмів</a:t>
-            </a:r>
-            <a:endParaRPr b="0" lang="en-US" sz="1800" spc="-1" strike="noStrike">
+            <a:endParaRPr b="0" lang="en-US" sz="2100" spc="-1" strike="noStrike">
               <a:latin typeface="Arial"/>
             </a:endParaRPr>
           </a:p>
@@ -7336,6 +7265,44 @@
               <a:spcBef>
                 <a:spcPts val="1001"/>
               </a:spcBef>
+              <a:buNone/>
+            </a:pPr>
+            <a:r>
+              <a:rPr b="0" lang="ru-RU" sz="1800" spc="-1" strike="noStrike">
+                <a:solidFill>
+                  <a:srgbClr val="404040"/>
+                </a:solidFill>
+                <a:latin typeface="Trebuchet MS"/>
+              </a:rPr>
+              <a:t>Кожна з варіантів нейромереж була використана для вирішення задач прогнозування і классифікації метеоданих</a:t>
+            </a:r>
+            <a:endParaRPr b="0" lang="en-US" sz="1800" spc="-1" strike="noStrike">
+              <a:latin typeface="Arial"/>
+            </a:endParaRPr>
+          </a:p>
+          <a:p>
+            <a:pPr>
+              <a:lnSpc>
+                <a:spcPct val="100000"/>
+              </a:lnSpc>
+              <a:spcBef>
+                <a:spcPts val="1001"/>
+              </a:spcBef>
+              <a:buNone/>
+            </a:pPr>
+            <a:endParaRPr b="0" lang="en-US" sz="1800" spc="-1" strike="noStrike">
+              <a:latin typeface="Arial"/>
+            </a:endParaRPr>
+          </a:p>
+          <a:p>
+            <a:pPr>
+              <a:lnSpc>
+                <a:spcPct val="100000"/>
+              </a:lnSpc>
+              <a:spcBef>
+                <a:spcPts val="1001"/>
+              </a:spcBef>
+              <a:buNone/>
             </a:pPr>
             <a:endParaRPr b="0" lang="en-US" sz="1800" spc="-1" strike="noStrike">
               <a:latin typeface="Arial"/>
@@ -7375,83 +7342,84 @@
       </p:grpSpPr>
       <p:sp>
         <p:nvSpPr>
-          <p:cNvPr id="128" name="TextShape 1"/>
-          <p:cNvSpPr txBox="1"/>
-          <p:nvPr/>
-        </p:nvSpPr>
-        <p:spPr>
-          <a:xfrm>
-            <a:off x="687240" y="822240"/>
-            <a:ext cx="4559400" cy="1303920"/>
-          </a:xfrm>
-          <a:prstGeom prst="rect">
-            <a:avLst/>
-          </a:prstGeom>
-          <a:noFill/>
-          <a:ln>
-            <a:noFill/>
-          </a:ln>
-        </p:spPr>
-        <p:txBody>
-          <a:bodyPr>
+          <p:cNvPr id="128" name="PlaceHolder 1"/>
+          <p:cNvSpPr>
+            <a:spLocks noGrp="1"/>
+          </p:cNvSpPr>
+          <p:nvPr>
+            <p:ph type="title"/>
+          </p:nvPr>
+        </p:nvSpPr>
+        <p:spPr>
+          <a:xfrm>
+            <a:off x="609480" y="273600"/>
+            <a:ext cx="10972440" cy="1144800"/>
+          </a:xfrm>
+          <a:prstGeom prst="rect">
+            <a:avLst/>
+          </a:prstGeom>
+          <a:noFill/>
+          <a:ln w="0">
+            <a:noFill/>
+          </a:ln>
+        </p:spPr>
+        <p:txBody>
+          <a:bodyPr lIns="0" rIns="0" tIns="0" bIns="0" anchor="ctr">
             <a:noAutofit/>
           </a:bodyPr>
           <a:p>
-            <a:pPr>
-              <a:lnSpc>
-                <a:spcPct val="100000"/>
-              </a:lnSpc>
+            <a:pPr algn="ctr">
+              <a:buNone/>
             </a:pPr>
             <a:r>
-              <a:rPr b="0" lang="ru-RU" sz="3600" spc="-1" strike="noStrike">
-                <a:solidFill>
-                  <a:srgbClr val="5fcbef"/>
-                </a:solidFill>
-                <a:latin typeface="Trebuchet MS"/>
+              <a:rPr b="0" lang="en-US" sz="4400" spc="-1" strike="noStrike">
+                <a:latin typeface="Arial"/>
               </a:rPr>
-              <a:t>Д</a:t>
+              <a:t>Перцептрон</a:t>
             </a:r>
-            <a:r>
-              <a:rPr b="0" lang="uk-UA" sz="3600" spc="-1" strike="noStrike">
-                <a:solidFill>
-                  <a:srgbClr val="5fcbef"/>
-                </a:solidFill>
-                <a:latin typeface="Trebuchet MS"/>
-              </a:rPr>
-              <a:t>іаграма варіантів використання</a:t>
-            </a:r>
-            <a:endParaRPr b="0" lang="ru-RU" sz="3600" spc="-1" strike="noStrike">
-              <a:solidFill>
-                <a:srgbClr val="000000"/>
-              </a:solidFill>
-              <a:latin typeface="Trebuchet MS"/>
-            </a:endParaRPr>
-          </a:p>
-        </p:txBody>
-      </p:sp>
-      <p:pic>
-        <p:nvPicPr>
-          <p:cNvPr id="129" name="Рисунок 3" descr=""/>
-          <p:cNvPicPr/>
-          <p:nvPr/>
-        </p:nvPicPr>
-        <p:blipFill>
-          <a:blip r:embed="rId1"/>
-          <a:stretch/>
-        </p:blipFill>
-        <p:spPr>
-          <a:xfrm>
-            <a:off x="4964760" y="0"/>
-            <a:ext cx="7118280" cy="6793200"/>
-          </a:xfrm>
-          <a:prstGeom prst="rect">
-            <a:avLst/>
-          </a:prstGeom>
-          <a:ln>
-            <a:noFill/>
-          </a:ln>
-        </p:spPr>
-      </p:pic>
+            <a:endParaRPr b="0" lang="en-US" sz="4400" spc="-1" strike="noStrike">
+              <a:latin typeface="Arial"/>
+            </a:endParaRPr>
+          </a:p>
+        </p:txBody>
+      </p:sp>
+      <p:sp>
+        <p:nvSpPr>
+          <p:cNvPr id="129" name="PlaceHolder 2"/>
+          <p:cNvSpPr>
+            <a:spLocks noGrp="1"/>
+          </p:cNvSpPr>
+          <p:nvPr>
+            <p:ph type="subTitle"/>
+          </p:nvPr>
+        </p:nvSpPr>
+        <p:spPr>
+          <a:xfrm>
+            <a:off x="609480" y="1604520"/>
+            <a:ext cx="10972440" cy="3977280"/>
+          </a:xfrm>
+          <a:prstGeom prst="rect">
+            <a:avLst/>
+          </a:prstGeom>
+          <a:noFill/>
+          <a:ln w="0">
+            <a:noFill/>
+          </a:ln>
+        </p:spPr>
+        <p:txBody>
+          <a:bodyPr lIns="0" rIns="0" tIns="0" bIns="0" anchor="ctr">
+            <a:noAutofit/>
+          </a:bodyPr>
+          <a:p>
+            <a:pPr algn="ctr">
+              <a:buNone/>
+            </a:pPr>
+            <a:endParaRPr b="0" lang="en-US" sz="3200" spc="-1" strike="noStrike">
+              <a:latin typeface="Arial"/>
+            </a:endParaRPr>
+          </a:p>
+        </p:txBody>
+      </p:sp>
     </p:spTree>
   </p:cSld>
   <mc:AlternateContent>
@@ -7484,74 +7452,84 @@
       </p:grpSpPr>
       <p:sp>
         <p:nvSpPr>
-          <p:cNvPr id="130" name="TextShape 1"/>
-          <p:cNvSpPr txBox="1"/>
-          <p:nvPr/>
-        </p:nvSpPr>
-        <p:spPr>
-          <a:xfrm>
-            <a:off x="677160" y="609480"/>
-            <a:ext cx="3630240" cy="1320480"/>
-          </a:xfrm>
-          <a:prstGeom prst="rect">
-            <a:avLst/>
-          </a:prstGeom>
-          <a:noFill/>
-          <a:ln>
-            <a:noFill/>
-          </a:ln>
-        </p:spPr>
-        <p:txBody>
-          <a:bodyPr>
+          <p:cNvPr id="130" name="PlaceHolder 1"/>
+          <p:cNvSpPr>
+            <a:spLocks noGrp="1"/>
+          </p:cNvSpPr>
+          <p:nvPr>
+            <p:ph type="title"/>
+          </p:nvPr>
+        </p:nvSpPr>
+        <p:spPr>
+          <a:xfrm>
+            <a:off x="609480" y="273600"/>
+            <a:ext cx="10972440" cy="1144800"/>
+          </a:xfrm>
+          <a:prstGeom prst="rect">
+            <a:avLst/>
+          </a:prstGeom>
+          <a:noFill/>
+          <a:ln w="0">
+            <a:noFill/>
+          </a:ln>
+        </p:spPr>
+        <p:txBody>
+          <a:bodyPr lIns="0" rIns="0" tIns="0" bIns="0" anchor="ctr">
             <a:noAutofit/>
           </a:bodyPr>
           <a:p>
-            <a:pPr>
-              <a:lnSpc>
-                <a:spcPct val="100000"/>
-              </a:lnSpc>
+            <a:pPr algn="ctr">
+              <a:buNone/>
             </a:pPr>
             <a:r>
-              <a:rPr b="0" lang="uk-UA" sz="3600" spc="-1" strike="noStrike">
-                <a:solidFill>
-                  <a:srgbClr val="5fcbef"/>
-                </a:solidFill>
-                <a:latin typeface="Trebuchet MS"/>
+              <a:rPr b="0" lang="en-US" sz="4400" spc="-1" strike="noStrike">
+                <a:latin typeface="Arial"/>
               </a:rPr>
-              <a:t>Діаграма класів</a:t>
+              <a:t>Реккурентна</a:t>
             </a:r>
-            <a:endParaRPr b="0" lang="ru-RU" sz="3600" spc="-1" strike="noStrike">
-              <a:solidFill>
-                <a:srgbClr val="000000"/>
-              </a:solidFill>
-              <a:latin typeface="Trebuchet MS"/>
-            </a:endParaRPr>
-          </a:p>
-        </p:txBody>
-      </p:sp>
-      <p:pic>
-        <p:nvPicPr>
-          <p:cNvPr id="131" name="Рисунок 3" descr=""/>
-          <p:cNvPicPr/>
-          <p:nvPr/>
-        </p:nvPicPr>
-        <p:blipFill>
-          <a:blip r:embed="rId1"/>
-          <a:stretch/>
-        </p:blipFill>
-        <p:spPr>
-          <a:xfrm>
-            <a:off x="4308120" y="257760"/>
-            <a:ext cx="4240080" cy="6130440"/>
-          </a:xfrm>
-          <a:prstGeom prst="rect">
-            <a:avLst/>
-          </a:prstGeom>
-          <a:ln>
-            <a:noFill/>
-          </a:ln>
-        </p:spPr>
-      </p:pic>
+            <a:endParaRPr b="0" lang="en-US" sz="4400" spc="-1" strike="noStrike">
+              <a:latin typeface="Arial"/>
+            </a:endParaRPr>
+          </a:p>
+        </p:txBody>
+      </p:sp>
+      <p:sp>
+        <p:nvSpPr>
+          <p:cNvPr id="131" name="PlaceHolder 2"/>
+          <p:cNvSpPr>
+            <a:spLocks noGrp="1"/>
+          </p:cNvSpPr>
+          <p:nvPr>
+            <p:ph type="subTitle"/>
+          </p:nvPr>
+        </p:nvSpPr>
+        <p:spPr>
+          <a:xfrm>
+            <a:off x="609480" y="1604520"/>
+            <a:ext cx="10972440" cy="3977280"/>
+          </a:xfrm>
+          <a:prstGeom prst="rect">
+            <a:avLst/>
+          </a:prstGeom>
+          <a:noFill/>
+          <a:ln w="0">
+            <a:noFill/>
+          </a:ln>
+        </p:spPr>
+        <p:txBody>
+          <a:bodyPr lIns="0" rIns="0" tIns="0" bIns="0" anchor="ctr">
+            <a:noAutofit/>
+          </a:bodyPr>
+          <a:p>
+            <a:pPr algn="ctr">
+              <a:buNone/>
+            </a:pPr>
+            <a:endParaRPr b="0" lang="en-US" sz="3200" spc="-1" strike="noStrike">
+              <a:latin typeface="Arial"/>
+            </a:endParaRPr>
+          </a:p>
+        </p:txBody>
+      </p:sp>
     </p:spTree>
   </p:cSld>
   <mc:AlternateContent>
@@ -7584,74 +7562,84 @@
       </p:grpSpPr>
       <p:sp>
         <p:nvSpPr>
-          <p:cNvPr id="132" name="TextShape 1"/>
-          <p:cNvSpPr txBox="1"/>
-          <p:nvPr/>
-        </p:nvSpPr>
-        <p:spPr>
-          <a:xfrm>
-            <a:off x="677160" y="609480"/>
-            <a:ext cx="8596440" cy="1320480"/>
-          </a:xfrm>
-          <a:prstGeom prst="rect">
-            <a:avLst/>
-          </a:prstGeom>
-          <a:noFill/>
-          <a:ln>
-            <a:noFill/>
-          </a:ln>
-        </p:spPr>
-        <p:txBody>
-          <a:bodyPr>
+          <p:cNvPr id="132" name="PlaceHolder 1"/>
+          <p:cNvSpPr>
+            <a:spLocks noGrp="1"/>
+          </p:cNvSpPr>
+          <p:nvPr>
+            <p:ph type="title"/>
+          </p:nvPr>
+        </p:nvSpPr>
+        <p:spPr>
+          <a:xfrm>
+            <a:off x="609480" y="273600"/>
+            <a:ext cx="10972440" cy="1144800"/>
+          </a:xfrm>
+          <a:prstGeom prst="rect">
+            <a:avLst/>
+          </a:prstGeom>
+          <a:noFill/>
+          <a:ln w="0">
+            <a:noFill/>
+          </a:ln>
+        </p:spPr>
+        <p:txBody>
+          <a:bodyPr lIns="0" rIns="0" tIns="0" bIns="0" anchor="ctr">
             <a:noAutofit/>
           </a:bodyPr>
           <a:p>
-            <a:pPr>
-              <a:lnSpc>
-                <a:spcPct val="100000"/>
-              </a:lnSpc>
+            <a:pPr algn="ctr">
+              <a:buNone/>
             </a:pPr>
             <a:r>
-              <a:rPr b="0" lang="uk-UA" sz="3600" spc="-1" strike="noStrike">
-                <a:solidFill>
-                  <a:srgbClr val="5fcbef"/>
-                </a:solidFill>
-                <a:latin typeface="Trebuchet MS"/>
+              <a:rPr b="0" lang="en-US" sz="4400" spc="-1" strike="noStrike">
+                <a:latin typeface="Arial"/>
               </a:rPr>
-              <a:t>Приклад інтерфейсу розробленої інформаційної системи</a:t>
+              <a:t>Автоенкодер</a:t>
             </a:r>
-            <a:endParaRPr b="0" lang="ru-RU" sz="3600" spc="-1" strike="noStrike">
-              <a:solidFill>
-                <a:srgbClr val="000000"/>
-              </a:solidFill>
-              <a:latin typeface="Trebuchet MS"/>
-            </a:endParaRPr>
-          </a:p>
-        </p:txBody>
-      </p:sp>
-      <p:pic>
-        <p:nvPicPr>
-          <p:cNvPr id="133" name="Объект 3" descr=""/>
-          <p:cNvPicPr/>
-          <p:nvPr/>
-        </p:nvPicPr>
-        <p:blipFill>
-          <a:blip r:embed="rId1"/>
-          <a:stretch/>
-        </p:blipFill>
-        <p:spPr>
-          <a:xfrm>
-            <a:off x="828360" y="1792080"/>
-            <a:ext cx="8253720" cy="4798800"/>
-          </a:xfrm>
-          <a:prstGeom prst="rect">
-            <a:avLst/>
-          </a:prstGeom>
-          <a:ln>
-            <a:noFill/>
-          </a:ln>
-        </p:spPr>
-      </p:pic>
+            <a:endParaRPr b="0" lang="en-US" sz="4400" spc="-1" strike="noStrike">
+              <a:latin typeface="Arial"/>
+            </a:endParaRPr>
+          </a:p>
+        </p:txBody>
+      </p:sp>
+      <p:sp>
+        <p:nvSpPr>
+          <p:cNvPr id="133" name="PlaceHolder 2"/>
+          <p:cNvSpPr>
+            <a:spLocks noGrp="1"/>
+          </p:cNvSpPr>
+          <p:nvPr>
+            <p:ph type="subTitle"/>
+          </p:nvPr>
+        </p:nvSpPr>
+        <p:spPr>
+          <a:xfrm>
+            <a:off x="609480" y="1604520"/>
+            <a:ext cx="10972440" cy="3977280"/>
+          </a:xfrm>
+          <a:prstGeom prst="rect">
+            <a:avLst/>
+          </a:prstGeom>
+          <a:noFill/>
+          <a:ln w="0">
+            <a:noFill/>
+          </a:ln>
+        </p:spPr>
+        <p:txBody>
+          <a:bodyPr lIns="0" rIns="0" tIns="0" bIns="0" anchor="ctr">
+            <a:noAutofit/>
+          </a:bodyPr>
+          <a:p>
+            <a:pPr algn="ctr">
+              <a:buNone/>
+            </a:pPr>
+            <a:endParaRPr b="0" lang="en-US" sz="3200" spc="-1" strike="noStrike">
+              <a:latin typeface="Arial"/>
+            </a:endParaRPr>
+          </a:p>
+        </p:txBody>
+      </p:sp>
     </p:spTree>
   </p:cSld>
   <mc:AlternateContent>
@@ -7684,329 +7672,76 @@
       </p:grpSpPr>
       <p:sp>
         <p:nvSpPr>
-          <p:cNvPr id="134" name="TextShape 1"/>
+          <p:cNvPr id="134" name="PlaceHolder 1"/>
+          <p:cNvSpPr>
+            <a:spLocks noGrp="1"/>
+          </p:cNvSpPr>
+          <p:nvPr>
+            <p:ph type="title"/>
+          </p:nvPr>
+        </p:nvSpPr>
+        <p:spPr>
+          <a:xfrm>
+            <a:off x="609480" y="273600"/>
+            <a:ext cx="10972440" cy="1144800"/>
+          </a:xfrm>
+          <a:prstGeom prst="rect">
+            <a:avLst/>
+          </a:prstGeom>
+          <a:noFill/>
+          <a:ln w="0">
+            <a:noFill/>
+          </a:ln>
+        </p:spPr>
+        <p:txBody>
+          <a:bodyPr lIns="0" rIns="0" tIns="0" bIns="0" anchor="ctr">
+            <a:noAutofit/>
+          </a:bodyPr>
+          <a:p>
+            <a:pPr algn="ctr">
+              <a:buNone/>
+            </a:pPr>
+            <a:r>
+              <a:rPr b="0" lang="en-US" sz="4400" spc="-1" strike="noStrike">
+                <a:latin typeface="Arial"/>
+              </a:rPr>
+              <a:t>Результати дослідження</a:t>
+            </a:r>
+            <a:endParaRPr b="0" lang="en-US" sz="4400" spc="-1" strike="noStrike">
+              <a:latin typeface="Arial"/>
+            </a:endParaRPr>
+          </a:p>
+        </p:txBody>
+      </p:sp>
+      <p:sp>
+        <p:nvSpPr>
+          <p:cNvPr id="135" name=""/>
           <p:cNvSpPr txBox="1"/>
           <p:nvPr/>
         </p:nvSpPr>
         <p:spPr>
           <a:xfrm>
-            <a:off x="677160" y="609480"/>
-            <a:ext cx="8596440" cy="1320480"/>
-          </a:xfrm>
-          <a:prstGeom prst="rect">
-            <a:avLst/>
-          </a:prstGeom>
-          <a:noFill/>
-          <a:ln>
-            <a:noFill/>
-          </a:ln>
-        </p:spPr>
-        <p:txBody>
-          <a:bodyPr>
+            <a:off x="609480" y="1604520"/>
+            <a:ext cx="10972440" cy="3977280"/>
+          </a:xfrm>
+          <a:prstGeom prst="rect">
+            <a:avLst/>
+          </a:prstGeom>
+          <a:noFill/>
+          <a:ln w="0">
+            <a:noFill/>
+          </a:ln>
+        </p:spPr>
+        <p:txBody>
+          <a:bodyPr numCol="1" spcCol="0" lIns="0" rIns="0" tIns="0" bIns="0" anchor="ctr">
             <a:noAutofit/>
           </a:bodyPr>
           <a:p>
-            <a:pPr>
-              <a:lnSpc>
-                <a:spcPct val="100000"/>
-              </a:lnSpc>
-            </a:pPr>
-            <a:r>
-              <a:rPr b="0" lang="uk-UA" sz="3600" spc="-1" strike="noStrike">
-                <a:solidFill>
-                  <a:srgbClr val="5fcbef"/>
-                </a:solidFill>
-                <a:latin typeface="Trebuchet MS"/>
-              </a:rPr>
-              <a:t>Використані програмні засоби та бібліотеки</a:t>
-            </a:r>
-            <a:r>
-              <a:rPr b="0" lang="en-US" sz="3600" spc="-1" strike="noStrike">
-                <a:solidFill>
-                  <a:srgbClr val="5fcbef"/>
-                </a:solidFill>
-                <a:latin typeface="Trebuchet MS"/>
-              </a:rPr>
-              <a:t>:</a:t>
-            </a:r>
-            <a:endParaRPr b="0" lang="ru-RU" sz="3600" spc="-1" strike="noStrike">
-              <a:solidFill>
-                <a:srgbClr val="000000"/>
-              </a:solidFill>
-              <a:latin typeface="Trebuchet MS"/>
-            </a:endParaRPr>
-          </a:p>
-        </p:txBody>
-      </p:sp>
-      <p:sp>
-        <p:nvSpPr>
-          <p:cNvPr id="135" name="TextShape 2"/>
-          <p:cNvSpPr txBox="1"/>
-          <p:nvPr/>
-        </p:nvSpPr>
-        <p:spPr>
-          <a:xfrm>
-            <a:off x="677160" y="2160720"/>
-            <a:ext cx="8596440" cy="2140920"/>
-          </a:xfrm>
-          <a:prstGeom prst="rect">
-            <a:avLst/>
-          </a:prstGeom>
-          <a:noFill/>
-          <a:ln>
-            <a:noFill/>
-          </a:ln>
-        </p:spPr>
-        <p:txBody>
-          <a:bodyPr>
-            <a:noAutofit/>
-          </a:bodyPr>
-          <a:p>
-            <a:pPr marL="343080" indent="-342720">
-              <a:lnSpc>
-                <a:spcPct val="100000"/>
-              </a:lnSpc>
-              <a:spcBef>
-                <a:spcPts val="1001"/>
-              </a:spcBef>
-              <a:buClr>
-                <a:srgbClr val="5fcbef"/>
-              </a:buClr>
-              <a:buSzPct val="80000"/>
-              <a:buFont typeface="Wingdings 3" charset="2"/>
-              <a:buChar char=""/>
-            </a:pPr>
-            <a:r>
-              <a:rPr b="0" lang="uk-UA" sz="1800" spc="-1" strike="noStrike">
-                <a:solidFill>
-                  <a:srgbClr val="404040"/>
-                </a:solidFill>
-                <a:latin typeface="Trebuchet MS"/>
-              </a:rPr>
-              <a:t>Мова програмування</a:t>
-            </a:r>
-            <a:r>
-              <a:rPr b="0" lang="en-US" sz="1800" spc="-1" strike="noStrike">
-                <a:solidFill>
-                  <a:srgbClr val="404040"/>
-                </a:solidFill>
-                <a:latin typeface="Trebuchet MS"/>
-              </a:rPr>
-              <a:t> Python3</a:t>
-            </a:r>
-            <a:endParaRPr b="0" lang="ru-RU" sz="1800" spc="-1" strike="noStrike">
-              <a:solidFill>
-                <a:srgbClr val="404040"/>
-              </a:solidFill>
-              <a:latin typeface="Trebuchet MS"/>
-            </a:endParaRPr>
-          </a:p>
-          <a:p>
-            <a:pPr marL="343080" indent="-342720">
-              <a:lnSpc>
-                <a:spcPct val="100000"/>
-              </a:lnSpc>
-              <a:spcBef>
-                <a:spcPts val="1001"/>
-              </a:spcBef>
-              <a:buClr>
-                <a:srgbClr val="5fcbef"/>
-              </a:buClr>
-              <a:buSzPct val="80000"/>
-              <a:buFont typeface="Wingdings 3" charset="2"/>
-              <a:buChar char=""/>
-            </a:pPr>
-            <a:r>
-              <a:rPr b="0" lang="uk-UA" sz="1800" spc="-1" strike="noStrike">
-                <a:solidFill>
-                  <a:srgbClr val="404040"/>
-                </a:solidFill>
-                <a:latin typeface="Trebuchet MS"/>
-              </a:rPr>
-              <a:t>Середовище для розробки </a:t>
-            </a:r>
-            <a:r>
-              <a:rPr b="0" lang="en-US" sz="1800" spc="-1" strike="noStrike">
-                <a:solidFill>
-                  <a:srgbClr val="404040"/>
-                </a:solidFill>
-                <a:latin typeface="Trebuchet MS"/>
-              </a:rPr>
-              <a:t>Anaconda</a:t>
-            </a:r>
-            <a:endParaRPr b="0" lang="ru-RU" sz="1800" spc="-1" strike="noStrike">
-              <a:solidFill>
-                <a:srgbClr val="404040"/>
-              </a:solidFill>
-              <a:latin typeface="Trebuchet MS"/>
-            </a:endParaRPr>
-          </a:p>
-          <a:p>
-            <a:pPr marL="343080" indent="-342720">
-              <a:lnSpc>
-                <a:spcPct val="100000"/>
-              </a:lnSpc>
-              <a:spcBef>
-                <a:spcPts val="1001"/>
-              </a:spcBef>
-              <a:buClr>
-                <a:srgbClr val="5fcbef"/>
-              </a:buClr>
-              <a:buSzPct val="80000"/>
-              <a:buFont typeface="Wingdings 3" charset="2"/>
-              <a:buChar char=""/>
-            </a:pPr>
-            <a:r>
-              <a:rPr b="0" lang="uk-UA" sz="1800" spc="-1" strike="noStrike">
-                <a:solidFill>
-                  <a:srgbClr val="404040"/>
-                </a:solidFill>
-                <a:latin typeface="Trebuchet MS"/>
-              </a:rPr>
-              <a:t>Веб-фреймворк </a:t>
-            </a:r>
-            <a:r>
-              <a:rPr b="0" lang="en-US" sz="1800" spc="-1" strike="noStrike">
-                <a:solidFill>
-                  <a:srgbClr val="404040"/>
-                </a:solidFill>
-                <a:latin typeface="Trebuchet MS"/>
-              </a:rPr>
-              <a:t>Django</a:t>
-            </a:r>
-            <a:endParaRPr b="0" lang="ru-RU" sz="1800" spc="-1" strike="noStrike">
-              <a:solidFill>
-                <a:srgbClr val="404040"/>
-              </a:solidFill>
-              <a:latin typeface="Trebuchet MS"/>
-            </a:endParaRPr>
-          </a:p>
-          <a:p>
-            <a:pPr marL="343080" indent="-342720">
-              <a:lnSpc>
-                <a:spcPct val="100000"/>
-              </a:lnSpc>
-              <a:spcBef>
-                <a:spcPts val="1001"/>
-              </a:spcBef>
-              <a:buClr>
-                <a:srgbClr val="5fcbef"/>
-              </a:buClr>
-              <a:buSzPct val="80000"/>
-              <a:buFont typeface="Wingdings 3" charset="2"/>
-              <a:buChar char=""/>
-            </a:pPr>
-            <a:r>
-              <a:rPr b="0" lang="uk-UA" sz="1800" spc="-1" strike="noStrike">
-                <a:solidFill>
-                  <a:srgbClr val="404040"/>
-                </a:solidFill>
-                <a:latin typeface="Trebuchet MS"/>
-              </a:rPr>
-              <a:t>СУБД </a:t>
-            </a:r>
-            <a:r>
-              <a:rPr b="0" lang="en-US" sz="1800" spc="-1" strike="noStrike">
-                <a:solidFill>
-                  <a:srgbClr val="404040"/>
-                </a:solidFill>
-                <a:latin typeface="Trebuchet MS"/>
-              </a:rPr>
-              <a:t>PostgreSQL</a:t>
-            </a:r>
-            <a:endParaRPr b="0" lang="ru-RU" sz="1800" spc="-1" strike="noStrike">
-              <a:solidFill>
-                <a:srgbClr val="404040"/>
-              </a:solidFill>
-              <a:latin typeface="Trebuchet MS"/>
-            </a:endParaRPr>
-          </a:p>
-          <a:p>
-            <a:pPr marL="343080" indent="-342720">
-              <a:lnSpc>
-                <a:spcPct val="100000"/>
-              </a:lnSpc>
-              <a:spcBef>
-                <a:spcPts val="1001"/>
-              </a:spcBef>
-              <a:buClr>
-                <a:srgbClr val="5fcbef"/>
-              </a:buClr>
-              <a:buSzPct val="80000"/>
-              <a:buFont typeface="Wingdings 3" charset="2"/>
-              <a:buChar char=""/>
-            </a:pPr>
-            <a:r>
-              <a:rPr b="0" lang="uk-UA" sz="1800" spc="-1" strike="noStrike">
-                <a:solidFill>
-                  <a:srgbClr val="404040"/>
-                </a:solidFill>
-                <a:latin typeface="Trebuchet MS"/>
-              </a:rPr>
-              <a:t>Бібліотека </a:t>
-            </a:r>
-            <a:r>
-              <a:rPr b="0" lang="en-US" sz="1800" spc="-1" strike="noStrike">
-                <a:solidFill>
-                  <a:srgbClr val="404040"/>
-                </a:solidFill>
-                <a:latin typeface="Trebuchet MS"/>
-              </a:rPr>
-              <a:t>Tensorflow2</a:t>
-            </a:r>
-            <a:endParaRPr b="0" lang="ru-RU" sz="1800" spc="-1" strike="noStrike">
-              <a:solidFill>
-                <a:srgbClr val="404040"/>
-              </a:solidFill>
-              <a:latin typeface="Trebuchet MS"/>
-            </a:endParaRPr>
-          </a:p>
-          <a:p>
-            <a:pPr>
-              <a:lnSpc>
-                <a:spcPct val="100000"/>
-              </a:lnSpc>
-              <a:spcBef>
-                <a:spcPts val="1001"/>
-              </a:spcBef>
-            </a:pPr>
-            <a:endParaRPr b="0" lang="ru-RU" sz="1800" spc="-1" strike="noStrike">
-              <a:solidFill>
-                <a:srgbClr val="404040"/>
-              </a:solidFill>
-              <a:latin typeface="Trebuchet MS"/>
-            </a:endParaRPr>
-          </a:p>
-          <a:p>
-            <a:pPr>
-              <a:lnSpc>
-                <a:spcPct val="100000"/>
-              </a:lnSpc>
-              <a:spcBef>
-                <a:spcPts val="1001"/>
-              </a:spcBef>
-            </a:pPr>
-            <a:endParaRPr b="0" lang="ru-RU" sz="1800" spc="-1" strike="noStrike">
-              <a:solidFill>
-                <a:srgbClr val="404040"/>
-              </a:solidFill>
-              <a:latin typeface="Trebuchet MS"/>
-            </a:endParaRPr>
-          </a:p>
-          <a:p>
-            <a:pPr>
-              <a:lnSpc>
-                <a:spcPct val="100000"/>
-              </a:lnSpc>
-              <a:spcBef>
-                <a:spcPts val="1001"/>
-              </a:spcBef>
-            </a:pPr>
-            <a:endParaRPr b="0" lang="ru-RU" sz="1800" spc="-1" strike="noStrike">
-              <a:solidFill>
-                <a:srgbClr val="404040"/>
-              </a:solidFill>
-              <a:latin typeface="Trebuchet MS"/>
+            <a:pPr algn="ctr">
+              <a:buNone/>
+            </a:pPr>
+            <a:endParaRPr b="0" lang="en-US" sz="3200" spc="-1" strike="noStrike">
+              <a:latin typeface="Arial"/>
             </a:endParaRPr>
           </a:p>
         </p:txBody>
